--- a/Aula_05_Cursores.pptx
+++ b/Aula_05_Cursores.pptx
@@ -8,31 +8,23 @@
     <p:sldId id="256" r:id="rId2"/>
     <p:sldId id="395" r:id="rId3"/>
     <p:sldId id="397" r:id="rId4"/>
-    <p:sldId id="398" r:id="rId5"/>
-    <p:sldId id="399" r:id="rId6"/>
-    <p:sldId id="400" r:id="rId7"/>
-    <p:sldId id="401" r:id="rId8"/>
-    <p:sldId id="396" r:id="rId9"/>
-    <p:sldId id="403" r:id="rId10"/>
-    <p:sldId id="404" r:id="rId11"/>
-    <p:sldId id="405" r:id="rId12"/>
-    <p:sldId id="406" r:id="rId13"/>
-    <p:sldId id="407" r:id="rId14"/>
-    <p:sldId id="408" r:id="rId15"/>
-    <p:sldId id="409" r:id="rId16"/>
-    <p:sldId id="410" r:id="rId17"/>
-    <p:sldId id="411" r:id="rId18"/>
-    <p:sldId id="413" r:id="rId19"/>
-    <p:sldId id="414" r:id="rId20"/>
-    <p:sldId id="412" r:id="rId21"/>
-    <p:sldId id="415" r:id="rId22"/>
-    <p:sldId id="416" r:id="rId23"/>
-    <p:sldId id="417" r:id="rId24"/>
-    <p:sldId id="418" r:id="rId25"/>
-    <p:sldId id="419" r:id="rId26"/>
-    <p:sldId id="420" r:id="rId27"/>
-    <p:sldId id="393" r:id="rId28"/>
-    <p:sldId id="394" r:id="rId29"/>
+    <p:sldId id="396" r:id="rId5"/>
+    <p:sldId id="403" r:id="rId6"/>
+    <p:sldId id="404" r:id="rId7"/>
+    <p:sldId id="405" r:id="rId8"/>
+    <p:sldId id="406" r:id="rId9"/>
+    <p:sldId id="407" r:id="rId10"/>
+    <p:sldId id="408" r:id="rId11"/>
+    <p:sldId id="409" r:id="rId12"/>
+    <p:sldId id="410" r:id="rId13"/>
+    <p:sldId id="411" r:id="rId14"/>
+    <p:sldId id="413" r:id="rId15"/>
+    <p:sldId id="414" r:id="rId16"/>
+    <p:sldId id="412" r:id="rId17"/>
+    <p:sldId id="415" r:id="rId18"/>
+    <p:sldId id="416" r:id="rId19"/>
+    <p:sldId id="417" r:id="rId20"/>
+    <p:sldId id="418" r:id="rId21"/>
   </p:sldIdLst>
   <p:sldSz cx="12192000" cy="6858000"/>
   <p:notesSz cx="6858000" cy="9144000"/>
@@ -139,6 +131,51 @@
 </p:presentation>
 </file>
 
+<file path=ppt/revisionInfo.xml><?xml version="1.0" encoding="utf-8"?>
+<p1510:revInfo xmlns:a="http://schemas.openxmlformats.org/drawingml/2006/main" xmlns:r="http://schemas.openxmlformats.org/officeDocument/2006/relationships" xmlns:p1510="http://schemas.microsoft.com/office/powerpoint/2015/10/main">
+  <p1510:revLst>
+    <p1510:client id="{749D45B1-2431-CEF1-0C3D-FC332025D91C}" v="229" dt="2020-06-04T23:35:03.200"/>
+  </p1510:revLst>
+</p1510:revInfo>
+</file>
+
+<file path=ppt/changesInfos/changesInfo1.xml><?xml version="1.0" encoding="utf-8"?>
+<pc:chgInfo xmlns:a="http://schemas.openxmlformats.org/drawingml/2006/main" xmlns:r="http://schemas.openxmlformats.org/officeDocument/2006/relationships" xmlns:ac="http://schemas.microsoft.com/office/drawing/2013/main/command" xmlns:pc="http://schemas.microsoft.com/office/powerpoint/2013/main/command">
+  <pc:docChgLst>
+    <pc:chgData name="CARLOS AUGUSTO LOMBARDI GARCIA" userId="S::garcia.carlos@fatec.sp.gov.br::3a320f2d-d48f-476a-b51c-9d8336d8a9ad" providerId="AD" clId="Web-{749D45B1-2431-CEF1-0C3D-FC332025D91C}"/>
+    <pc:docChg chg="addSld modSld">
+      <pc:chgData name="CARLOS AUGUSTO LOMBARDI GARCIA" userId="S::garcia.carlos@fatec.sp.gov.br::3a320f2d-d48f-476a-b51c-9d8336d8a9ad" providerId="AD" clId="Web-{749D45B1-2431-CEF1-0C3D-FC332025D91C}" dt="2020-06-04T23:35:01.121" v="226" actId="20577"/>
+      <pc:docMkLst>
+        <pc:docMk/>
+      </pc:docMkLst>
+      <pc:sldChg chg="modSp new">
+        <pc:chgData name="CARLOS AUGUSTO LOMBARDI GARCIA" userId="S::garcia.carlos@fatec.sp.gov.br::3a320f2d-d48f-476a-b51c-9d8336d8a9ad" providerId="AD" clId="Web-{749D45B1-2431-CEF1-0C3D-FC332025D91C}" dt="2020-06-04T23:35:01.121" v="225" actId="20577"/>
+        <pc:sldMkLst>
+          <pc:docMk/>
+          <pc:sldMk cId="3618573033" sldId="418"/>
+        </pc:sldMkLst>
+        <pc:spChg chg="mod">
+          <ac:chgData name="CARLOS AUGUSTO LOMBARDI GARCIA" userId="S::garcia.carlos@fatec.sp.gov.br::3a320f2d-d48f-476a-b51c-9d8336d8a9ad" providerId="AD" clId="Web-{749D45B1-2431-CEF1-0C3D-FC332025D91C}" dt="2020-06-04T23:33:39.755" v="17" actId="20577"/>
+          <ac:spMkLst>
+            <pc:docMk/>
+            <pc:sldMk cId="3618573033" sldId="418"/>
+            <ac:spMk id="2" creationId="{EF35D24C-DC2F-4B39-BA02-D95E984808B7}"/>
+          </ac:spMkLst>
+        </pc:spChg>
+        <pc:spChg chg="mod">
+          <ac:chgData name="CARLOS AUGUSTO LOMBARDI GARCIA" userId="S::garcia.carlos@fatec.sp.gov.br::3a320f2d-d48f-476a-b51c-9d8336d8a9ad" providerId="AD" clId="Web-{749D45B1-2431-CEF1-0C3D-FC332025D91C}" dt="2020-06-04T23:35:01.121" v="225" actId="20577"/>
+          <ac:spMkLst>
+            <pc:docMk/>
+            <pc:sldMk cId="3618573033" sldId="418"/>
+            <ac:spMk id="3" creationId="{1EBC901E-05E2-493B-9E22-2ABB97564D60}"/>
+          </ac:spMkLst>
+        </pc:spChg>
+      </pc:sldChg>
+    </pc:docChg>
+  </pc:docChgLst>
+</pc:chgInfo>
+</file>
+
 <file path=ppt/slideLayouts/slideLayout1.xml><?xml version="1.0" encoding="utf-8"?>
 <p:sldLayout xmlns:a="http://schemas.openxmlformats.org/drawingml/2006/main" xmlns:r="http://schemas.openxmlformats.org/officeDocument/2006/relationships" xmlns:p="http://schemas.openxmlformats.org/presentationml/2006/main" type="title" preserve="1">
   <p:cSld name="Slide de título">
@@ -183,7 +220,7 @@
           </a:lstStyle>
           <a:p>
             <a:r>
-              <a:rPr lang="pt-BR" smtClean="0"/>
+              <a:rPr lang="pt-BR"/>
               <a:t>Clique para editar o título mestre</a:t>
             </a:r>
             <a:endParaRPr lang="en-US" dirty="0"/>
@@ -303,7 +340,7 @@
           </a:lstStyle>
           <a:p>
             <a:r>
-              <a:rPr lang="pt-BR" smtClean="0"/>
+              <a:rPr lang="pt-BR"/>
               <a:t>Clique para editar o estilo do subtítulo mestre</a:t>
             </a:r>
             <a:endParaRPr lang="en-US" dirty="0"/>
@@ -327,7 +364,7 @@
           <a:p>
             <a:fld id="{6D1B6563-AB78-44E9-8E08-9A32286E4AB4}" type="datetimeFigureOut">
               <a:rPr lang="pt-BR" smtClean="0"/>
-              <a:t>13/05/2016</a:t>
+              <a:t>04/06/2020</a:t>
             </a:fld>
             <a:endParaRPr lang="pt-BR"/>
           </a:p>
@@ -456,7 +493,7 @@
           <a:p>
             <a:fld id="{E58C38EE-4129-44C7-9FAF-05A906CFEC41}" type="slidenum">
               <a:rPr lang="pt-BR" smtClean="0"/>
-              <a:t>‹nº›</a:t>
+              <a:t>‹#›</a:t>
             </a:fld>
             <a:endParaRPr lang="pt-BR"/>
           </a:p>
@@ -519,7 +556,7 @@
           </a:lstStyle>
           <a:p>
             <a:r>
-              <a:rPr lang="pt-BR" smtClean="0"/>
+              <a:rPr lang="pt-BR"/>
               <a:t>Clique para editar o título mestre</a:t>
             </a:r>
             <a:endParaRPr lang="en-US" dirty="0"/>
@@ -642,7 +679,7 @@
           <a:p>
             <a:pPr lvl="0"/>
             <a:r>
-              <a:rPr lang="pt-BR" smtClean="0"/>
+              <a:rPr lang="pt-BR"/>
               <a:t>Clique para editar o texto mestre</a:t>
             </a:r>
           </a:p>
@@ -665,7 +702,7 @@
           <a:p>
             <a:fld id="{6D1B6563-AB78-44E9-8E08-9A32286E4AB4}" type="datetimeFigureOut">
               <a:rPr lang="pt-BR" smtClean="0"/>
-              <a:t>13/05/2016</a:t>
+              <a:t>04/06/2020</a:t>
             </a:fld>
             <a:endParaRPr lang="pt-BR"/>
           </a:p>
@@ -794,7 +831,7 @@
           <a:p>
             <a:fld id="{E58C38EE-4129-44C7-9FAF-05A906CFEC41}" type="slidenum">
               <a:rPr lang="pt-BR" smtClean="0"/>
-              <a:t>‹nº›</a:t>
+              <a:t>‹#›</a:t>
             </a:fld>
             <a:endParaRPr lang="pt-BR"/>
           </a:p>
@@ -857,7 +894,7 @@
           </a:lstStyle>
           <a:p>
             <a:r>
-              <a:rPr lang="pt-BR" smtClean="0"/>
+              <a:rPr lang="pt-BR"/>
               <a:t>Clique para editar o título mestre</a:t>
             </a:r>
             <a:endParaRPr lang="en-US" dirty="0"/>
@@ -921,7 +958,7 @@
           <a:p>
             <a:pPr lvl="0"/>
             <a:r>
-              <a:rPr lang="pt-BR" smtClean="0"/>
+              <a:rPr lang="pt-BR"/>
               <a:t>Clique para editar o texto mestre</a:t>
             </a:r>
           </a:p>
@@ -1043,7 +1080,7 @@
           <a:p>
             <a:pPr lvl="0"/>
             <a:r>
-              <a:rPr lang="pt-BR" smtClean="0"/>
+              <a:rPr lang="pt-BR"/>
               <a:t>Clique para editar o texto mestre</a:t>
             </a:r>
           </a:p>
@@ -1066,7 +1103,7 @@
           <a:p>
             <a:fld id="{6D1B6563-AB78-44E9-8E08-9A32286E4AB4}" type="datetimeFigureOut">
               <a:rPr lang="pt-BR" smtClean="0"/>
-              <a:t>13/05/2016</a:t>
+              <a:t>04/06/2020</a:t>
             </a:fld>
             <a:endParaRPr lang="pt-BR"/>
           </a:p>
@@ -1195,7 +1232,7 @@
           <a:p>
             <a:fld id="{E58C38EE-4129-44C7-9FAF-05A906CFEC41}" type="slidenum">
               <a:rPr lang="pt-BR" smtClean="0"/>
-              <a:t>‹nº›</a:t>
+              <a:t>‹#›</a:t>
             </a:fld>
             <a:endParaRPr lang="pt-BR"/>
           </a:p>
@@ -1334,7 +1371,7 @@
           </a:lstStyle>
           <a:p>
             <a:r>
-              <a:rPr lang="pt-BR" smtClean="0"/>
+              <a:rPr lang="pt-BR"/>
               <a:t>Clique para editar o título mestre</a:t>
             </a:r>
             <a:endParaRPr lang="en-US" dirty="0"/>
@@ -1379,7 +1416,7 @@
               <a:buNone/>
             </a:pPr>
             <a:r>
-              <a:rPr lang="pt-BR" smtClean="0"/>
+              <a:rPr lang="pt-BR"/>
               <a:t>Clique para editar o texto mestre</a:t>
             </a:r>
           </a:p>
@@ -1402,7 +1439,7 @@
           <a:p>
             <a:fld id="{6D1B6563-AB78-44E9-8E08-9A32286E4AB4}" type="datetimeFigureOut">
               <a:rPr lang="pt-BR" smtClean="0"/>
-              <a:t>13/05/2016</a:t>
+              <a:t>04/06/2020</a:t>
             </a:fld>
             <a:endParaRPr lang="pt-BR"/>
           </a:p>
@@ -1531,7 +1568,7 @@
           <a:p>
             <a:fld id="{E58C38EE-4129-44C7-9FAF-05A906CFEC41}" type="slidenum">
               <a:rPr lang="pt-BR" smtClean="0"/>
-              <a:t>‹nº›</a:t>
+              <a:t>‹#›</a:t>
             </a:fld>
             <a:endParaRPr lang="pt-BR"/>
           </a:p>
@@ -1594,7 +1631,7 @@
           </a:lstStyle>
           <a:p>
             <a:r>
-              <a:rPr lang="pt-BR" smtClean="0"/>
+              <a:rPr lang="pt-BR"/>
               <a:t>Clique para editar o título mestre</a:t>
             </a:r>
             <a:endParaRPr lang="en-US" dirty="0"/>
@@ -1655,7 +1692,7 @@
           <a:p>
             <a:pPr lvl="0"/>
             <a:r>
-              <a:rPr lang="pt-BR" smtClean="0"/>
+              <a:rPr lang="pt-BR"/>
               <a:t>Clique para editar o texto mestre</a:t>
             </a:r>
           </a:p>
@@ -1699,7 +1736,7 @@
               <a:buNone/>
             </a:pPr>
             <a:r>
-              <a:rPr lang="pt-BR" smtClean="0"/>
+              <a:rPr lang="pt-BR"/>
               <a:t>Clique para editar o texto mestre</a:t>
             </a:r>
           </a:p>
@@ -1722,7 +1759,7 @@
           <a:p>
             <a:fld id="{6D1B6563-AB78-44E9-8E08-9A32286E4AB4}" type="datetimeFigureOut">
               <a:rPr lang="pt-BR" smtClean="0"/>
-              <a:t>13/05/2016</a:t>
+              <a:t>04/06/2020</a:t>
             </a:fld>
             <a:endParaRPr lang="pt-BR"/>
           </a:p>
@@ -1851,7 +1888,7 @@
           <a:p>
             <a:fld id="{E58C38EE-4129-44C7-9FAF-05A906CFEC41}" type="slidenum">
               <a:rPr lang="pt-BR" smtClean="0"/>
-              <a:t>‹nº›</a:t>
+              <a:t>‹#›</a:t>
             </a:fld>
             <a:endParaRPr lang="pt-BR"/>
           </a:p>
@@ -1990,7 +2027,7 @@
           </a:lstStyle>
           <a:p>
             <a:r>
-              <a:rPr lang="pt-BR" smtClean="0"/>
+              <a:rPr lang="pt-BR"/>
               <a:t>Clique para editar o título mestre</a:t>
             </a:r>
             <a:endParaRPr lang="en-US" dirty="0"/>
@@ -2051,7 +2088,7 @@
           <a:p>
             <a:pPr lvl="0"/>
             <a:r>
-              <a:rPr lang="pt-BR" smtClean="0"/>
+              <a:rPr lang="pt-BR"/>
               <a:t>Clique para editar o texto mestre</a:t>
             </a:r>
           </a:p>
@@ -2095,7 +2132,7 @@
               <a:buNone/>
             </a:pPr>
             <a:r>
-              <a:rPr lang="pt-BR" smtClean="0"/>
+              <a:rPr lang="pt-BR"/>
               <a:t>Clique para editar o texto mestre</a:t>
             </a:r>
           </a:p>
@@ -2118,7 +2155,7 @@
           <a:p>
             <a:fld id="{6D1B6563-AB78-44E9-8E08-9A32286E4AB4}" type="datetimeFigureOut">
               <a:rPr lang="pt-BR" smtClean="0"/>
-              <a:t>13/05/2016</a:t>
+              <a:t>04/06/2020</a:t>
             </a:fld>
             <a:endParaRPr lang="pt-BR"/>
           </a:p>
@@ -2247,7 +2284,7 @@
           <a:p>
             <a:fld id="{E58C38EE-4129-44C7-9FAF-05A906CFEC41}" type="slidenum">
               <a:rPr lang="pt-BR" smtClean="0"/>
-              <a:t>‹nº›</a:t>
+              <a:t>‹#›</a:t>
             </a:fld>
             <a:endParaRPr lang="pt-BR"/>
           </a:p>
@@ -2299,7 +2336,7 @@
           <a:lstStyle/>
           <a:p>
             <a:r>
-              <a:rPr lang="pt-BR" smtClean="0"/>
+              <a:rPr lang="pt-BR"/>
               <a:t>Clique para editar o título mestre</a:t>
             </a:r>
             <a:endParaRPr lang="en-US" dirty="0"/>
@@ -2323,35 +2360,35 @@
           <a:p>
             <a:pPr lvl="0"/>
             <a:r>
-              <a:rPr lang="pt-BR" smtClean="0"/>
+              <a:rPr lang="pt-BR"/>
               <a:t>Clique para editar o texto mestre</a:t>
             </a:r>
           </a:p>
           <a:p>
             <a:pPr lvl="1"/>
             <a:r>
-              <a:rPr lang="pt-BR" smtClean="0"/>
+              <a:rPr lang="pt-BR"/>
               <a:t>Segundo nível</a:t>
             </a:r>
           </a:p>
           <a:p>
             <a:pPr lvl="2"/>
             <a:r>
-              <a:rPr lang="pt-BR" smtClean="0"/>
+              <a:rPr lang="pt-BR"/>
               <a:t>Terceiro nível</a:t>
             </a:r>
           </a:p>
           <a:p>
             <a:pPr lvl="3"/>
             <a:r>
-              <a:rPr lang="pt-BR" smtClean="0"/>
+              <a:rPr lang="pt-BR"/>
               <a:t>Quarto nível</a:t>
             </a:r>
           </a:p>
           <a:p>
             <a:pPr lvl="4"/>
             <a:r>
-              <a:rPr lang="pt-BR" smtClean="0"/>
+              <a:rPr lang="pt-BR"/>
               <a:t>Quinto nível</a:t>
             </a:r>
             <a:endParaRPr lang="en-US" dirty="0"/>
@@ -2375,7 +2412,7 @@
           <a:p>
             <a:fld id="{6D1B6563-AB78-44E9-8E08-9A32286E4AB4}" type="datetimeFigureOut">
               <a:rPr lang="pt-BR" smtClean="0"/>
-              <a:t>13/05/2016</a:t>
+              <a:t>04/06/2020</a:t>
             </a:fld>
             <a:endParaRPr lang="pt-BR"/>
           </a:p>
@@ -2499,7 +2536,7 @@
           <a:p>
             <a:fld id="{E58C38EE-4129-44C7-9FAF-05A906CFEC41}" type="slidenum">
               <a:rPr lang="pt-BR" smtClean="0"/>
-              <a:t>‹nº›</a:t>
+              <a:t>‹#›</a:t>
             </a:fld>
             <a:endParaRPr lang="pt-BR"/>
           </a:p>
@@ -2556,7 +2593,7 @@
           <a:lstStyle/>
           <a:p>
             <a:r>
-              <a:rPr lang="pt-BR" smtClean="0"/>
+              <a:rPr lang="pt-BR"/>
               <a:t>Clique para editar o título mestre</a:t>
             </a:r>
             <a:endParaRPr lang="en-US" dirty="0"/>
@@ -2585,35 +2622,35 @@
           <a:p>
             <a:pPr lvl="0"/>
             <a:r>
-              <a:rPr lang="pt-BR" smtClean="0"/>
+              <a:rPr lang="pt-BR"/>
               <a:t>Clique para editar o texto mestre</a:t>
             </a:r>
           </a:p>
           <a:p>
             <a:pPr lvl="1"/>
             <a:r>
-              <a:rPr lang="pt-BR" smtClean="0"/>
+              <a:rPr lang="pt-BR"/>
               <a:t>Segundo nível</a:t>
             </a:r>
           </a:p>
           <a:p>
             <a:pPr lvl="2"/>
             <a:r>
-              <a:rPr lang="pt-BR" smtClean="0"/>
+              <a:rPr lang="pt-BR"/>
               <a:t>Terceiro nível</a:t>
             </a:r>
           </a:p>
           <a:p>
             <a:pPr lvl="3"/>
             <a:r>
-              <a:rPr lang="pt-BR" smtClean="0"/>
+              <a:rPr lang="pt-BR"/>
               <a:t>Quarto nível</a:t>
             </a:r>
           </a:p>
           <a:p>
             <a:pPr lvl="4"/>
             <a:r>
-              <a:rPr lang="pt-BR" smtClean="0"/>
+              <a:rPr lang="pt-BR"/>
               <a:t>Quinto nível</a:t>
             </a:r>
             <a:endParaRPr lang="en-US" dirty="0"/>
@@ -2637,7 +2674,7 @@
           <a:p>
             <a:fld id="{6D1B6563-AB78-44E9-8E08-9A32286E4AB4}" type="datetimeFigureOut">
               <a:rPr lang="pt-BR" smtClean="0"/>
-              <a:t>13/05/2016</a:t>
+              <a:t>04/06/2020</a:t>
             </a:fld>
             <a:endParaRPr lang="pt-BR"/>
           </a:p>
@@ -2761,7 +2798,7 @@
           <a:p>
             <a:fld id="{E58C38EE-4129-44C7-9FAF-05A906CFEC41}" type="slidenum">
               <a:rPr lang="pt-BR" smtClean="0"/>
-              <a:t>‹nº›</a:t>
+              <a:t>‹#›</a:t>
             </a:fld>
             <a:endParaRPr lang="pt-BR"/>
           </a:p>
@@ -2818,7 +2855,7 @@
           <a:lstStyle/>
           <a:p>
             <a:r>
-              <a:rPr lang="pt-BR" smtClean="0"/>
+              <a:rPr lang="pt-BR"/>
               <a:t>Clique para editar o título mestre</a:t>
             </a:r>
             <a:endParaRPr lang="en-US" dirty="0"/>
@@ -2842,40 +2879,58 @@
           </a:xfrm>
         </p:spPr>
         <p:txBody>
-          <a:bodyPr/>
-          <a:lstStyle/>
+          <a:bodyPr>
+            <a:normAutofit/>
+          </a:bodyPr>
+          <a:lstStyle>
+            <a:lvl1pPr>
+              <a:defRPr sz="3200"/>
+            </a:lvl1pPr>
+            <a:lvl2pPr>
+              <a:defRPr sz="2800"/>
+            </a:lvl2pPr>
+            <a:lvl3pPr>
+              <a:defRPr sz="2400"/>
+            </a:lvl3pPr>
+            <a:lvl4pPr>
+              <a:defRPr sz="2000"/>
+            </a:lvl4pPr>
+            <a:lvl5pPr>
+              <a:defRPr sz="2000"/>
+            </a:lvl5pPr>
+          </a:lstStyle>
           <a:p>
             <a:pPr lvl="0"/>
             <a:r>
-              <a:rPr lang="pt-BR" smtClean="0"/>
+              <a:rPr lang="pt-BR"/>
               <a:t>Clique para editar o texto mestre</a:t>
             </a:r>
           </a:p>
           <a:p>
             <a:pPr lvl="1"/>
             <a:r>
-              <a:rPr lang="pt-BR" smtClean="0"/>
+              <a:rPr lang="pt-BR"/>
               <a:t>Segundo nível</a:t>
             </a:r>
           </a:p>
           <a:p>
             <a:pPr lvl="2"/>
             <a:r>
-              <a:rPr lang="pt-BR" smtClean="0"/>
+              <a:rPr lang="pt-BR"/>
               <a:t>Terceiro nível</a:t>
             </a:r>
           </a:p>
           <a:p>
             <a:pPr lvl="3"/>
             <a:r>
-              <a:rPr lang="pt-BR" smtClean="0"/>
+              <a:rPr lang="pt-BR"/>
               <a:t>Quarto nível</a:t>
             </a:r>
           </a:p>
           <a:p>
             <a:pPr lvl="4"/>
             <a:r>
-              <a:rPr lang="pt-BR" smtClean="0"/>
+              <a:rPr lang="pt-BR"/>
               <a:t>Quinto nível</a:t>
             </a:r>
             <a:endParaRPr lang="en-US" dirty="0"/>
@@ -2899,7 +2954,7 @@
           <a:p>
             <a:fld id="{6D1B6563-AB78-44E9-8E08-9A32286E4AB4}" type="datetimeFigureOut">
               <a:rPr lang="pt-BR" smtClean="0"/>
-              <a:t>13/05/2016</a:t>
+              <a:t>04/06/2020</a:t>
             </a:fld>
             <a:endParaRPr lang="pt-BR"/>
           </a:p>
@@ -3023,7 +3078,7 @@
           <a:p>
             <a:fld id="{E58C38EE-4129-44C7-9FAF-05A906CFEC41}" type="slidenum">
               <a:rPr lang="pt-BR" smtClean="0"/>
-              <a:t>‹nº›</a:t>
+              <a:t>‹#›</a:t>
             </a:fld>
             <a:endParaRPr lang="pt-BR"/>
           </a:p>
@@ -3084,7 +3139,7 @@
           </a:lstStyle>
           <a:p>
             <a:r>
-              <a:rPr lang="pt-BR" smtClean="0"/>
+              <a:rPr lang="pt-BR"/>
               <a:t>Clique para editar o título mestre</a:t>
             </a:r>
             <a:endParaRPr lang="en-US" dirty="0"/>
@@ -3205,7 +3260,7 @@
           <a:p>
             <a:pPr lvl="0"/>
             <a:r>
-              <a:rPr lang="pt-BR" smtClean="0"/>
+              <a:rPr lang="pt-BR"/>
               <a:t>Clique para editar o texto mestre</a:t>
             </a:r>
           </a:p>
@@ -3228,7 +3283,7 @@
           <a:p>
             <a:fld id="{6D1B6563-AB78-44E9-8E08-9A32286E4AB4}" type="datetimeFigureOut">
               <a:rPr lang="pt-BR" smtClean="0"/>
-              <a:t>13/05/2016</a:t>
+              <a:t>04/06/2020</a:t>
             </a:fld>
             <a:endParaRPr lang="pt-BR"/>
           </a:p>
@@ -3357,7 +3412,7 @@
           <a:p>
             <a:fld id="{E58C38EE-4129-44C7-9FAF-05A906CFEC41}" type="slidenum">
               <a:rPr lang="pt-BR" smtClean="0"/>
-              <a:t>‹nº›</a:t>
+              <a:t>‹#›</a:t>
             </a:fld>
             <a:endParaRPr lang="pt-BR"/>
           </a:p>
@@ -3409,7 +3464,7 @@
           <a:lstStyle/>
           <a:p>
             <a:r>
-              <a:rPr lang="pt-BR" smtClean="0"/>
+              <a:rPr lang="pt-BR"/>
               <a:t>Clique para editar o título mestre</a:t>
             </a:r>
             <a:endParaRPr lang="en-US" dirty="0"/>
@@ -3440,35 +3495,35 @@
           <a:p>
             <a:pPr lvl="0"/>
             <a:r>
-              <a:rPr lang="pt-BR" smtClean="0"/>
+              <a:rPr lang="pt-BR"/>
               <a:t>Clique para editar o texto mestre</a:t>
             </a:r>
           </a:p>
           <a:p>
             <a:pPr lvl="1"/>
             <a:r>
-              <a:rPr lang="pt-BR" smtClean="0"/>
+              <a:rPr lang="pt-BR"/>
               <a:t>Segundo nível</a:t>
             </a:r>
           </a:p>
           <a:p>
             <a:pPr lvl="2"/>
             <a:r>
-              <a:rPr lang="pt-BR" smtClean="0"/>
+              <a:rPr lang="pt-BR"/>
               <a:t>Terceiro nível</a:t>
             </a:r>
           </a:p>
           <a:p>
             <a:pPr lvl="3"/>
             <a:r>
-              <a:rPr lang="pt-BR" smtClean="0"/>
+              <a:rPr lang="pt-BR"/>
               <a:t>Quarto nível</a:t>
             </a:r>
           </a:p>
           <a:p>
             <a:pPr lvl="4"/>
             <a:r>
-              <a:rPr lang="pt-BR" smtClean="0"/>
+              <a:rPr lang="pt-BR"/>
               <a:t>Quinto nível</a:t>
             </a:r>
             <a:endParaRPr lang="en-US" dirty="0"/>
@@ -3499,35 +3554,35 @@
           <a:p>
             <a:pPr lvl="0"/>
             <a:r>
-              <a:rPr lang="pt-BR" smtClean="0"/>
+              <a:rPr lang="pt-BR"/>
               <a:t>Clique para editar o texto mestre</a:t>
             </a:r>
           </a:p>
           <a:p>
             <a:pPr lvl="1"/>
             <a:r>
-              <a:rPr lang="pt-BR" smtClean="0"/>
+              <a:rPr lang="pt-BR"/>
               <a:t>Segundo nível</a:t>
             </a:r>
           </a:p>
           <a:p>
             <a:pPr lvl="2"/>
             <a:r>
-              <a:rPr lang="pt-BR" smtClean="0"/>
+              <a:rPr lang="pt-BR"/>
               <a:t>Terceiro nível</a:t>
             </a:r>
           </a:p>
           <a:p>
             <a:pPr lvl="3"/>
             <a:r>
-              <a:rPr lang="pt-BR" smtClean="0"/>
+              <a:rPr lang="pt-BR"/>
               <a:t>Quarto nível</a:t>
             </a:r>
           </a:p>
           <a:p>
             <a:pPr lvl="4"/>
             <a:r>
-              <a:rPr lang="pt-BR" smtClean="0"/>
+              <a:rPr lang="pt-BR"/>
               <a:t>Quinto nível</a:t>
             </a:r>
             <a:endParaRPr lang="en-US" dirty="0"/>
@@ -3551,7 +3606,7 @@
           <a:p>
             <a:fld id="{6D1B6563-AB78-44E9-8E08-9A32286E4AB4}" type="datetimeFigureOut">
               <a:rPr lang="pt-BR" smtClean="0"/>
-              <a:t>13/05/2016</a:t>
+              <a:t>04/06/2020</a:t>
             </a:fld>
             <a:endParaRPr lang="pt-BR"/>
           </a:p>
@@ -3680,7 +3735,7 @@
           <a:p>
             <a:fld id="{E58C38EE-4129-44C7-9FAF-05A906CFEC41}" type="slidenum">
               <a:rPr lang="pt-BR" smtClean="0"/>
-              <a:t>‹nº›</a:t>
+              <a:t>‹#›</a:t>
             </a:fld>
             <a:endParaRPr lang="pt-BR"/>
           </a:p>
@@ -3732,7 +3787,7 @@
           <a:lstStyle/>
           <a:p>
             <a:r>
-              <a:rPr lang="pt-BR" smtClean="0"/>
+              <a:rPr lang="pt-BR"/>
               <a:t>Clique para editar o título mestre</a:t>
             </a:r>
             <a:endParaRPr lang="en-US" dirty="0"/>
@@ -3800,7 +3855,7 @@
           <a:p>
             <a:pPr lvl="0"/>
             <a:r>
-              <a:rPr lang="pt-BR" smtClean="0"/>
+              <a:rPr lang="pt-BR"/>
               <a:t>Clique para editar o texto mestre</a:t>
             </a:r>
           </a:p>
@@ -3830,35 +3885,35 @@
           <a:p>
             <a:pPr lvl="0"/>
             <a:r>
-              <a:rPr lang="pt-BR" smtClean="0"/>
+              <a:rPr lang="pt-BR"/>
               <a:t>Clique para editar o texto mestre</a:t>
             </a:r>
           </a:p>
           <a:p>
             <a:pPr lvl="1"/>
             <a:r>
-              <a:rPr lang="pt-BR" smtClean="0"/>
+              <a:rPr lang="pt-BR"/>
               <a:t>Segundo nível</a:t>
             </a:r>
           </a:p>
           <a:p>
             <a:pPr lvl="2"/>
             <a:r>
-              <a:rPr lang="pt-BR" smtClean="0"/>
+              <a:rPr lang="pt-BR"/>
               <a:t>Terceiro nível</a:t>
             </a:r>
           </a:p>
           <a:p>
             <a:pPr lvl="3"/>
             <a:r>
-              <a:rPr lang="pt-BR" smtClean="0"/>
+              <a:rPr lang="pt-BR"/>
               <a:t>Quarto nível</a:t>
             </a:r>
           </a:p>
           <a:p>
             <a:pPr lvl="4"/>
             <a:r>
-              <a:rPr lang="pt-BR" smtClean="0"/>
+              <a:rPr lang="pt-BR"/>
               <a:t>Quinto nível</a:t>
             </a:r>
             <a:endParaRPr lang="en-US" dirty="0"/>
@@ -3926,7 +3981,7 @@
           <a:p>
             <a:pPr lvl="0"/>
             <a:r>
-              <a:rPr lang="pt-BR" smtClean="0"/>
+              <a:rPr lang="pt-BR"/>
               <a:t>Clique para editar o texto mestre</a:t>
             </a:r>
           </a:p>
@@ -3956,35 +4011,35 @@
           <a:p>
             <a:pPr lvl="0"/>
             <a:r>
-              <a:rPr lang="pt-BR" smtClean="0"/>
+              <a:rPr lang="pt-BR"/>
               <a:t>Clique para editar o texto mestre</a:t>
             </a:r>
           </a:p>
           <a:p>
             <a:pPr lvl="1"/>
             <a:r>
-              <a:rPr lang="pt-BR" smtClean="0"/>
+              <a:rPr lang="pt-BR"/>
               <a:t>Segundo nível</a:t>
             </a:r>
           </a:p>
           <a:p>
             <a:pPr lvl="2"/>
             <a:r>
-              <a:rPr lang="pt-BR" smtClean="0"/>
+              <a:rPr lang="pt-BR"/>
               <a:t>Terceiro nível</a:t>
             </a:r>
           </a:p>
           <a:p>
             <a:pPr lvl="3"/>
             <a:r>
-              <a:rPr lang="pt-BR" smtClean="0"/>
+              <a:rPr lang="pt-BR"/>
               <a:t>Quarto nível</a:t>
             </a:r>
           </a:p>
           <a:p>
             <a:pPr lvl="4"/>
             <a:r>
-              <a:rPr lang="pt-BR" smtClean="0"/>
+              <a:rPr lang="pt-BR"/>
               <a:t>Quinto nível</a:t>
             </a:r>
             <a:endParaRPr lang="en-US" dirty="0"/>
@@ -4008,7 +4063,7 @@
           <a:p>
             <a:fld id="{6D1B6563-AB78-44E9-8E08-9A32286E4AB4}" type="datetimeFigureOut">
               <a:rPr lang="pt-BR" smtClean="0"/>
-              <a:t>13/05/2016</a:t>
+              <a:t>04/06/2020</a:t>
             </a:fld>
             <a:endParaRPr lang="pt-BR"/>
           </a:p>
@@ -4137,7 +4192,7 @@
           <a:p>
             <a:fld id="{E58C38EE-4129-44C7-9FAF-05A906CFEC41}" type="slidenum">
               <a:rPr lang="pt-BR" smtClean="0"/>
-              <a:t>‹nº›</a:t>
+              <a:t>‹#›</a:t>
             </a:fld>
             <a:endParaRPr lang="pt-BR"/>
           </a:p>
@@ -4189,7 +4244,7 @@
           <a:lstStyle/>
           <a:p>
             <a:r>
-              <a:rPr lang="pt-BR" smtClean="0"/>
+              <a:rPr lang="pt-BR"/>
               <a:t>Clique para editar o título mestre</a:t>
             </a:r>
             <a:endParaRPr lang="en-US" dirty="0"/>
@@ -4213,7 +4268,7 @@
           <a:p>
             <a:fld id="{6D1B6563-AB78-44E9-8E08-9A32286E4AB4}" type="datetimeFigureOut">
               <a:rPr lang="pt-BR" smtClean="0"/>
-              <a:t>13/05/2016</a:t>
+              <a:t>04/06/2020</a:t>
             </a:fld>
             <a:endParaRPr lang="pt-BR"/>
           </a:p>
@@ -4337,7 +4392,7 @@
           <a:p>
             <a:fld id="{E58C38EE-4129-44C7-9FAF-05A906CFEC41}" type="slidenum">
               <a:rPr lang="pt-BR" smtClean="0"/>
-              <a:t>‹nº›</a:t>
+              <a:t>‹#›</a:t>
             </a:fld>
             <a:endParaRPr lang="pt-BR"/>
           </a:p>
@@ -4390,7 +4445,7 @@
           <a:p>
             <a:fld id="{6D1B6563-AB78-44E9-8E08-9A32286E4AB4}" type="datetimeFigureOut">
               <a:rPr lang="pt-BR" smtClean="0"/>
-              <a:t>13/05/2016</a:t>
+              <a:t>04/06/2020</a:t>
             </a:fld>
             <a:endParaRPr lang="pt-BR"/>
           </a:p>
@@ -4514,7 +4569,7 @@
           <a:p>
             <a:fld id="{E58C38EE-4129-44C7-9FAF-05A906CFEC41}" type="slidenum">
               <a:rPr lang="pt-BR" smtClean="0"/>
-              <a:t>‹nº›</a:t>
+              <a:t>‹#›</a:t>
             </a:fld>
             <a:endParaRPr lang="pt-BR"/>
           </a:p>
@@ -4575,7 +4630,7 @@
           </a:lstStyle>
           <a:p>
             <a:r>
-              <a:rPr lang="pt-BR" smtClean="0"/>
+              <a:rPr lang="pt-BR"/>
               <a:t>Clique para editar o título mestre</a:t>
             </a:r>
             <a:endParaRPr lang="en-US" dirty="0"/>
@@ -4606,35 +4661,35 @@
           <a:p>
             <a:pPr lvl="0"/>
             <a:r>
-              <a:rPr lang="pt-BR" smtClean="0"/>
+              <a:rPr lang="pt-BR"/>
               <a:t>Clique para editar o texto mestre</a:t>
             </a:r>
           </a:p>
           <a:p>
             <a:pPr lvl="1"/>
             <a:r>
-              <a:rPr lang="pt-BR" smtClean="0"/>
+              <a:rPr lang="pt-BR"/>
               <a:t>Segundo nível</a:t>
             </a:r>
           </a:p>
           <a:p>
             <a:pPr lvl="2"/>
             <a:r>
-              <a:rPr lang="pt-BR" smtClean="0"/>
+              <a:rPr lang="pt-BR"/>
               <a:t>Terceiro nível</a:t>
             </a:r>
           </a:p>
           <a:p>
             <a:pPr lvl="3"/>
             <a:r>
-              <a:rPr lang="pt-BR" smtClean="0"/>
+              <a:rPr lang="pt-BR"/>
               <a:t>Quarto nível</a:t>
             </a:r>
           </a:p>
           <a:p>
             <a:pPr lvl="4"/>
             <a:r>
-              <a:rPr lang="pt-BR" smtClean="0"/>
+              <a:rPr lang="pt-BR"/>
               <a:t>Quinto nível</a:t>
             </a:r>
             <a:endParaRPr lang="en-US" dirty="0"/>
@@ -4700,7 +4755,7 @@
           <a:p>
             <a:pPr lvl="0"/>
             <a:r>
-              <a:rPr lang="pt-BR" smtClean="0"/>
+              <a:rPr lang="pt-BR"/>
               <a:t>Clique para editar o texto mestre</a:t>
             </a:r>
           </a:p>
@@ -4723,7 +4778,7 @@
           <a:p>
             <a:fld id="{6D1B6563-AB78-44E9-8E08-9A32286E4AB4}" type="datetimeFigureOut">
               <a:rPr lang="pt-BR" smtClean="0"/>
-              <a:t>13/05/2016</a:t>
+              <a:t>04/06/2020</a:t>
             </a:fld>
             <a:endParaRPr lang="pt-BR"/>
           </a:p>
@@ -4847,7 +4902,7 @@
           <a:p>
             <a:fld id="{E58C38EE-4129-44C7-9FAF-05A906CFEC41}" type="slidenum">
               <a:rPr lang="pt-BR" smtClean="0"/>
-              <a:t>‹nº›</a:t>
+              <a:t>‹#›</a:t>
             </a:fld>
             <a:endParaRPr lang="pt-BR"/>
           </a:p>
@@ -4910,7 +4965,7 @@
           </a:lstStyle>
           <a:p>
             <a:r>
-              <a:rPr lang="pt-BR" smtClean="0"/>
+              <a:rPr lang="pt-BR"/>
               <a:t>Clique para editar o título mestre</a:t>
             </a:r>
             <a:endParaRPr lang="en-US" dirty="0"/>
@@ -4977,7 +5032,7 @@
           </a:lstStyle>
           <a:p>
             <a:r>
-              <a:rPr lang="pt-BR" smtClean="0"/>
+              <a:rPr lang="pt-BR"/>
               <a:t>Clique no ícone para adicionar uma imagem</a:t>
             </a:r>
             <a:endParaRPr lang="en-US" dirty="0"/>
@@ -5045,7 +5100,7 @@
           <a:p>
             <a:pPr lvl="0"/>
             <a:r>
-              <a:rPr lang="pt-BR" smtClean="0"/>
+              <a:rPr lang="pt-BR"/>
               <a:t>Clique para editar o texto mestre</a:t>
             </a:r>
           </a:p>
@@ -5068,7 +5123,7 @@
           <a:p>
             <a:fld id="{6D1B6563-AB78-44E9-8E08-9A32286E4AB4}" type="datetimeFigureOut">
               <a:rPr lang="pt-BR" smtClean="0"/>
-              <a:t>13/05/2016</a:t>
+              <a:t>04/06/2020</a:t>
             </a:fld>
             <a:endParaRPr lang="pt-BR"/>
           </a:p>
@@ -5197,7 +5252,7 @@
           <a:p>
             <a:fld id="{E58C38EE-4129-44C7-9FAF-05A906CFEC41}" type="slidenum">
               <a:rPr lang="pt-BR" smtClean="0"/>
-              <a:t>‹nº›</a:t>
+              <a:t>‹#›</a:t>
             </a:fld>
             <a:endParaRPr lang="pt-BR"/>
           </a:p>
@@ -7081,7 +7136,7 @@
           <a:lstStyle/>
           <a:p>
             <a:r>
-              <a:rPr lang="pt-BR" smtClean="0"/>
+              <a:rPr lang="pt-BR"/>
               <a:t>Clique para editar o título mestre</a:t>
             </a:r>
             <a:endParaRPr lang="en-US" dirty="0"/>
@@ -7115,35 +7170,35 @@
           <a:p>
             <a:pPr lvl="0"/>
             <a:r>
-              <a:rPr lang="pt-BR" smtClean="0"/>
+              <a:rPr lang="pt-BR"/>
               <a:t>Clique para editar o texto mestre</a:t>
             </a:r>
           </a:p>
           <a:p>
             <a:pPr lvl="1"/>
             <a:r>
-              <a:rPr lang="pt-BR" smtClean="0"/>
+              <a:rPr lang="pt-BR"/>
               <a:t>Segundo nível</a:t>
             </a:r>
           </a:p>
           <a:p>
             <a:pPr lvl="2"/>
             <a:r>
-              <a:rPr lang="pt-BR" smtClean="0"/>
+              <a:rPr lang="pt-BR"/>
               <a:t>Terceiro nível</a:t>
             </a:r>
           </a:p>
           <a:p>
             <a:pPr lvl="3"/>
             <a:r>
-              <a:rPr lang="pt-BR" smtClean="0"/>
+              <a:rPr lang="pt-BR"/>
               <a:t>Quarto nível</a:t>
             </a:r>
           </a:p>
           <a:p>
             <a:pPr lvl="4"/>
             <a:r>
-              <a:rPr lang="pt-BR" smtClean="0"/>
+              <a:rPr lang="pt-BR"/>
               <a:t>Quinto nível</a:t>
             </a:r>
             <a:endParaRPr lang="en-US" dirty="0"/>
@@ -7185,7 +7240,7 @@
           <a:p>
             <a:fld id="{6D1B6563-AB78-44E9-8E08-9A32286E4AB4}" type="datetimeFigureOut">
               <a:rPr lang="pt-BR" smtClean="0"/>
-              <a:t>13/05/2016</a:t>
+              <a:t>04/06/2020</a:t>
             </a:fld>
             <a:endParaRPr lang="pt-BR"/>
           </a:p>
@@ -7261,7 +7316,7 @@
           <a:p>
             <a:fld id="{E58C38EE-4129-44C7-9FAF-05A906CFEC41}" type="slidenum">
               <a:rPr lang="pt-BR" smtClean="0"/>
-              <a:t>‹nº›</a:t>
+              <a:t>‹#›</a:t>
             </a:fld>
             <a:endParaRPr lang="pt-BR"/>
           </a:p>
@@ -7719,14 +7774,9 @@
           <a:lstStyle/>
           <a:p>
             <a:r>
-              <a:rPr lang="pt-BR" dirty="0" smtClean="0"/>
-              <a:t>FATEC </a:t>
-            </a:r>
-            <a:r>
-              <a:rPr lang="pt-BR" dirty="0" smtClean="0"/>
-              <a:t>PROG AVANC</a:t>
-            </a:r>
-            <a:endParaRPr lang="pt-BR" dirty="0"/>
+              <a:rPr lang="pt-BR" dirty="0"/>
+              <a:t>FATEC PROG AVANC</a:t>
+            </a:r>
           </a:p>
         </p:txBody>
       </p:sp>
@@ -7748,31 +7798,8 @@
           <a:lstStyle/>
           <a:p>
             <a:r>
-              <a:rPr lang="pt-BR" dirty="0" smtClean="0"/>
-              <a:t>Professor:</a:t>
-            </a:r>
-            <a:r>
-              <a:rPr lang="pt-BR" dirty="0" smtClean="0"/>
-              <a:t> </a:t>
-            </a:r>
-            <a:r>
-              <a:rPr lang="pt-BR" dirty="0" smtClean="0"/>
-              <a:t>Carlos </a:t>
-            </a:r>
-            <a:r>
-              <a:rPr lang="pt-BR" dirty="0" smtClean="0"/>
-              <a:t>Garcia</a:t>
-            </a:r>
-            <a:endParaRPr lang="pt-BR" dirty="0" smtClean="0"/>
-          </a:p>
-          <a:p>
-            <a:r>
-              <a:rPr lang="pt-BR" dirty="0" smtClean="0"/>
-              <a:t>2016 </a:t>
-            </a:r>
-            <a:r>
-              <a:rPr lang="pt-BR" dirty="0" smtClean="0"/>
-              <a:t>2º. semestre</a:t>
+              <a:rPr lang="pt-BR" dirty="0"/>
+              <a:t>Professor: Carlos Garcia</a:t>
             </a:r>
           </a:p>
           <a:p>
@@ -7790,13 +7817,6 @@
   <p:clrMapOvr>
     <a:masterClrMapping/>
   </p:clrMapOvr>
-  <p:timing>
-    <p:tnLst>
-      <p:par>
-        <p:cTn id="1" dur="indefinite" restart="never" nodeType="tmRoot"/>
-      </p:par>
-    </p:tnLst>
-  </p:timing>
 </p:sld>
 </file>
 
@@ -7833,10 +7853,1817 @@
           <a:lstStyle/>
           <a:p>
             <a:r>
-              <a:rPr lang="pt-BR" dirty="0" smtClean="0"/>
+              <a:rPr lang="pt-BR" dirty="0"/>
+              <a:t>Abrindo o </a:t>
+            </a:r>
+            <a:r>
+              <a:rPr lang="pt-BR" dirty="0" err="1"/>
+              <a:t>ref</a:t>
+            </a:r>
+            <a:r>
+              <a:rPr lang="pt-BR" dirty="0"/>
+              <a:t> cursor</a:t>
+            </a:r>
+          </a:p>
+        </p:txBody>
+      </p:sp>
+      <p:sp>
+        <p:nvSpPr>
+          <p:cNvPr id="3" name="Espaço Reservado para Conteúdo 2"/>
+          <p:cNvSpPr>
+            <a:spLocks noGrp="1"/>
+          </p:cNvSpPr>
+          <p:nvPr>
+            <p:ph idx="1"/>
+          </p:nvPr>
+        </p:nvSpPr>
+        <p:spPr/>
+        <p:txBody>
+          <a:bodyPr>
+            <a:normAutofit fontScale="92500" lnSpcReduction="20000"/>
+          </a:bodyPr>
+          <a:lstStyle/>
+          <a:p>
+            <a:r>
+              <a:rPr lang="pt-BR" dirty="0"/>
+              <a:t>Associa-se com um </a:t>
+            </a:r>
+            <a:r>
+              <a:rPr lang="pt-BR" dirty="0" err="1"/>
+              <a:t>select</a:t>
+            </a:r>
+            <a:r>
+              <a:rPr lang="pt-BR" dirty="0"/>
+              <a:t>;</a:t>
+            </a:r>
+          </a:p>
+          <a:p>
+            <a:r>
+              <a:rPr lang="pt-BR" dirty="0"/>
+              <a:t>Executa a consulta;</a:t>
+            </a:r>
+          </a:p>
+          <a:p>
+            <a:r>
+              <a:rPr lang="pt-BR" dirty="0"/>
+              <a:t>Identifica o </a:t>
+            </a:r>
+            <a:r>
+              <a:rPr lang="pt-BR" dirty="0" err="1"/>
+              <a:t>result</a:t>
+            </a:r>
+            <a:r>
+              <a:rPr lang="pt-BR" dirty="0"/>
+              <a:t> set;</a:t>
+            </a:r>
+          </a:p>
+          <a:p>
+            <a:r>
+              <a:rPr lang="pt-BR" dirty="0"/>
+              <a:t>O mesmo cursor pode ser aberto para diferentes comandos SQL;</a:t>
+            </a:r>
+          </a:p>
+          <a:p>
+            <a:r>
+              <a:rPr lang="pt-BR" dirty="0"/>
+              <a:t>Não é necessário fechar o corrente para abrir outro, mas os dados anteriores são perdidos;</a:t>
+            </a:r>
+          </a:p>
+        </p:txBody>
+      </p:sp>
+    </p:spTree>
+    <p:extLst>
+      <p:ext uri="{BB962C8B-B14F-4D97-AF65-F5344CB8AC3E}">
+        <p14:creationId xmlns:p14="http://schemas.microsoft.com/office/powerpoint/2010/main" val="1549357277"/>
+      </p:ext>
+    </p:extLst>
+  </p:cSld>
+  <p:clrMapOvr>
+    <a:masterClrMapping/>
+  </p:clrMapOvr>
+</p:sld>
+</file>
+
+<file path=ppt/slides/slide11.xml><?xml version="1.0" encoding="utf-8"?>
+<p:sld xmlns:a="http://schemas.openxmlformats.org/drawingml/2006/main" xmlns:r="http://schemas.openxmlformats.org/officeDocument/2006/relationships" xmlns:p="http://schemas.openxmlformats.org/presentationml/2006/main">
+  <p:cSld>
+    <p:spTree>
+      <p:nvGrpSpPr>
+        <p:cNvPr id="1" name=""/>
+        <p:cNvGrpSpPr/>
+        <p:nvPr/>
+      </p:nvGrpSpPr>
+      <p:grpSpPr>
+        <a:xfrm>
+          <a:off x="0" y="0"/>
+          <a:ext cx="0" cy="0"/>
+          <a:chOff x="0" y="0"/>
+          <a:chExt cx="0" cy="0"/>
+        </a:xfrm>
+      </p:grpSpPr>
+      <p:sp>
+        <p:nvSpPr>
+          <p:cNvPr id="2" name="Título 1"/>
+          <p:cNvSpPr>
+            <a:spLocks noGrp="1"/>
+          </p:cNvSpPr>
+          <p:nvPr>
+            <p:ph type="title"/>
+          </p:nvPr>
+        </p:nvSpPr>
+        <p:spPr/>
+        <p:txBody>
+          <a:bodyPr/>
+          <a:lstStyle/>
+          <a:p>
+            <a:r>
+              <a:rPr lang="pt-BR" dirty="0"/>
+              <a:t>Exemplo </a:t>
+            </a:r>
+          </a:p>
+        </p:txBody>
+      </p:sp>
+      <p:sp>
+        <p:nvSpPr>
+          <p:cNvPr id="3" name="Espaço Reservado para Conteúdo 2"/>
+          <p:cNvSpPr>
+            <a:spLocks noGrp="1"/>
+          </p:cNvSpPr>
+          <p:nvPr>
+            <p:ph idx="1"/>
+          </p:nvPr>
+        </p:nvSpPr>
+        <p:spPr/>
+        <p:txBody>
+          <a:bodyPr/>
+          <a:lstStyle/>
+          <a:p>
+            <a:endParaRPr lang="pt-BR"/>
+          </a:p>
+        </p:txBody>
+      </p:sp>
+      <p:pic>
+        <p:nvPicPr>
+          <p:cNvPr id="4" name="Imagem 3"/>
+          <p:cNvPicPr>
+            <a:picLocks noChangeAspect="1"/>
+          </p:cNvPicPr>
+          <p:nvPr/>
+        </p:nvPicPr>
+        <p:blipFill>
+          <a:blip r:embed="rId2"/>
+          <a:stretch>
+            <a:fillRect/>
+          </a:stretch>
+        </p:blipFill>
+        <p:spPr>
+          <a:xfrm>
+            <a:off x="4086225" y="2536176"/>
+            <a:ext cx="7532009" cy="4013677"/>
+          </a:xfrm>
+          <a:prstGeom prst="rect">
+            <a:avLst/>
+          </a:prstGeom>
+        </p:spPr>
+      </p:pic>
+    </p:spTree>
+    <p:extLst>
+      <p:ext uri="{BB962C8B-B14F-4D97-AF65-F5344CB8AC3E}">
+        <p14:creationId xmlns:p14="http://schemas.microsoft.com/office/powerpoint/2010/main" val="1617746424"/>
+      </p:ext>
+    </p:extLst>
+  </p:cSld>
+  <p:clrMapOvr>
+    <a:masterClrMapping/>
+  </p:clrMapOvr>
+</p:sld>
+</file>
+
+<file path=ppt/slides/slide12.xml><?xml version="1.0" encoding="utf-8"?>
+<p:sld xmlns:a="http://schemas.openxmlformats.org/drawingml/2006/main" xmlns:r="http://schemas.openxmlformats.org/officeDocument/2006/relationships" xmlns:p="http://schemas.openxmlformats.org/presentationml/2006/main">
+  <p:cSld>
+    <p:spTree>
+      <p:nvGrpSpPr>
+        <p:cNvPr id="1" name=""/>
+        <p:cNvGrpSpPr/>
+        <p:nvPr/>
+      </p:nvGrpSpPr>
+      <p:grpSpPr>
+        <a:xfrm>
+          <a:off x="0" y="0"/>
+          <a:ext cx="0" cy="0"/>
+          <a:chOff x="0" y="0"/>
+          <a:chExt cx="0" cy="0"/>
+        </a:xfrm>
+      </p:grpSpPr>
+      <p:sp>
+        <p:nvSpPr>
+          <p:cNvPr id="2" name="Título 1"/>
+          <p:cNvSpPr>
+            <a:spLocks noGrp="1"/>
+          </p:cNvSpPr>
+          <p:nvPr>
+            <p:ph type="title"/>
+          </p:nvPr>
+        </p:nvSpPr>
+        <p:spPr/>
+        <p:txBody>
+          <a:bodyPr/>
+          <a:lstStyle/>
+          <a:p>
+            <a:r>
+              <a:rPr lang="pt-BR" dirty="0" err="1"/>
+              <a:t>Fetch</a:t>
+            </a:r>
+            <a:r>
+              <a:rPr lang="pt-BR" dirty="0"/>
+              <a:t> das linhas do </a:t>
+            </a:r>
+            <a:r>
+              <a:rPr lang="pt-BR" dirty="0" err="1"/>
+              <a:t>ref</a:t>
+            </a:r>
+            <a:r>
+              <a:rPr lang="pt-BR" dirty="0"/>
+              <a:t> cursor</a:t>
+            </a:r>
+          </a:p>
+        </p:txBody>
+      </p:sp>
+      <p:sp>
+        <p:nvSpPr>
+          <p:cNvPr id="3" name="Espaço Reservado para Conteúdo 2"/>
+          <p:cNvSpPr>
+            <a:spLocks noGrp="1"/>
+          </p:cNvSpPr>
+          <p:nvPr>
+            <p:ph idx="1"/>
+          </p:nvPr>
+        </p:nvSpPr>
+        <p:spPr>
+          <a:xfrm>
+            <a:off x="2592925" y="1264555"/>
+            <a:ext cx="8915400" cy="3777622"/>
+          </a:xfrm>
+        </p:spPr>
+        <p:txBody>
+          <a:bodyPr>
+            <a:normAutofit fontScale="92500" lnSpcReduction="10000"/>
+          </a:bodyPr>
+          <a:lstStyle/>
+          <a:p>
+            <a:r>
+              <a:rPr lang="pt-BR" dirty="0"/>
+              <a:t>As linhas são recuperadas uma por vez;</a:t>
+            </a:r>
+          </a:p>
+          <a:p>
+            <a:r>
+              <a:rPr lang="pt-BR" dirty="0"/>
+              <a:t>Exige compatibilidade entre as variáveis do INTO e os campos do cursor;</a:t>
+            </a:r>
+          </a:p>
+          <a:p>
+            <a:r>
+              <a:rPr lang="pt-BR" dirty="0"/>
+              <a:t>Também é verificado o número de campos e variáveis;</a:t>
+            </a:r>
+          </a:p>
+          <a:p>
+            <a:r>
+              <a:rPr lang="pt-BR" dirty="0"/>
+              <a:t>Em caso de erro de tipos, a compilador detecta para os tipos fortes e para os tipos fracos em tempo de execução;</a:t>
+            </a:r>
+          </a:p>
+        </p:txBody>
+      </p:sp>
+      <p:pic>
+        <p:nvPicPr>
+          <p:cNvPr id="4" name="Imagem 3"/>
+          <p:cNvPicPr>
+            <a:picLocks noChangeAspect="1"/>
+          </p:cNvPicPr>
+          <p:nvPr/>
+        </p:nvPicPr>
+        <p:blipFill>
+          <a:blip r:embed="rId2"/>
+          <a:stretch>
+            <a:fillRect/>
+          </a:stretch>
+        </p:blipFill>
+        <p:spPr>
+          <a:xfrm>
+            <a:off x="315161" y="5293875"/>
+            <a:ext cx="6418648" cy="1564125"/>
+          </a:xfrm>
+          <a:prstGeom prst="rect">
+            <a:avLst/>
+          </a:prstGeom>
+        </p:spPr>
+      </p:pic>
+    </p:spTree>
+    <p:extLst>
+      <p:ext uri="{BB962C8B-B14F-4D97-AF65-F5344CB8AC3E}">
+        <p14:creationId xmlns:p14="http://schemas.microsoft.com/office/powerpoint/2010/main" val="1775063518"/>
+      </p:ext>
+    </p:extLst>
+  </p:cSld>
+  <p:clrMapOvr>
+    <a:masterClrMapping/>
+  </p:clrMapOvr>
+</p:sld>
+</file>
+
+<file path=ppt/slides/slide13.xml><?xml version="1.0" encoding="utf-8"?>
+<p:sld xmlns:a="http://schemas.openxmlformats.org/drawingml/2006/main" xmlns:r="http://schemas.openxmlformats.org/officeDocument/2006/relationships" xmlns:p="http://schemas.openxmlformats.org/presentationml/2006/main">
+  <p:cSld>
+    <p:spTree>
+      <p:nvGrpSpPr>
+        <p:cNvPr id="1" name=""/>
+        <p:cNvGrpSpPr/>
+        <p:nvPr/>
+      </p:nvGrpSpPr>
+      <p:grpSpPr>
+        <a:xfrm>
+          <a:off x="0" y="0"/>
+          <a:ext cx="0" cy="0"/>
+          <a:chOff x="0" y="0"/>
+          <a:chExt cx="0" cy="0"/>
+        </a:xfrm>
+      </p:grpSpPr>
+      <p:sp>
+        <p:nvSpPr>
+          <p:cNvPr id="2" name="Título 1"/>
+          <p:cNvSpPr>
+            <a:spLocks noGrp="1"/>
+          </p:cNvSpPr>
+          <p:nvPr>
+            <p:ph type="title"/>
+          </p:nvPr>
+        </p:nvSpPr>
+        <p:spPr/>
+        <p:txBody>
+          <a:bodyPr/>
+          <a:lstStyle/>
+          <a:p>
+            <a:r>
+              <a:rPr lang="pt-BR" dirty="0"/>
+              <a:t>Fechando o </a:t>
+            </a:r>
+            <a:r>
+              <a:rPr lang="pt-BR" dirty="0" err="1"/>
+              <a:t>ref</a:t>
+            </a:r>
+            <a:r>
+              <a:rPr lang="pt-BR" dirty="0"/>
+              <a:t> cursor</a:t>
+            </a:r>
+          </a:p>
+        </p:txBody>
+      </p:sp>
+      <p:sp>
+        <p:nvSpPr>
+          <p:cNvPr id="3" name="Espaço Reservado para Conteúdo 2"/>
+          <p:cNvSpPr>
+            <a:spLocks noGrp="1"/>
+          </p:cNvSpPr>
+          <p:nvPr>
+            <p:ph idx="1"/>
+          </p:nvPr>
+        </p:nvSpPr>
+        <p:spPr/>
+        <p:txBody>
+          <a:bodyPr/>
+          <a:lstStyle/>
+          <a:p>
+            <a:r>
+              <a:rPr lang="pt-BR" dirty="0"/>
+              <a:t>É necessário fechar o cursor;</a:t>
+            </a:r>
+          </a:p>
+          <a:p>
+            <a:r>
+              <a:rPr lang="pt-BR" dirty="0"/>
+              <a:t>Os dados ficam inacessíveis;</a:t>
+            </a:r>
+          </a:p>
+          <a:p>
+            <a:r>
+              <a:rPr lang="pt-BR" dirty="0"/>
+              <a:t>Tentativa de acesso gera </a:t>
+            </a:r>
+            <a:r>
+              <a:rPr lang="pt-BR" dirty="0" err="1"/>
+              <a:t>exception</a:t>
+            </a:r>
+            <a:r>
+              <a:rPr lang="pt-BR" dirty="0"/>
+              <a:t> (</a:t>
+            </a:r>
+            <a:r>
+              <a:rPr lang="pt-BR" dirty="0" err="1"/>
+              <a:t>invalid</a:t>
+            </a:r>
+            <a:r>
+              <a:rPr lang="pt-BR" dirty="0"/>
+              <a:t> cursor);</a:t>
+            </a:r>
+          </a:p>
+        </p:txBody>
+      </p:sp>
+      <p:pic>
+        <p:nvPicPr>
+          <p:cNvPr id="5" name="Imagem 4"/>
+          <p:cNvPicPr>
+            <a:picLocks noChangeAspect="1"/>
+          </p:cNvPicPr>
+          <p:nvPr/>
+        </p:nvPicPr>
+        <p:blipFill>
+          <a:blip r:embed="rId2"/>
+          <a:stretch>
+            <a:fillRect/>
+          </a:stretch>
+        </p:blipFill>
+        <p:spPr>
+          <a:xfrm>
+            <a:off x="7046912" y="4599937"/>
+            <a:ext cx="4750525" cy="1746000"/>
+          </a:xfrm>
+          <a:prstGeom prst="rect">
+            <a:avLst/>
+          </a:prstGeom>
+        </p:spPr>
+      </p:pic>
+    </p:spTree>
+    <p:extLst>
+      <p:ext uri="{BB962C8B-B14F-4D97-AF65-F5344CB8AC3E}">
+        <p14:creationId xmlns:p14="http://schemas.microsoft.com/office/powerpoint/2010/main" val="3242275533"/>
+      </p:ext>
+    </p:extLst>
+  </p:cSld>
+  <p:clrMapOvr>
+    <a:masterClrMapping/>
+  </p:clrMapOvr>
+</p:sld>
+</file>
+
+<file path=ppt/slides/slide14.xml><?xml version="1.0" encoding="utf-8"?>
+<p:sld xmlns:a="http://schemas.openxmlformats.org/drawingml/2006/main" xmlns:r="http://schemas.openxmlformats.org/officeDocument/2006/relationships" xmlns:p="http://schemas.openxmlformats.org/presentationml/2006/main">
+  <p:cSld>
+    <p:spTree>
+      <p:nvGrpSpPr>
+        <p:cNvPr id="1" name=""/>
+        <p:cNvGrpSpPr/>
+        <p:nvPr/>
+      </p:nvGrpSpPr>
+      <p:grpSpPr>
+        <a:xfrm>
+          <a:off x="0" y="0"/>
+          <a:ext cx="0" cy="0"/>
+          <a:chOff x="0" y="0"/>
+          <a:chExt cx="0" cy="0"/>
+        </a:xfrm>
+      </p:grpSpPr>
+      <p:sp>
+        <p:nvSpPr>
+          <p:cNvPr id="2" name="Título 1"/>
+          <p:cNvSpPr>
+            <a:spLocks noGrp="1"/>
+          </p:cNvSpPr>
+          <p:nvPr>
+            <p:ph type="title"/>
+          </p:nvPr>
+        </p:nvSpPr>
+        <p:spPr/>
+        <p:txBody>
+          <a:bodyPr/>
+          <a:lstStyle/>
+          <a:p>
+            <a:r>
+              <a:rPr lang="pt-BR" dirty="0"/>
+              <a:t>Passando cursor como variável</a:t>
+            </a:r>
+          </a:p>
+        </p:txBody>
+      </p:sp>
+      <p:sp>
+        <p:nvSpPr>
+          <p:cNvPr id="3" name="Espaço Reservado para Conteúdo 2"/>
+          <p:cNvSpPr>
+            <a:spLocks noGrp="1"/>
+          </p:cNvSpPr>
+          <p:nvPr>
+            <p:ph idx="1"/>
+          </p:nvPr>
+        </p:nvSpPr>
+        <p:spPr/>
+        <p:txBody>
+          <a:bodyPr/>
+          <a:lstStyle/>
+          <a:p>
+            <a:r>
+              <a:rPr lang="pt-BR" dirty="0"/>
+              <a:t>São muito úteis para trocar dados entre o servidor e as aplicações clientes;</a:t>
+            </a:r>
+          </a:p>
+          <a:p>
+            <a:endParaRPr lang="pt-BR" dirty="0"/>
+          </a:p>
+        </p:txBody>
+      </p:sp>
+      <p:pic>
+        <p:nvPicPr>
+          <p:cNvPr id="4" name="Imagem 3"/>
+          <p:cNvPicPr>
+            <a:picLocks noChangeAspect="1"/>
+          </p:cNvPicPr>
+          <p:nvPr/>
+        </p:nvPicPr>
+        <p:blipFill>
+          <a:blip r:embed="rId2"/>
+          <a:stretch>
+            <a:fillRect/>
+          </a:stretch>
+        </p:blipFill>
+        <p:spPr>
+          <a:xfrm>
+            <a:off x="3897984" y="3346784"/>
+            <a:ext cx="7035128" cy="2564438"/>
+          </a:xfrm>
+          <a:prstGeom prst="rect">
+            <a:avLst/>
+          </a:prstGeom>
+        </p:spPr>
+      </p:pic>
+    </p:spTree>
+    <p:extLst>
+      <p:ext uri="{BB962C8B-B14F-4D97-AF65-F5344CB8AC3E}">
+        <p14:creationId xmlns:p14="http://schemas.microsoft.com/office/powerpoint/2010/main" val="2399060591"/>
+      </p:ext>
+    </p:extLst>
+  </p:cSld>
+  <p:clrMapOvr>
+    <a:masterClrMapping/>
+  </p:clrMapOvr>
+</p:sld>
+</file>
+
+<file path=ppt/slides/slide15.xml><?xml version="1.0" encoding="utf-8"?>
+<p:sld xmlns:a="http://schemas.openxmlformats.org/drawingml/2006/main" xmlns:r="http://schemas.openxmlformats.org/officeDocument/2006/relationships" xmlns:p="http://schemas.openxmlformats.org/presentationml/2006/main">
+  <p:cSld>
+    <p:spTree>
+      <p:nvGrpSpPr>
+        <p:cNvPr id="1" name=""/>
+        <p:cNvGrpSpPr/>
+        <p:nvPr/>
+      </p:nvGrpSpPr>
+      <p:grpSpPr>
+        <a:xfrm>
+          <a:off x="0" y="0"/>
+          <a:ext cx="0" cy="0"/>
+          <a:chOff x="0" y="0"/>
+          <a:chExt cx="0" cy="0"/>
+        </a:xfrm>
+      </p:grpSpPr>
+      <p:sp>
+        <p:nvSpPr>
+          <p:cNvPr id="2" name="Título 1"/>
+          <p:cNvSpPr>
+            <a:spLocks noGrp="1"/>
+          </p:cNvSpPr>
+          <p:nvPr>
+            <p:ph type="title"/>
+          </p:nvPr>
+        </p:nvSpPr>
+        <p:spPr/>
+        <p:txBody>
+          <a:bodyPr/>
+          <a:lstStyle/>
+          <a:p>
+            <a:r>
+              <a:rPr lang="pt-BR" dirty="0"/>
+              <a:t>Continuação</a:t>
+            </a:r>
+          </a:p>
+        </p:txBody>
+      </p:sp>
+      <p:sp>
+        <p:nvSpPr>
+          <p:cNvPr id="3" name="Espaço Reservado para Conteúdo 2"/>
+          <p:cNvSpPr>
+            <a:spLocks noGrp="1"/>
+          </p:cNvSpPr>
+          <p:nvPr>
+            <p:ph idx="1"/>
+          </p:nvPr>
+        </p:nvSpPr>
+        <p:spPr/>
+        <p:txBody>
+          <a:bodyPr/>
+          <a:lstStyle/>
+          <a:p>
+            <a:r>
+              <a:rPr lang="pt-BR" dirty="0"/>
+              <a:t>Lembrar de não fechar o cursor;</a:t>
+            </a:r>
+          </a:p>
+        </p:txBody>
+      </p:sp>
+      <p:pic>
+        <p:nvPicPr>
+          <p:cNvPr id="4" name="Imagem 3"/>
+          <p:cNvPicPr>
+            <a:picLocks noChangeAspect="1"/>
+          </p:cNvPicPr>
+          <p:nvPr/>
+        </p:nvPicPr>
+        <p:blipFill>
+          <a:blip r:embed="rId2"/>
+          <a:stretch>
+            <a:fillRect/>
+          </a:stretch>
+        </p:blipFill>
+        <p:spPr>
+          <a:xfrm>
+            <a:off x="3352263" y="2941593"/>
+            <a:ext cx="8630724" cy="3546563"/>
+          </a:xfrm>
+          <a:prstGeom prst="rect">
+            <a:avLst/>
+          </a:prstGeom>
+        </p:spPr>
+      </p:pic>
+    </p:spTree>
+    <p:extLst>
+      <p:ext uri="{BB962C8B-B14F-4D97-AF65-F5344CB8AC3E}">
+        <p14:creationId xmlns:p14="http://schemas.microsoft.com/office/powerpoint/2010/main" val="1432045598"/>
+      </p:ext>
+    </p:extLst>
+  </p:cSld>
+  <p:clrMapOvr>
+    <a:masterClrMapping/>
+  </p:clrMapOvr>
+</p:sld>
+</file>
+
+<file path=ppt/slides/slide16.xml><?xml version="1.0" encoding="utf-8"?>
+<p:sld xmlns:a="http://schemas.openxmlformats.org/drawingml/2006/main" xmlns:r="http://schemas.openxmlformats.org/officeDocument/2006/relationships" xmlns:p="http://schemas.openxmlformats.org/presentationml/2006/main">
+  <p:cSld>
+    <p:spTree>
+      <p:nvGrpSpPr>
+        <p:cNvPr id="1" name=""/>
+        <p:cNvGrpSpPr/>
+        <p:nvPr/>
+      </p:nvGrpSpPr>
+      <p:grpSpPr>
+        <a:xfrm>
+          <a:off x="0" y="0"/>
+          <a:ext cx="0" cy="0"/>
+          <a:chOff x="0" y="0"/>
+          <a:chExt cx="0" cy="0"/>
+        </a:xfrm>
+      </p:grpSpPr>
+      <p:sp>
+        <p:nvSpPr>
+          <p:cNvPr id="2" name="Título 1"/>
+          <p:cNvSpPr>
+            <a:spLocks noGrp="1"/>
+          </p:cNvSpPr>
+          <p:nvPr>
+            <p:ph type="title"/>
+          </p:nvPr>
+        </p:nvSpPr>
+        <p:spPr/>
+        <p:txBody>
+          <a:bodyPr/>
+          <a:lstStyle/>
+          <a:p>
+            <a:r>
+              <a:rPr lang="pt-BR" dirty="0"/>
+              <a:t>Utilizando SYS_REFCURSOR</a:t>
+            </a:r>
+          </a:p>
+        </p:txBody>
+      </p:sp>
+      <p:sp>
+        <p:nvSpPr>
+          <p:cNvPr id="3" name="Espaço Reservado para Conteúdo 2"/>
+          <p:cNvSpPr>
+            <a:spLocks noGrp="1"/>
+          </p:cNvSpPr>
+          <p:nvPr>
+            <p:ph idx="1"/>
+          </p:nvPr>
+        </p:nvSpPr>
+        <p:spPr/>
+        <p:txBody>
+          <a:bodyPr/>
+          <a:lstStyle/>
+          <a:p>
+            <a:r>
+              <a:rPr lang="pt-BR" dirty="0"/>
+              <a:t>Esse é o modo fraco de declarar </a:t>
+            </a:r>
+            <a:r>
+              <a:rPr lang="pt-BR" dirty="0" err="1"/>
+              <a:t>ref</a:t>
+            </a:r>
+            <a:r>
+              <a:rPr lang="pt-BR" dirty="0"/>
+              <a:t> cursor;</a:t>
+            </a:r>
+          </a:p>
+        </p:txBody>
+      </p:sp>
+      <p:pic>
+        <p:nvPicPr>
+          <p:cNvPr id="4" name="Imagem 3"/>
+          <p:cNvPicPr>
+            <a:picLocks noChangeAspect="1"/>
+          </p:cNvPicPr>
+          <p:nvPr/>
+        </p:nvPicPr>
+        <p:blipFill>
+          <a:blip r:embed="rId2"/>
+          <a:stretch>
+            <a:fillRect/>
+          </a:stretch>
+        </p:blipFill>
+        <p:spPr>
+          <a:xfrm>
+            <a:off x="4900613" y="2714072"/>
+            <a:ext cx="7011511" cy="4143928"/>
+          </a:xfrm>
+          <a:prstGeom prst="rect">
+            <a:avLst/>
+          </a:prstGeom>
+        </p:spPr>
+      </p:pic>
+    </p:spTree>
+    <p:extLst>
+      <p:ext uri="{BB962C8B-B14F-4D97-AF65-F5344CB8AC3E}">
+        <p14:creationId xmlns:p14="http://schemas.microsoft.com/office/powerpoint/2010/main" val="139134547"/>
+      </p:ext>
+    </p:extLst>
+  </p:cSld>
+  <p:clrMapOvr>
+    <a:masterClrMapping/>
+  </p:clrMapOvr>
+</p:sld>
+</file>
+
+<file path=ppt/slides/slide17.xml><?xml version="1.0" encoding="utf-8"?>
+<p:sld xmlns:a="http://schemas.openxmlformats.org/drawingml/2006/main" xmlns:r="http://schemas.openxmlformats.org/officeDocument/2006/relationships" xmlns:p="http://schemas.openxmlformats.org/presentationml/2006/main">
+  <p:cSld>
+    <p:spTree>
+      <p:nvGrpSpPr>
+        <p:cNvPr id="1" name=""/>
+        <p:cNvGrpSpPr/>
+        <p:nvPr/>
+      </p:nvGrpSpPr>
+      <p:grpSpPr>
+        <a:xfrm>
+          <a:off x="0" y="0"/>
+          <a:ext cx="0" cy="0"/>
+          <a:chOff x="0" y="0"/>
+          <a:chExt cx="0" cy="0"/>
+        </a:xfrm>
+      </p:grpSpPr>
+      <p:sp>
+        <p:nvSpPr>
+          <p:cNvPr id="2" name="Título 1"/>
+          <p:cNvSpPr>
+            <a:spLocks noGrp="1"/>
+          </p:cNvSpPr>
+          <p:nvPr>
+            <p:ph type="title"/>
+          </p:nvPr>
+        </p:nvSpPr>
+        <p:spPr/>
+        <p:txBody>
+          <a:bodyPr/>
+          <a:lstStyle/>
+          <a:p>
+            <a:r>
+              <a:rPr lang="pt-BR" dirty="0"/>
+              <a:t>Regras para uso de </a:t>
+            </a:r>
+            <a:r>
+              <a:rPr lang="pt-BR" dirty="0" err="1"/>
+              <a:t>ref</a:t>
+            </a:r>
+            <a:r>
+              <a:rPr lang="pt-BR" dirty="0"/>
+              <a:t> cursor</a:t>
+            </a:r>
+          </a:p>
+        </p:txBody>
+      </p:sp>
+      <p:sp>
+        <p:nvSpPr>
+          <p:cNvPr id="3" name="Espaço Reservado para Conteúdo 2"/>
+          <p:cNvSpPr>
+            <a:spLocks noGrp="1"/>
+          </p:cNvSpPr>
+          <p:nvPr>
+            <p:ph idx="1"/>
+          </p:nvPr>
+        </p:nvSpPr>
+        <p:spPr/>
+        <p:txBody>
+          <a:bodyPr>
+            <a:normAutofit lnSpcReduction="10000"/>
+          </a:bodyPr>
+          <a:lstStyle/>
+          <a:p>
+            <a:r>
+              <a:rPr lang="pt-BR" dirty="0"/>
+              <a:t>Não utilizar como parâmetros em rotinas remotas;</a:t>
+            </a:r>
+          </a:p>
+          <a:p>
+            <a:r>
+              <a:rPr lang="pt-BR" dirty="0"/>
+              <a:t>Não utilizar operador de comparação com cursor;</a:t>
+            </a:r>
+          </a:p>
+          <a:p>
+            <a:r>
+              <a:rPr lang="pt-BR" dirty="0"/>
+              <a:t>Não pode atribuir NULL para um cursor;</a:t>
+            </a:r>
+          </a:p>
+          <a:p>
+            <a:r>
+              <a:rPr lang="pt-BR" dirty="0"/>
+              <a:t>Não utilizar em CREATE TABLE ou  CREATE VIEW;</a:t>
+            </a:r>
+          </a:p>
+          <a:p>
+            <a:endParaRPr lang="pt-BR" dirty="0"/>
+          </a:p>
+        </p:txBody>
+      </p:sp>
+    </p:spTree>
+    <p:extLst>
+      <p:ext uri="{BB962C8B-B14F-4D97-AF65-F5344CB8AC3E}">
+        <p14:creationId xmlns:p14="http://schemas.microsoft.com/office/powerpoint/2010/main" val="537720903"/>
+      </p:ext>
+    </p:extLst>
+  </p:cSld>
+  <p:clrMapOvr>
+    <a:masterClrMapping/>
+  </p:clrMapOvr>
+</p:sld>
+</file>
+
+<file path=ppt/slides/slide18.xml><?xml version="1.0" encoding="utf-8"?>
+<p:sld xmlns:a="http://schemas.openxmlformats.org/drawingml/2006/main" xmlns:r="http://schemas.openxmlformats.org/officeDocument/2006/relationships" xmlns:p="http://schemas.openxmlformats.org/presentationml/2006/main">
+  <p:cSld>
+    <p:spTree>
+      <p:nvGrpSpPr>
+        <p:cNvPr id="1" name=""/>
+        <p:cNvGrpSpPr/>
+        <p:nvPr/>
+      </p:nvGrpSpPr>
+      <p:grpSpPr>
+        <a:xfrm>
+          <a:off x="0" y="0"/>
+          <a:ext cx="0" cy="0"/>
+          <a:chOff x="0" y="0"/>
+          <a:chExt cx="0" cy="0"/>
+        </a:xfrm>
+      </p:grpSpPr>
+      <p:sp>
+        <p:nvSpPr>
+          <p:cNvPr id="2" name="Título 1"/>
+          <p:cNvSpPr>
+            <a:spLocks noGrp="1"/>
+          </p:cNvSpPr>
+          <p:nvPr>
+            <p:ph type="title"/>
+          </p:nvPr>
+        </p:nvSpPr>
+        <p:spPr/>
+        <p:txBody>
+          <a:bodyPr/>
+          <a:lstStyle/>
+          <a:p>
+            <a:r>
+              <a:rPr lang="pt-BR" dirty="0"/>
+              <a:t>Comparação entre Cursores</a:t>
+            </a:r>
+          </a:p>
+        </p:txBody>
+      </p:sp>
+      <p:sp>
+        <p:nvSpPr>
+          <p:cNvPr id="3" name="Espaço Reservado para Conteúdo 2"/>
+          <p:cNvSpPr>
+            <a:spLocks noGrp="1"/>
+          </p:cNvSpPr>
+          <p:nvPr>
+            <p:ph idx="1"/>
+          </p:nvPr>
+        </p:nvSpPr>
+        <p:spPr/>
+        <p:txBody>
+          <a:bodyPr/>
+          <a:lstStyle/>
+          <a:p>
+            <a:endParaRPr lang="pt-BR"/>
+          </a:p>
+        </p:txBody>
+      </p:sp>
+      <p:pic>
+        <p:nvPicPr>
+          <p:cNvPr id="4" name="Imagem 3"/>
+          <p:cNvPicPr>
+            <a:picLocks noChangeAspect="1"/>
+          </p:cNvPicPr>
+          <p:nvPr/>
+        </p:nvPicPr>
+        <p:blipFill>
+          <a:blip r:embed="rId2"/>
+          <a:stretch>
+            <a:fillRect/>
+          </a:stretch>
+        </p:blipFill>
+        <p:spPr>
+          <a:xfrm>
+            <a:off x="2589212" y="2133600"/>
+            <a:ext cx="8617955" cy="4141050"/>
+          </a:xfrm>
+          <a:prstGeom prst="rect">
+            <a:avLst/>
+          </a:prstGeom>
+        </p:spPr>
+      </p:pic>
+    </p:spTree>
+    <p:extLst>
+      <p:ext uri="{BB962C8B-B14F-4D97-AF65-F5344CB8AC3E}">
+        <p14:creationId xmlns:p14="http://schemas.microsoft.com/office/powerpoint/2010/main" val="3837847754"/>
+      </p:ext>
+    </p:extLst>
+  </p:cSld>
+  <p:clrMapOvr>
+    <a:masterClrMapping/>
+  </p:clrMapOvr>
+</p:sld>
+</file>
+
+<file path=ppt/slides/slide19.xml><?xml version="1.0" encoding="utf-8"?>
+<p:sld xmlns:a="http://schemas.openxmlformats.org/drawingml/2006/main" xmlns:r="http://schemas.openxmlformats.org/officeDocument/2006/relationships" xmlns:p="http://schemas.openxmlformats.org/presentationml/2006/main">
+  <p:cSld>
+    <p:spTree>
+      <p:nvGrpSpPr>
+        <p:cNvPr id="1" name=""/>
+        <p:cNvGrpSpPr/>
+        <p:nvPr/>
+      </p:nvGrpSpPr>
+      <p:grpSpPr>
+        <a:xfrm>
+          <a:off x="0" y="0"/>
+          <a:ext cx="0" cy="0"/>
+          <a:chOff x="0" y="0"/>
+          <a:chExt cx="0" cy="0"/>
+        </a:xfrm>
+      </p:grpSpPr>
+      <p:sp>
+        <p:nvSpPr>
+          <p:cNvPr id="2" name="Título 1"/>
+          <p:cNvSpPr>
+            <a:spLocks noGrp="1"/>
+          </p:cNvSpPr>
+          <p:nvPr>
+            <p:ph type="title"/>
+          </p:nvPr>
+        </p:nvSpPr>
+        <p:spPr/>
+        <p:txBody>
+          <a:bodyPr/>
+          <a:lstStyle/>
+          <a:p>
+            <a:r>
+              <a:rPr lang="pt-BR" dirty="0"/>
+              <a:t>Laboratório </a:t>
+            </a:r>
+          </a:p>
+        </p:txBody>
+      </p:sp>
+      <p:sp>
+        <p:nvSpPr>
+          <p:cNvPr id="3" name="Espaço Reservado para Conteúdo 2"/>
+          <p:cNvSpPr>
+            <a:spLocks noGrp="1"/>
+          </p:cNvSpPr>
+          <p:nvPr>
+            <p:ph idx="1"/>
+          </p:nvPr>
+        </p:nvSpPr>
+        <p:spPr>
+          <a:xfrm>
+            <a:off x="2244438" y="1399082"/>
+            <a:ext cx="8915400" cy="3777622"/>
+          </a:xfrm>
+        </p:spPr>
+        <p:txBody>
+          <a:bodyPr>
+            <a:noAutofit/>
+          </a:bodyPr>
+          <a:lstStyle/>
+          <a:p>
+            <a:r>
+              <a:rPr lang="pt-BR" sz="2400" dirty="0"/>
+              <a:t>Criar uma </a:t>
+            </a:r>
+            <a:r>
+              <a:rPr lang="pt-BR" sz="2400" dirty="0" err="1"/>
+              <a:t>package</a:t>
+            </a:r>
+            <a:r>
+              <a:rPr lang="pt-BR" sz="2400" dirty="0"/>
+              <a:t> com duas procedures cuja finalidade seja semelhante a vista na teoria;</a:t>
+            </a:r>
+          </a:p>
+          <a:p>
+            <a:r>
+              <a:rPr lang="pt-BR" sz="2400" dirty="0"/>
+              <a:t>A primeira procedure irá buscar os dados dos empregados e retorná-los com um acréscimo no salário de 10%;</a:t>
+            </a:r>
+          </a:p>
+          <a:p>
+            <a:r>
+              <a:rPr lang="pt-BR" sz="2400" dirty="0"/>
+              <a:t>Neste retorno também deverá estar o nome do departamento de cada funcionário;</a:t>
+            </a:r>
+          </a:p>
+          <a:p>
+            <a:r>
+              <a:rPr lang="pt-BR" sz="2400" dirty="0"/>
+              <a:t>A segunda procedure será responsável por executar a chamada da primeira procedure e imprimir na tela os dados dos empregados obtidos na primeira procedure;</a:t>
+            </a:r>
+          </a:p>
+          <a:p>
+            <a:r>
+              <a:rPr lang="pt-BR" sz="2400" dirty="0"/>
+              <a:t>O uso de cursores </a:t>
+            </a:r>
+            <a:r>
+              <a:rPr lang="pt-BR" sz="2400" dirty="0" err="1"/>
+              <a:t>ref</a:t>
+            </a:r>
+            <a:r>
+              <a:rPr lang="pt-BR" sz="2400" dirty="0"/>
+              <a:t> cursor é mandatório seguindo os exemplos visto em aula;</a:t>
+            </a:r>
+          </a:p>
+        </p:txBody>
+      </p:sp>
+    </p:spTree>
+    <p:extLst>
+      <p:ext uri="{BB962C8B-B14F-4D97-AF65-F5344CB8AC3E}">
+        <p14:creationId xmlns:p14="http://schemas.microsoft.com/office/powerpoint/2010/main" val="3554467209"/>
+      </p:ext>
+    </p:extLst>
+  </p:cSld>
+  <p:clrMapOvr>
+    <a:masterClrMapping/>
+  </p:clrMapOvr>
+</p:sld>
+</file>
+
+<file path=ppt/slides/slide2.xml><?xml version="1.0" encoding="utf-8"?>
+<p:sld xmlns:a="http://schemas.openxmlformats.org/drawingml/2006/main" xmlns:r="http://schemas.openxmlformats.org/officeDocument/2006/relationships" xmlns:p="http://schemas.openxmlformats.org/presentationml/2006/main">
+  <p:cSld>
+    <p:spTree>
+      <p:nvGrpSpPr>
+        <p:cNvPr id="1" name=""/>
+        <p:cNvGrpSpPr/>
+        <p:nvPr/>
+      </p:nvGrpSpPr>
+      <p:grpSpPr>
+        <a:xfrm>
+          <a:off x="0" y="0"/>
+          <a:ext cx="0" cy="0"/>
+          <a:chOff x="0" y="0"/>
+          <a:chExt cx="0" cy="0"/>
+        </a:xfrm>
+      </p:grpSpPr>
+      <p:sp>
+        <p:nvSpPr>
+          <p:cNvPr id="2" name="Título 1"/>
+          <p:cNvSpPr>
+            <a:spLocks noGrp="1"/>
+          </p:cNvSpPr>
+          <p:nvPr>
+            <p:ph type="title"/>
+          </p:nvPr>
+        </p:nvSpPr>
+        <p:spPr/>
+        <p:txBody>
+          <a:bodyPr/>
+          <a:lstStyle/>
+          <a:p>
+            <a:r>
+              <a:rPr lang="pt-BR" dirty="0"/>
+              <a:t>Trabalhando com cursores</a:t>
+            </a:r>
+          </a:p>
+        </p:txBody>
+      </p:sp>
+      <p:sp>
+        <p:nvSpPr>
+          <p:cNvPr id="3" name="Espaço Reservado para Conteúdo 2"/>
+          <p:cNvSpPr>
+            <a:spLocks noGrp="1"/>
+          </p:cNvSpPr>
+          <p:nvPr>
+            <p:ph idx="1"/>
+          </p:nvPr>
+        </p:nvSpPr>
+        <p:spPr/>
+        <p:txBody>
+          <a:bodyPr>
+            <a:normAutofit fontScale="70000" lnSpcReduction="20000"/>
+          </a:bodyPr>
+          <a:lstStyle/>
+          <a:p>
+            <a:r>
+              <a:rPr lang="pt-BR" dirty="0"/>
+              <a:t>Sempre que possível procure utilizar cursores com parâmetros;</a:t>
+            </a:r>
+          </a:p>
+          <a:p>
+            <a:pPr lvl="1"/>
+            <a:r>
+              <a:rPr lang="pt-BR" dirty="0"/>
+              <a:t>Ganha com flexibilidade;</a:t>
+            </a:r>
+          </a:p>
+          <a:p>
+            <a:pPr lvl="1"/>
+            <a:r>
+              <a:rPr lang="pt-BR" dirty="0"/>
+              <a:t>Evita problema de escopo de variável;</a:t>
+            </a:r>
+          </a:p>
+          <a:p>
+            <a:r>
+              <a:rPr lang="pt-BR" dirty="0"/>
+              <a:t>Referenciar os atributos dos cursores implícitos logo após o comando SQL;</a:t>
+            </a:r>
+          </a:p>
+          <a:p>
+            <a:pPr lvl="1"/>
+            <a:r>
+              <a:rPr lang="pt-BR" dirty="0"/>
+              <a:t>SQL%ROWCOUNT</a:t>
+            </a:r>
+          </a:p>
+          <a:p>
+            <a:r>
+              <a:rPr lang="pt-BR" dirty="0"/>
+              <a:t>Fechar o cursor tão logo não seja mais necessário</a:t>
+            </a:r>
+          </a:p>
+          <a:p>
+            <a:r>
+              <a:rPr lang="pt-BR" dirty="0"/>
+              <a:t>Atribuir alias para as colunas de modo a utilizá-los nos registros</a:t>
+            </a:r>
+          </a:p>
+          <a:p>
+            <a:endParaRPr lang="pt-BR" dirty="0"/>
+          </a:p>
+        </p:txBody>
+      </p:sp>
+    </p:spTree>
+    <p:extLst>
+      <p:ext uri="{BB962C8B-B14F-4D97-AF65-F5344CB8AC3E}">
+        <p14:creationId xmlns:p14="http://schemas.microsoft.com/office/powerpoint/2010/main" val="618414577"/>
+      </p:ext>
+    </p:extLst>
+  </p:cSld>
+  <p:clrMapOvr>
+    <a:masterClrMapping/>
+  </p:clrMapOvr>
+</p:sld>
+</file>
+
+<file path=ppt/slides/slide20.xml><?xml version="1.0" encoding="utf-8"?>
+<p:sld xmlns:a="http://schemas.openxmlformats.org/drawingml/2006/main" xmlns:r="http://schemas.openxmlformats.org/officeDocument/2006/relationships" xmlns:p="http://schemas.openxmlformats.org/presentationml/2006/main">
+  <p:cSld>
+    <p:spTree>
+      <p:nvGrpSpPr>
+        <p:cNvPr id="1" name=""/>
+        <p:cNvGrpSpPr/>
+        <p:nvPr/>
+      </p:nvGrpSpPr>
+      <p:grpSpPr>
+        <a:xfrm>
+          <a:off x="0" y="0"/>
+          <a:ext cx="0" cy="0"/>
+          <a:chOff x="0" y="0"/>
+          <a:chExt cx="0" cy="0"/>
+        </a:xfrm>
+      </p:grpSpPr>
+      <p:sp>
+        <p:nvSpPr>
+          <p:cNvPr id="2" name="Title 1">
+            <a:extLst>
+              <a:ext uri="{FF2B5EF4-FFF2-40B4-BE49-F238E27FC236}">
+                <a16:creationId xmlns:a16="http://schemas.microsoft.com/office/drawing/2014/main" id="{EF35D24C-DC2F-4B39-BA02-D95E984808B7}"/>
+              </a:ext>
+            </a:extLst>
+          </p:cNvPr>
+          <p:cNvSpPr>
+            <a:spLocks noGrp="1"/>
+          </p:cNvSpPr>
+          <p:nvPr>
+            <p:ph type="title"/>
+          </p:nvPr>
+        </p:nvSpPr>
+        <p:spPr/>
+        <p:txBody>
+          <a:bodyPr/>
+          <a:lstStyle/>
+          <a:p>
+            <a:r>
+              <a:rPr lang="en-US" dirty="0" err="1"/>
+              <a:t>Algoritmo</a:t>
+            </a:r>
+            <a:r>
+              <a:rPr lang="en-US" dirty="0"/>
+              <a:t> Geral</a:t>
+            </a:r>
+          </a:p>
+        </p:txBody>
+      </p:sp>
+      <p:sp>
+        <p:nvSpPr>
+          <p:cNvPr id="3" name="Content Placeholder 2">
+            <a:extLst>
+              <a:ext uri="{FF2B5EF4-FFF2-40B4-BE49-F238E27FC236}">
+                <a16:creationId xmlns:a16="http://schemas.microsoft.com/office/drawing/2014/main" id="{1EBC901E-05E2-493B-9E22-2ABB97564D60}"/>
+              </a:ext>
+            </a:extLst>
+          </p:cNvPr>
+          <p:cNvSpPr>
+            <a:spLocks noGrp="1"/>
+          </p:cNvSpPr>
+          <p:nvPr>
+            <p:ph idx="1"/>
+          </p:nvPr>
+        </p:nvSpPr>
+        <p:spPr/>
+        <p:txBody>
+          <a:bodyPr vert="horz" lIns="91440" tIns="45720" rIns="91440" bIns="45720" rtlCol="0" anchor="t">
+            <a:normAutofit fontScale="92500" lnSpcReduction="10000"/>
+          </a:bodyPr>
+          <a:lstStyle/>
+          <a:p>
+            <a:r>
+              <a:rPr lang="en-US" dirty="0"/>
+              <a:t>Procedure A </a:t>
+            </a:r>
+            <a:r>
+              <a:rPr lang="en-US" dirty="0" err="1"/>
+              <a:t>chama</a:t>
+            </a:r>
+            <a:r>
+              <a:rPr lang="en-US" dirty="0"/>
+              <a:t> Procedure B</a:t>
+            </a:r>
+          </a:p>
+          <a:p>
+            <a:r>
+              <a:rPr lang="en-US" dirty="0"/>
+              <a:t>Procedure B </a:t>
+            </a:r>
+            <a:r>
+              <a:rPr lang="en-US" dirty="0" err="1"/>
+              <a:t>obtém</a:t>
+            </a:r>
+            <a:r>
+              <a:rPr lang="en-US" dirty="0"/>
+              <a:t> a </a:t>
+            </a:r>
+            <a:r>
+              <a:rPr lang="en-US" dirty="0" err="1"/>
+              <a:t>lista</a:t>
+            </a:r>
+            <a:r>
+              <a:rPr lang="en-US" dirty="0"/>
+              <a:t> de </a:t>
+            </a:r>
+            <a:r>
+              <a:rPr lang="en-US" dirty="0" err="1"/>
+              <a:t>empregados</a:t>
+            </a:r>
+            <a:r>
+              <a:rPr lang="en-US" dirty="0"/>
+              <a:t> via cursor ref</a:t>
+            </a:r>
+          </a:p>
+          <a:p>
+            <a:r>
+              <a:rPr lang="en-US" dirty="0"/>
+              <a:t>Procedure B </a:t>
+            </a:r>
+            <a:r>
+              <a:rPr lang="en-US" dirty="0" err="1"/>
+              <a:t>retorna</a:t>
+            </a:r>
+            <a:r>
+              <a:rPr lang="en-US" dirty="0"/>
+              <a:t> a </a:t>
+            </a:r>
+            <a:r>
+              <a:rPr lang="en-US" dirty="0" err="1"/>
+              <a:t>lista</a:t>
+            </a:r>
+            <a:r>
+              <a:rPr lang="en-US" dirty="0"/>
+              <a:t> para Procedure A</a:t>
+            </a:r>
+          </a:p>
+          <a:p>
+            <a:r>
+              <a:rPr lang="en-US" dirty="0"/>
+              <a:t>Procedure A </a:t>
+            </a:r>
+            <a:r>
+              <a:rPr lang="en-US" dirty="0" err="1"/>
+              <a:t>passa</a:t>
+            </a:r>
+            <a:r>
+              <a:rPr lang="en-US" dirty="0"/>
+              <a:t> pela </a:t>
+            </a:r>
+            <a:r>
+              <a:rPr lang="en-US" dirty="0" err="1"/>
+              <a:t>lista</a:t>
+            </a:r>
+            <a:r>
+              <a:rPr lang="en-US" dirty="0"/>
+              <a:t> de </a:t>
+            </a:r>
+            <a:r>
+              <a:rPr lang="en-US" dirty="0" err="1"/>
+              <a:t>registros</a:t>
+            </a:r>
+            <a:r>
+              <a:rPr lang="en-US" dirty="0"/>
+              <a:t> </a:t>
+            </a:r>
+            <a:r>
+              <a:rPr lang="en-US" dirty="0" err="1"/>
+              <a:t>retornados</a:t>
+            </a:r>
+            <a:r>
+              <a:rPr lang="en-US" dirty="0"/>
+              <a:t> </a:t>
+            </a:r>
+            <a:r>
+              <a:rPr lang="en-US" dirty="0" err="1"/>
+              <a:t>imprimindo</a:t>
+            </a:r>
+            <a:r>
+              <a:rPr lang="en-US" dirty="0"/>
+              <a:t> </a:t>
+            </a:r>
+            <a:r>
+              <a:rPr lang="en-US" dirty="0" err="1"/>
+              <a:t>cada</a:t>
+            </a:r>
+            <a:r>
+              <a:rPr lang="en-US" dirty="0"/>
+              <a:t> um</a:t>
+            </a:r>
+          </a:p>
+          <a:p>
+            <a:r>
+              <a:rPr lang="en-US" dirty="0"/>
+              <a:t>Procedure A </a:t>
+            </a:r>
+            <a:r>
+              <a:rPr lang="en-US" dirty="0" err="1"/>
+              <a:t>finaliza</a:t>
+            </a:r>
+          </a:p>
+        </p:txBody>
+      </p:sp>
+    </p:spTree>
+    <p:extLst>
+      <p:ext uri="{BB962C8B-B14F-4D97-AF65-F5344CB8AC3E}">
+        <p14:creationId xmlns:p14="http://schemas.microsoft.com/office/powerpoint/2010/main" val="3618573033"/>
+      </p:ext>
+    </p:extLst>
+  </p:cSld>
+  <p:clrMapOvr>
+    <a:masterClrMapping/>
+  </p:clrMapOvr>
+</p:sld>
+</file>
+
+<file path=ppt/slides/slide3.xml><?xml version="1.0" encoding="utf-8"?>
+<p:sld xmlns:a="http://schemas.openxmlformats.org/drawingml/2006/main" xmlns:r="http://schemas.openxmlformats.org/officeDocument/2006/relationships" xmlns:p="http://schemas.openxmlformats.org/presentationml/2006/main">
+  <p:cSld>
+    <p:spTree>
+      <p:nvGrpSpPr>
+        <p:cNvPr id="1" name=""/>
+        <p:cNvGrpSpPr/>
+        <p:nvPr/>
+      </p:nvGrpSpPr>
+      <p:grpSpPr>
+        <a:xfrm>
+          <a:off x="0" y="0"/>
+          <a:ext cx="0" cy="0"/>
+          <a:chOff x="0" y="0"/>
+          <a:chExt cx="0" cy="0"/>
+        </a:xfrm>
+      </p:grpSpPr>
+      <p:sp>
+        <p:nvSpPr>
+          <p:cNvPr id="2" name="Título 1"/>
+          <p:cNvSpPr>
+            <a:spLocks noGrp="1"/>
+          </p:cNvSpPr>
+          <p:nvPr>
+            <p:ph type="title"/>
+          </p:nvPr>
+        </p:nvSpPr>
+        <p:spPr/>
+        <p:txBody>
+          <a:bodyPr/>
+          <a:lstStyle/>
+          <a:p>
+            <a:r>
+              <a:rPr lang="pt-BR" dirty="0"/>
+              <a:t>Cursor com </a:t>
+            </a:r>
+            <a:r>
+              <a:rPr lang="pt-BR" dirty="0" err="1"/>
+              <a:t>records</a:t>
+            </a:r>
+            <a:endParaRPr lang="pt-BR" dirty="0"/>
+          </a:p>
+        </p:txBody>
+      </p:sp>
+      <p:sp>
+        <p:nvSpPr>
+          <p:cNvPr id="3" name="Espaço Reservado para Conteúdo 2"/>
+          <p:cNvSpPr>
+            <a:spLocks noGrp="1"/>
+          </p:cNvSpPr>
+          <p:nvPr>
+            <p:ph idx="1"/>
+          </p:nvPr>
+        </p:nvSpPr>
+        <p:spPr>
+          <a:xfrm>
+            <a:off x="2739113" y="1318230"/>
+            <a:ext cx="8915400" cy="3358702"/>
+          </a:xfrm>
+        </p:spPr>
+        <p:txBody>
+          <a:bodyPr/>
+          <a:lstStyle/>
+          <a:p>
+            <a:r>
+              <a:rPr lang="pt-BR" dirty="0"/>
+              <a:t>Utilize registros para receber os dados do cursor;</a:t>
+            </a:r>
+          </a:p>
+          <a:p>
+            <a:r>
+              <a:rPr lang="pt-BR" dirty="0"/>
+              <a:t>Mantém a compatibilidade do código com futuras modificações;</a:t>
+            </a:r>
+          </a:p>
+        </p:txBody>
+      </p:sp>
+      <p:pic>
+        <p:nvPicPr>
+          <p:cNvPr id="4" name="Imagem 3"/>
+          <p:cNvPicPr>
+            <a:picLocks noChangeAspect="1"/>
+          </p:cNvPicPr>
+          <p:nvPr/>
+        </p:nvPicPr>
+        <p:blipFill>
+          <a:blip r:embed="rId2"/>
+          <a:stretch>
+            <a:fillRect/>
+          </a:stretch>
+        </p:blipFill>
+        <p:spPr>
+          <a:xfrm>
+            <a:off x="139596" y="3423645"/>
+            <a:ext cx="6656565" cy="3434355"/>
+          </a:xfrm>
+          <a:prstGeom prst="rect">
+            <a:avLst/>
+          </a:prstGeom>
+        </p:spPr>
+      </p:pic>
+    </p:spTree>
+    <p:extLst>
+      <p:ext uri="{BB962C8B-B14F-4D97-AF65-F5344CB8AC3E}">
+        <p14:creationId xmlns:p14="http://schemas.microsoft.com/office/powerpoint/2010/main" val="3116062893"/>
+      </p:ext>
+    </p:extLst>
+  </p:cSld>
+  <p:clrMapOvr>
+    <a:masterClrMapping/>
+  </p:clrMapOvr>
+</p:sld>
+</file>
+
+<file path=ppt/slides/slide4.xml><?xml version="1.0" encoding="utf-8"?>
+<p:sld xmlns:a="http://schemas.openxmlformats.org/drawingml/2006/main" xmlns:r="http://schemas.openxmlformats.org/officeDocument/2006/relationships" xmlns:p="http://schemas.openxmlformats.org/presentationml/2006/main">
+  <p:cSld>
+    <p:spTree>
+      <p:nvGrpSpPr>
+        <p:cNvPr id="1" name=""/>
+        <p:cNvGrpSpPr/>
+        <p:nvPr/>
+      </p:nvGrpSpPr>
+      <p:grpSpPr>
+        <a:xfrm>
+          <a:off x="0" y="0"/>
+          <a:ext cx="0" cy="0"/>
+          <a:chOff x="0" y="0"/>
+          <a:chExt cx="0" cy="0"/>
+        </a:xfrm>
+      </p:grpSpPr>
+      <p:sp>
+        <p:nvSpPr>
+          <p:cNvPr id="2" name="Título 1"/>
+          <p:cNvSpPr>
+            <a:spLocks noGrp="1"/>
+          </p:cNvSpPr>
+          <p:nvPr>
+            <p:ph type="title"/>
+          </p:nvPr>
+        </p:nvSpPr>
+        <p:spPr/>
+        <p:txBody>
+          <a:bodyPr/>
+          <a:lstStyle/>
+          <a:p>
+            <a:r>
+              <a:rPr lang="pt-BR" dirty="0"/>
+              <a:t>Cursor </a:t>
+            </a:r>
+            <a:r>
+              <a:rPr lang="pt-BR" dirty="0" err="1"/>
+              <a:t>Variable</a:t>
+            </a:r>
+            <a:endParaRPr lang="pt-BR" dirty="0"/>
+          </a:p>
+        </p:txBody>
+      </p:sp>
+      <p:sp>
+        <p:nvSpPr>
+          <p:cNvPr id="3" name="Espaço Reservado para Conteúdo 2"/>
+          <p:cNvSpPr>
+            <a:spLocks noGrp="1"/>
+          </p:cNvSpPr>
+          <p:nvPr>
+            <p:ph idx="1"/>
+          </p:nvPr>
+        </p:nvSpPr>
+        <p:spPr/>
+        <p:txBody>
+          <a:bodyPr>
+            <a:normAutofit fontScale="70000" lnSpcReduction="20000"/>
+          </a:bodyPr>
+          <a:lstStyle/>
+          <a:p>
+            <a:r>
+              <a:rPr lang="pt-BR" dirty="0"/>
+              <a:t>Aponta para a linha corrente de um </a:t>
+            </a:r>
+            <a:r>
+              <a:rPr lang="pt-BR" dirty="0" err="1"/>
+              <a:t>result</a:t>
+            </a:r>
+            <a:r>
+              <a:rPr lang="pt-BR" dirty="0"/>
+              <a:t> set;</a:t>
+            </a:r>
+          </a:p>
+          <a:p>
+            <a:r>
+              <a:rPr lang="pt-BR" dirty="0"/>
+              <a:t>Funciona como ponteiro em C;</a:t>
+            </a:r>
+          </a:p>
+          <a:p>
+            <a:r>
+              <a:rPr lang="pt-BR" dirty="0"/>
+              <a:t>Declarado por meio da cláusula REF CURSOR</a:t>
+            </a:r>
+          </a:p>
+          <a:p>
+            <a:r>
+              <a:rPr lang="pt-BR" dirty="0"/>
+              <a:t>Utilizado para tornar dinâmico o conteúdo e a finalidade do cursor</a:t>
+            </a:r>
+          </a:p>
+          <a:p>
+            <a:r>
+              <a:rPr lang="pt-BR" dirty="0"/>
+              <a:t>Permite compartilhar os dados do cursor com o ponto de chamada</a:t>
+            </a:r>
+          </a:p>
+          <a:p>
+            <a:r>
+              <a:rPr lang="pt-BR" dirty="0" err="1"/>
+              <a:t>Tipagem</a:t>
+            </a:r>
+            <a:r>
+              <a:rPr lang="pt-BR" dirty="0"/>
+              <a:t> forte: TYPE NOME IS REF CURSOR RETURN </a:t>
+            </a:r>
+            <a:r>
+              <a:rPr lang="pt-BR" dirty="0" err="1"/>
+              <a:t>tabela%ROWTYPE</a:t>
+            </a:r>
+            <a:r>
+              <a:rPr lang="pt-BR" dirty="0"/>
+              <a:t>;</a:t>
+            </a:r>
+          </a:p>
+          <a:p>
+            <a:r>
+              <a:rPr lang="pt-BR" dirty="0" err="1"/>
+              <a:t>Tiapgem</a:t>
+            </a:r>
+            <a:r>
+              <a:rPr lang="pt-BR" dirty="0"/>
+              <a:t> fraca: TYPE NOME IS REF CURSOR;</a:t>
+            </a:r>
+          </a:p>
+        </p:txBody>
+      </p:sp>
+    </p:spTree>
+    <p:extLst>
+      <p:ext uri="{BB962C8B-B14F-4D97-AF65-F5344CB8AC3E}">
+        <p14:creationId xmlns:p14="http://schemas.microsoft.com/office/powerpoint/2010/main" val="2581587719"/>
+      </p:ext>
+    </p:extLst>
+  </p:cSld>
+  <p:clrMapOvr>
+    <a:masterClrMapping/>
+  </p:clrMapOvr>
+</p:sld>
+</file>
+
+<file path=ppt/slides/slide5.xml><?xml version="1.0" encoding="utf-8"?>
+<p:sld xmlns:a="http://schemas.openxmlformats.org/drawingml/2006/main" xmlns:r="http://schemas.openxmlformats.org/officeDocument/2006/relationships" xmlns:p="http://schemas.openxmlformats.org/presentationml/2006/main">
+  <p:cSld>
+    <p:spTree>
+      <p:nvGrpSpPr>
+        <p:cNvPr id="1" name=""/>
+        <p:cNvGrpSpPr/>
+        <p:nvPr/>
+      </p:nvGrpSpPr>
+      <p:grpSpPr>
+        <a:xfrm>
+          <a:off x="0" y="0"/>
+          <a:ext cx="0" cy="0"/>
+          <a:chOff x="0" y="0"/>
+          <a:chExt cx="0" cy="0"/>
+        </a:xfrm>
+      </p:grpSpPr>
+      <p:sp>
+        <p:nvSpPr>
+          <p:cNvPr id="2" name="Título 1"/>
+          <p:cNvSpPr>
+            <a:spLocks noGrp="1"/>
+          </p:cNvSpPr>
+          <p:nvPr>
+            <p:ph type="title"/>
+          </p:nvPr>
+        </p:nvSpPr>
+        <p:spPr/>
+        <p:txBody>
+          <a:bodyPr/>
+          <a:lstStyle/>
+          <a:p>
+            <a:r>
+              <a:rPr lang="pt-BR" dirty="0"/>
+              <a:t>Utilizando </a:t>
+            </a:r>
+            <a:r>
+              <a:rPr lang="pt-BR" dirty="0" err="1"/>
+              <a:t>Ref</a:t>
+            </a:r>
+            <a:r>
+              <a:rPr lang="pt-BR" dirty="0"/>
+              <a:t> Cursor</a:t>
+            </a:r>
+          </a:p>
+        </p:txBody>
+      </p:sp>
+      <p:sp>
+        <p:nvSpPr>
+          <p:cNvPr id="3" name="Espaço Reservado para Conteúdo 2"/>
+          <p:cNvSpPr>
+            <a:spLocks noGrp="1"/>
+          </p:cNvSpPr>
+          <p:nvPr>
+            <p:ph idx="1"/>
+          </p:nvPr>
+        </p:nvSpPr>
+        <p:spPr/>
+        <p:txBody>
+          <a:bodyPr>
+            <a:normAutofit fontScale="77500" lnSpcReduction="20000"/>
+          </a:bodyPr>
+          <a:lstStyle/>
+          <a:p>
+            <a:r>
+              <a:rPr lang="pt-BR" dirty="0"/>
+              <a:t>Como em qualquer cursor, o Oracle reserva uma área de memória para os dados a serem retornados;</a:t>
+            </a:r>
+          </a:p>
+          <a:p>
+            <a:r>
+              <a:rPr lang="pt-BR" dirty="0"/>
+              <a:t>Essa área de memória recebe um nome, que é o nome do cursor;</a:t>
+            </a:r>
+          </a:p>
+          <a:p>
+            <a:r>
+              <a:rPr lang="pt-BR" dirty="0"/>
+              <a:t>No entanto, um cursor comum irá sempre apontar para uma mesma área de dados;</a:t>
+            </a:r>
+          </a:p>
+          <a:p>
+            <a:r>
+              <a:rPr lang="pt-BR" dirty="0"/>
+              <a:t>Já o REF CURSOR permite que essa área seja dinâmica e variável, pois o mesmo identificador pode ser associado a diferentes comandos em tempo de execução;</a:t>
+            </a:r>
+          </a:p>
+          <a:p>
+            <a:endParaRPr lang="pt-BR" dirty="0"/>
+          </a:p>
+        </p:txBody>
+      </p:sp>
+    </p:spTree>
+    <p:extLst>
+      <p:ext uri="{BB962C8B-B14F-4D97-AF65-F5344CB8AC3E}">
+        <p14:creationId xmlns:p14="http://schemas.microsoft.com/office/powerpoint/2010/main" val="3152998470"/>
+      </p:ext>
+    </p:extLst>
+  </p:cSld>
+  <p:clrMapOvr>
+    <a:masterClrMapping/>
+  </p:clrMapOvr>
+</p:sld>
+</file>
+
+<file path=ppt/slides/slide6.xml><?xml version="1.0" encoding="utf-8"?>
+<p:sld xmlns:a="http://schemas.openxmlformats.org/drawingml/2006/main" xmlns:r="http://schemas.openxmlformats.org/officeDocument/2006/relationships" xmlns:p="http://schemas.openxmlformats.org/presentationml/2006/main">
+  <p:cSld>
+    <p:spTree>
+      <p:nvGrpSpPr>
+        <p:cNvPr id="1" name=""/>
+        <p:cNvGrpSpPr/>
+        <p:nvPr/>
+      </p:nvGrpSpPr>
+      <p:grpSpPr>
+        <a:xfrm>
+          <a:off x="0" y="0"/>
+          <a:ext cx="0" cy="0"/>
+          <a:chOff x="0" y="0"/>
+          <a:chExt cx="0" cy="0"/>
+        </a:xfrm>
+      </p:grpSpPr>
+      <p:sp>
+        <p:nvSpPr>
+          <p:cNvPr id="2" name="Título 1"/>
+          <p:cNvSpPr>
+            <a:spLocks noGrp="1"/>
+          </p:cNvSpPr>
+          <p:nvPr>
+            <p:ph type="title"/>
+          </p:nvPr>
+        </p:nvSpPr>
+        <p:spPr/>
+        <p:txBody>
+          <a:bodyPr/>
+          <a:lstStyle/>
+          <a:p>
+            <a:r>
+              <a:rPr lang="pt-BR" dirty="0"/>
               <a:t>Declaração Forte ou Fraca</a:t>
             </a:r>
-            <a:endParaRPr lang="pt-BR" dirty="0"/>
           </a:p>
         </p:txBody>
       </p:sp>
@@ -7893,17 +9720,10 @@
   <p:clrMapOvr>
     <a:masterClrMapping/>
   </p:clrMapOvr>
-  <p:timing>
-    <p:tnLst>
-      <p:par>
-        <p:cTn id="1" dur="indefinite" restart="never" nodeType="tmRoot"/>
-      </p:par>
-    </p:tnLst>
-  </p:timing>
 </p:sld>
 </file>
 
-<file path=ppt/slides/slide11.xml><?xml version="1.0" encoding="utf-8"?>
+<file path=ppt/slides/slide7.xml><?xml version="1.0" encoding="utf-8"?>
 <p:sld xmlns:a="http://schemas.openxmlformats.org/drawingml/2006/main" xmlns:r="http://schemas.openxmlformats.org/officeDocument/2006/relationships" xmlns:p="http://schemas.openxmlformats.org/presentationml/2006/main">
   <p:cSld>
     <p:spTree>
@@ -7936,10 +9756,9 @@
           <a:lstStyle/>
           <a:p>
             <a:r>
-              <a:rPr lang="pt-BR" dirty="0" smtClean="0"/>
+              <a:rPr lang="pt-BR" dirty="0"/>
               <a:t>Exemplo</a:t>
             </a:r>
-            <a:endParaRPr lang="pt-BR" dirty="0"/>
           </a:p>
         </p:txBody>
       </p:sp>
@@ -7959,16 +9778,15 @@
           <a:lstStyle/>
           <a:p>
             <a:r>
-              <a:rPr lang="pt-BR" dirty="0" smtClean="0"/>
+              <a:rPr lang="pt-BR" dirty="0"/>
               <a:t>A primeira é Forte;</a:t>
             </a:r>
           </a:p>
           <a:p>
             <a:r>
-              <a:rPr lang="pt-BR" dirty="0" smtClean="0"/>
+              <a:rPr lang="pt-BR" dirty="0"/>
               <a:t>A segunda é Fraca;</a:t>
             </a:r>
-            <a:endParaRPr lang="pt-BR" dirty="0"/>
           </a:p>
         </p:txBody>
       </p:sp>
@@ -8006,17 +9824,10 @@
   <p:clrMapOvr>
     <a:masterClrMapping/>
   </p:clrMapOvr>
-  <p:timing>
-    <p:tnLst>
-      <p:par>
-        <p:cTn id="1" dur="indefinite" restart="never" nodeType="tmRoot"/>
-      </p:par>
-    </p:tnLst>
-  </p:timing>
 </p:sld>
 </file>
 
-<file path=ppt/slides/slide12.xml><?xml version="1.0" encoding="utf-8"?>
+<file path=ppt/slides/slide8.xml><?xml version="1.0" encoding="utf-8"?>
 <p:sld xmlns:a="http://schemas.openxmlformats.org/drawingml/2006/main" xmlns:r="http://schemas.openxmlformats.org/officeDocument/2006/relationships" xmlns:p="http://schemas.openxmlformats.org/presentationml/2006/main">
   <p:cSld>
     <p:spTree>
@@ -8049,10 +9860,9 @@
           <a:lstStyle/>
           <a:p>
             <a:r>
-              <a:rPr lang="pt-BR" dirty="0" smtClean="0"/>
+              <a:rPr lang="pt-BR" dirty="0"/>
               <a:t>Declaração</a:t>
             </a:r>
-            <a:endParaRPr lang="pt-BR" dirty="0"/>
           </a:p>
         </p:txBody>
       </p:sp>
@@ -8072,16 +9882,15 @@
           <a:lstStyle/>
           <a:p>
             <a:r>
-              <a:rPr lang="pt-BR" dirty="0" smtClean="0"/>
+              <a:rPr lang="pt-BR" dirty="0"/>
               <a:t>Primeiro define o tipo</a:t>
             </a:r>
           </a:p>
           <a:p>
             <a:r>
-              <a:rPr lang="pt-BR" dirty="0" smtClean="0"/>
+              <a:rPr lang="pt-BR" dirty="0"/>
               <a:t>Em seguida declara-se a variável a partir do tipo;</a:t>
             </a:r>
-            <a:endParaRPr lang="pt-BR" dirty="0"/>
           </a:p>
         </p:txBody>
       </p:sp>
@@ -8119,17 +9928,10 @@
   <p:clrMapOvr>
     <a:masterClrMapping/>
   </p:clrMapOvr>
-  <p:timing>
-    <p:tnLst>
-      <p:par>
-        <p:cTn id="1" dur="indefinite" restart="never" nodeType="tmRoot"/>
-      </p:par>
-    </p:tnLst>
-  </p:timing>
 </p:sld>
 </file>
 
-<file path=ppt/slides/slide13.xml><?xml version="1.0" encoding="utf-8"?>
+<file path=ppt/slides/slide9.xml><?xml version="1.0" encoding="utf-8"?>
 <p:sld xmlns:a="http://schemas.openxmlformats.org/drawingml/2006/main" xmlns:r="http://schemas.openxmlformats.org/officeDocument/2006/relationships" xmlns:p="http://schemas.openxmlformats.org/presentationml/2006/main">
   <p:cSld>
     <p:spTree>
@@ -8162,10 +9964,9 @@
           <a:lstStyle/>
           <a:p>
             <a:r>
-              <a:rPr lang="pt-BR" dirty="0" smtClean="0"/>
+              <a:rPr lang="pt-BR" dirty="0"/>
               <a:t>Tipos de declaração </a:t>
             </a:r>
-            <a:endParaRPr lang="pt-BR" dirty="0"/>
           </a:p>
         </p:txBody>
       </p:sp>
@@ -8222,2924 +10023,6 @@
   <p:clrMapOvr>
     <a:masterClrMapping/>
   </p:clrMapOvr>
-  <p:timing>
-    <p:tnLst>
-      <p:par>
-        <p:cTn id="1" dur="indefinite" restart="never" nodeType="tmRoot"/>
-      </p:par>
-    </p:tnLst>
-  </p:timing>
-</p:sld>
-</file>
-
-<file path=ppt/slides/slide14.xml><?xml version="1.0" encoding="utf-8"?>
-<p:sld xmlns:a="http://schemas.openxmlformats.org/drawingml/2006/main" xmlns:r="http://schemas.openxmlformats.org/officeDocument/2006/relationships" xmlns:p="http://schemas.openxmlformats.org/presentationml/2006/main">
-  <p:cSld>
-    <p:spTree>
-      <p:nvGrpSpPr>
-        <p:cNvPr id="1" name=""/>
-        <p:cNvGrpSpPr/>
-        <p:nvPr/>
-      </p:nvGrpSpPr>
-      <p:grpSpPr>
-        <a:xfrm>
-          <a:off x="0" y="0"/>
-          <a:ext cx="0" cy="0"/>
-          <a:chOff x="0" y="0"/>
-          <a:chExt cx="0" cy="0"/>
-        </a:xfrm>
-      </p:grpSpPr>
-      <p:sp>
-        <p:nvSpPr>
-          <p:cNvPr id="2" name="Título 1"/>
-          <p:cNvSpPr>
-            <a:spLocks noGrp="1"/>
-          </p:cNvSpPr>
-          <p:nvPr>
-            <p:ph type="title"/>
-          </p:nvPr>
-        </p:nvSpPr>
-        <p:spPr/>
-        <p:txBody>
-          <a:bodyPr/>
-          <a:lstStyle/>
-          <a:p>
-            <a:r>
-              <a:rPr lang="pt-BR" dirty="0" smtClean="0"/>
-              <a:t>Abrindo o </a:t>
-            </a:r>
-            <a:r>
-              <a:rPr lang="pt-BR" dirty="0" err="1" smtClean="0"/>
-              <a:t>ref</a:t>
-            </a:r>
-            <a:r>
-              <a:rPr lang="pt-BR" dirty="0" smtClean="0"/>
-              <a:t> cursor</a:t>
-            </a:r>
-            <a:endParaRPr lang="pt-BR" dirty="0"/>
-          </a:p>
-        </p:txBody>
-      </p:sp>
-      <p:sp>
-        <p:nvSpPr>
-          <p:cNvPr id="3" name="Espaço Reservado para Conteúdo 2"/>
-          <p:cNvSpPr>
-            <a:spLocks noGrp="1"/>
-          </p:cNvSpPr>
-          <p:nvPr>
-            <p:ph idx="1"/>
-          </p:nvPr>
-        </p:nvSpPr>
-        <p:spPr/>
-        <p:txBody>
-          <a:bodyPr/>
-          <a:lstStyle/>
-          <a:p>
-            <a:r>
-              <a:rPr lang="pt-BR" dirty="0" smtClean="0"/>
-              <a:t>Associa-se com um </a:t>
-            </a:r>
-            <a:r>
-              <a:rPr lang="pt-BR" dirty="0" err="1" smtClean="0"/>
-              <a:t>select</a:t>
-            </a:r>
-            <a:r>
-              <a:rPr lang="pt-BR" dirty="0" smtClean="0"/>
-              <a:t>;</a:t>
-            </a:r>
-          </a:p>
-          <a:p>
-            <a:r>
-              <a:rPr lang="pt-BR" dirty="0" smtClean="0"/>
-              <a:t>Executa a consulta;</a:t>
-            </a:r>
-          </a:p>
-          <a:p>
-            <a:r>
-              <a:rPr lang="pt-BR" dirty="0" smtClean="0"/>
-              <a:t>Identifica o </a:t>
-            </a:r>
-            <a:r>
-              <a:rPr lang="pt-BR" dirty="0" err="1" smtClean="0"/>
-              <a:t>result</a:t>
-            </a:r>
-            <a:r>
-              <a:rPr lang="pt-BR" dirty="0" smtClean="0"/>
-              <a:t> set;</a:t>
-            </a:r>
-          </a:p>
-          <a:p>
-            <a:r>
-              <a:rPr lang="pt-BR" dirty="0" smtClean="0"/>
-              <a:t>O mesmo cursor pode ser aberto para diferentes comandos SQL;</a:t>
-            </a:r>
-          </a:p>
-          <a:p>
-            <a:r>
-              <a:rPr lang="pt-BR" dirty="0" smtClean="0"/>
-              <a:t>Não é necessário fechar o corrente para abrir outro, mas os dados anteriores são perdidos;</a:t>
-            </a:r>
-            <a:endParaRPr lang="pt-BR" dirty="0"/>
-          </a:p>
-        </p:txBody>
-      </p:sp>
-    </p:spTree>
-    <p:extLst>
-      <p:ext uri="{BB962C8B-B14F-4D97-AF65-F5344CB8AC3E}">
-        <p14:creationId xmlns:p14="http://schemas.microsoft.com/office/powerpoint/2010/main" val="1549357277"/>
-      </p:ext>
-    </p:extLst>
-  </p:cSld>
-  <p:clrMapOvr>
-    <a:masterClrMapping/>
-  </p:clrMapOvr>
-  <p:timing>
-    <p:tnLst>
-      <p:par>
-        <p:cTn id="1" dur="indefinite" restart="never" nodeType="tmRoot"/>
-      </p:par>
-    </p:tnLst>
-  </p:timing>
-</p:sld>
-</file>
-
-<file path=ppt/slides/slide15.xml><?xml version="1.0" encoding="utf-8"?>
-<p:sld xmlns:a="http://schemas.openxmlformats.org/drawingml/2006/main" xmlns:r="http://schemas.openxmlformats.org/officeDocument/2006/relationships" xmlns:p="http://schemas.openxmlformats.org/presentationml/2006/main">
-  <p:cSld>
-    <p:spTree>
-      <p:nvGrpSpPr>
-        <p:cNvPr id="1" name=""/>
-        <p:cNvGrpSpPr/>
-        <p:nvPr/>
-      </p:nvGrpSpPr>
-      <p:grpSpPr>
-        <a:xfrm>
-          <a:off x="0" y="0"/>
-          <a:ext cx="0" cy="0"/>
-          <a:chOff x="0" y="0"/>
-          <a:chExt cx="0" cy="0"/>
-        </a:xfrm>
-      </p:grpSpPr>
-      <p:sp>
-        <p:nvSpPr>
-          <p:cNvPr id="2" name="Título 1"/>
-          <p:cNvSpPr>
-            <a:spLocks noGrp="1"/>
-          </p:cNvSpPr>
-          <p:nvPr>
-            <p:ph type="title"/>
-          </p:nvPr>
-        </p:nvSpPr>
-        <p:spPr/>
-        <p:txBody>
-          <a:bodyPr/>
-          <a:lstStyle/>
-          <a:p>
-            <a:r>
-              <a:rPr lang="pt-BR" dirty="0" smtClean="0"/>
-              <a:t>Exemplo </a:t>
-            </a:r>
-            <a:endParaRPr lang="pt-BR" dirty="0"/>
-          </a:p>
-        </p:txBody>
-      </p:sp>
-      <p:sp>
-        <p:nvSpPr>
-          <p:cNvPr id="3" name="Espaço Reservado para Conteúdo 2"/>
-          <p:cNvSpPr>
-            <a:spLocks noGrp="1"/>
-          </p:cNvSpPr>
-          <p:nvPr>
-            <p:ph idx="1"/>
-          </p:nvPr>
-        </p:nvSpPr>
-        <p:spPr/>
-        <p:txBody>
-          <a:bodyPr/>
-          <a:lstStyle/>
-          <a:p>
-            <a:endParaRPr lang="pt-BR"/>
-          </a:p>
-        </p:txBody>
-      </p:sp>
-      <p:pic>
-        <p:nvPicPr>
-          <p:cNvPr id="4" name="Imagem 3"/>
-          <p:cNvPicPr>
-            <a:picLocks noChangeAspect="1"/>
-          </p:cNvPicPr>
-          <p:nvPr/>
-        </p:nvPicPr>
-        <p:blipFill>
-          <a:blip r:embed="rId2"/>
-          <a:stretch>
-            <a:fillRect/>
-          </a:stretch>
-        </p:blipFill>
-        <p:spPr>
-          <a:xfrm>
-            <a:off x="4086225" y="2536176"/>
-            <a:ext cx="7532009" cy="4013677"/>
-          </a:xfrm>
-          <a:prstGeom prst="rect">
-            <a:avLst/>
-          </a:prstGeom>
-        </p:spPr>
-      </p:pic>
-    </p:spTree>
-    <p:extLst>
-      <p:ext uri="{BB962C8B-B14F-4D97-AF65-F5344CB8AC3E}">
-        <p14:creationId xmlns:p14="http://schemas.microsoft.com/office/powerpoint/2010/main" val="1617746424"/>
-      </p:ext>
-    </p:extLst>
-  </p:cSld>
-  <p:clrMapOvr>
-    <a:masterClrMapping/>
-  </p:clrMapOvr>
-  <p:timing>
-    <p:tnLst>
-      <p:par>
-        <p:cTn id="1" dur="indefinite" restart="never" nodeType="tmRoot"/>
-      </p:par>
-    </p:tnLst>
-  </p:timing>
-</p:sld>
-</file>
-
-<file path=ppt/slides/slide16.xml><?xml version="1.0" encoding="utf-8"?>
-<p:sld xmlns:a="http://schemas.openxmlformats.org/drawingml/2006/main" xmlns:r="http://schemas.openxmlformats.org/officeDocument/2006/relationships" xmlns:p="http://schemas.openxmlformats.org/presentationml/2006/main">
-  <p:cSld>
-    <p:spTree>
-      <p:nvGrpSpPr>
-        <p:cNvPr id="1" name=""/>
-        <p:cNvGrpSpPr/>
-        <p:nvPr/>
-      </p:nvGrpSpPr>
-      <p:grpSpPr>
-        <a:xfrm>
-          <a:off x="0" y="0"/>
-          <a:ext cx="0" cy="0"/>
-          <a:chOff x="0" y="0"/>
-          <a:chExt cx="0" cy="0"/>
-        </a:xfrm>
-      </p:grpSpPr>
-      <p:sp>
-        <p:nvSpPr>
-          <p:cNvPr id="2" name="Título 1"/>
-          <p:cNvSpPr>
-            <a:spLocks noGrp="1"/>
-          </p:cNvSpPr>
-          <p:nvPr>
-            <p:ph type="title"/>
-          </p:nvPr>
-        </p:nvSpPr>
-        <p:spPr/>
-        <p:txBody>
-          <a:bodyPr/>
-          <a:lstStyle/>
-          <a:p>
-            <a:r>
-              <a:rPr lang="pt-BR" dirty="0" err="1" smtClean="0"/>
-              <a:t>Fetch</a:t>
-            </a:r>
-            <a:r>
-              <a:rPr lang="pt-BR" dirty="0" smtClean="0"/>
-              <a:t> das linhas do </a:t>
-            </a:r>
-            <a:r>
-              <a:rPr lang="pt-BR" dirty="0" err="1" smtClean="0"/>
-              <a:t>ref</a:t>
-            </a:r>
-            <a:r>
-              <a:rPr lang="pt-BR" dirty="0" smtClean="0"/>
-              <a:t> cursor</a:t>
-            </a:r>
-            <a:endParaRPr lang="pt-BR" dirty="0"/>
-          </a:p>
-        </p:txBody>
-      </p:sp>
-      <p:sp>
-        <p:nvSpPr>
-          <p:cNvPr id="3" name="Espaço Reservado para Conteúdo 2"/>
-          <p:cNvSpPr>
-            <a:spLocks noGrp="1"/>
-          </p:cNvSpPr>
-          <p:nvPr>
-            <p:ph idx="1"/>
-          </p:nvPr>
-        </p:nvSpPr>
-        <p:spPr/>
-        <p:txBody>
-          <a:bodyPr/>
-          <a:lstStyle/>
-          <a:p>
-            <a:r>
-              <a:rPr lang="pt-BR" dirty="0" smtClean="0"/>
-              <a:t>As linhas são recuperadas uma por vez;</a:t>
-            </a:r>
-          </a:p>
-          <a:p>
-            <a:r>
-              <a:rPr lang="pt-BR" dirty="0" smtClean="0"/>
-              <a:t>Exige compatibilidade entre as variáveis do INTO e os campos do cursor;</a:t>
-            </a:r>
-          </a:p>
-          <a:p>
-            <a:r>
-              <a:rPr lang="pt-BR" dirty="0" smtClean="0"/>
-              <a:t>Também é verificado o número de campos e variáveis;</a:t>
-            </a:r>
-          </a:p>
-          <a:p>
-            <a:r>
-              <a:rPr lang="pt-BR" dirty="0" smtClean="0"/>
-              <a:t>Em caso de erro de tipos, a compilador detecta para os tipos fortes e para os tipos fracos em tempo de execução;</a:t>
-            </a:r>
-            <a:endParaRPr lang="pt-BR" dirty="0"/>
-          </a:p>
-        </p:txBody>
-      </p:sp>
-      <p:pic>
-        <p:nvPicPr>
-          <p:cNvPr id="4" name="Imagem 3"/>
-          <p:cNvPicPr>
-            <a:picLocks noChangeAspect="1"/>
-          </p:cNvPicPr>
-          <p:nvPr/>
-        </p:nvPicPr>
-        <p:blipFill>
-          <a:blip r:embed="rId2"/>
-          <a:stretch>
-            <a:fillRect/>
-          </a:stretch>
-        </p:blipFill>
-        <p:spPr>
-          <a:xfrm>
-            <a:off x="5186964" y="4575697"/>
-            <a:ext cx="6418648" cy="1564125"/>
-          </a:xfrm>
-          <a:prstGeom prst="rect">
-            <a:avLst/>
-          </a:prstGeom>
-        </p:spPr>
-      </p:pic>
-    </p:spTree>
-    <p:extLst>
-      <p:ext uri="{BB962C8B-B14F-4D97-AF65-F5344CB8AC3E}">
-        <p14:creationId xmlns:p14="http://schemas.microsoft.com/office/powerpoint/2010/main" val="1775063518"/>
-      </p:ext>
-    </p:extLst>
-  </p:cSld>
-  <p:clrMapOvr>
-    <a:masterClrMapping/>
-  </p:clrMapOvr>
-  <p:timing>
-    <p:tnLst>
-      <p:par>
-        <p:cTn id="1" dur="indefinite" restart="never" nodeType="tmRoot"/>
-      </p:par>
-    </p:tnLst>
-  </p:timing>
-</p:sld>
-</file>
-
-<file path=ppt/slides/slide17.xml><?xml version="1.0" encoding="utf-8"?>
-<p:sld xmlns:a="http://schemas.openxmlformats.org/drawingml/2006/main" xmlns:r="http://schemas.openxmlformats.org/officeDocument/2006/relationships" xmlns:p="http://schemas.openxmlformats.org/presentationml/2006/main">
-  <p:cSld>
-    <p:spTree>
-      <p:nvGrpSpPr>
-        <p:cNvPr id="1" name=""/>
-        <p:cNvGrpSpPr/>
-        <p:nvPr/>
-      </p:nvGrpSpPr>
-      <p:grpSpPr>
-        <a:xfrm>
-          <a:off x="0" y="0"/>
-          <a:ext cx="0" cy="0"/>
-          <a:chOff x="0" y="0"/>
-          <a:chExt cx="0" cy="0"/>
-        </a:xfrm>
-      </p:grpSpPr>
-      <p:sp>
-        <p:nvSpPr>
-          <p:cNvPr id="2" name="Título 1"/>
-          <p:cNvSpPr>
-            <a:spLocks noGrp="1"/>
-          </p:cNvSpPr>
-          <p:nvPr>
-            <p:ph type="title"/>
-          </p:nvPr>
-        </p:nvSpPr>
-        <p:spPr/>
-        <p:txBody>
-          <a:bodyPr/>
-          <a:lstStyle/>
-          <a:p>
-            <a:r>
-              <a:rPr lang="pt-BR" dirty="0" smtClean="0"/>
-              <a:t>Fechando o </a:t>
-            </a:r>
-            <a:r>
-              <a:rPr lang="pt-BR" dirty="0" err="1" smtClean="0"/>
-              <a:t>ref</a:t>
-            </a:r>
-            <a:r>
-              <a:rPr lang="pt-BR" dirty="0" smtClean="0"/>
-              <a:t> cursor</a:t>
-            </a:r>
-            <a:endParaRPr lang="pt-BR" dirty="0"/>
-          </a:p>
-        </p:txBody>
-      </p:sp>
-      <p:sp>
-        <p:nvSpPr>
-          <p:cNvPr id="3" name="Espaço Reservado para Conteúdo 2"/>
-          <p:cNvSpPr>
-            <a:spLocks noGrp="1"/>
-          </p:cNvSpPr>
-          <p:nvPr>
-            <p:ph idx="1"/>
-          </p:nvPr>
-        </p:nvSpPr>
-        <p:spPr/>
-        <p:txBody>
-          <a:bodyPr/>
-          <a:lstStyle/>
-          <a:p>
-            <a:r>
-              <a:rPr lang="pt-BR" dirty="0" smtClean="0"/>
-              <a:t>É necessário fechar o cursor;</a:t>
-            </a:r>
-          </a:p>
-          <a:p>
-            <a:r>
-              <a:rPr lang="pt-BR" dirty="0" smtClean="0"/>
-              <a:t>Os dados ficam inacessíveis;</a:t>
-            </a:r>
-          </a:p>
-          <a:p>
-            <a:r>
-              <a:rPr lang="pt-BR" dirty="0" smtClean="0"/>
-              <a:t>Tentativa de acesso gera </a:t>
-            </a:r>
-            <a:r>
-              <a:rPr lang="pt-BR" dirty="0" err="1" smtClean="0"/>
-              <a:t>exception</a:t>
-            </a:r>
-            <a:r>
-              <a:rPr lang="pt-BR" dirty="0" smtClean="0"/>
-              <a:t> (</a:t>
-            </a:r>
-            <a:r>
-              <a:rPr lang="pt-BR" dirty="0" err="1" smtClean="0"/>
-              <a:t>invalid</a:t>
-            </a:r>
-            <a:r>
-              <a:rPr lang="pt-BR" dirty="0" smtClean="0"/>
-              <a:t> cursor);</a:t>
-            </a:r>
-            <a:endParaRPr lang="pt-BR" dirty="0"/>
-          </a:p>
-        </p:txBody>
-      </p:sp>
-      <p:pic>
-        <p:nvPicPr>
-          <p:cNvPr id="5" name="Imagem 4"/>
-          <p:cNvPicPr>
-            <a:picLocks noChangeAspect="1"/>
-          </p:cNvPicPr>
-          <p:nvPr/>
-        </p:nvPicPr>
-        <p:blipFill>
-          <a:blip r:embed="rId2"/>
-          <a:stretch>
-            <a:fillRect/>
-          </a:stretch>
-        </p:blipFill>
-        <p:spPr>
-          <a:xfrm>
-            <a:off x="5992449" y="4165222"/>
-            <a:ext cx="4750525" cy="1746000"/>
-          </a:xfrm>
-          <a:prstGeom prst="rect">
-            <a:avLst/>
-          </a:prstGeom>
-        </p:spPr>
-      </p:pic>
-    </p:spTree>
-    <p:extLst>
-      <p:ext uri="{BB962C8B-B14F-4D97-AF65-F5344CB8AC3E}">
-        <p14:creationId xmlns:p14="http://schemas.microsoft.com/office/powerpoint/2010/main" val="3242275533"/>
-      </p:ext>
-    </p:extLst>
-  </p:cSld>
-  <p:clrMapOvr>
-    <a:masterClrMapping/>
-  </p:clrMapOvr>
-  <p:timing>
-    <p:tnLst>
-      <p:par>
-        <p:cTn id="1" dur="indefinite" restart="never" nodeType="tmRoot"/>
-      </p:par>
-    </p:tnLst>
-  </p:timing>
-</p:sld>
-</file>
-
-<file path=ppt/slides/slide18.xml><?xml version="1.0" encoding="utf-8"?>
-<p:sld xmlns:a="http://schemas.openxmlformats.org/drawingml/2006/main" xmlns:r="http://schemas.openxmlformats.org/officeDocument/2006/relationships" xmlns:p="http://schemas.openxmlformats.org/presentationml/2006/main">
-  <p:cSld>
-    <p:spTree>
-      <p:nvGrpSpPr>
-        <p:cNvPr id="1" name=""/>
-        <p:cNvGrpSpPr/>
-        <p:nvPr/>
-      </p:nvGrpSpPr>
-      <p:grpSpPr>
-        <a:xfrm>
-          <a:off x="0" y="0"/>
-          <a:ext cx="0" cy="0"/>
-          <a:chOff x="0" y="0"/>
-          <a:chExt cx="0" cy="0"/>
-        </a:xfrm>
-      </p:grpSpPr>
-      <p:sp>
-        <p:nvSpPr>
-          <p:cNvPr id="2" name="Título 1"/>
-          <p:cNvSpPr>
-            <a:spLocks noGrp="1"/>
-          </p:cNvSpPr>
-          <p:nvPr>
-            <p:ph type="title"/>
-          </p:nvPr>
-        </p:nvSpPr>
-        <p:spPr/>
-        <p:txBody>
-          <a:bodyPr/>
-          <a:lstStyle/>
-          <a:p>
-            <a:r>
-              <a:rPr lang="pt-BR" dirty="0" smtClean="0"/>
-              <a:t>Passando cursor como variável</a:t>
-            </a:r>
-            <a:endParaRPr lang="pt-BR" dirty="0"/>
-          </a:p>
-        </p:txBody>
-      </p:sp>
-      <p:sp>
-        <p:nvSpPr>
-          <p:cNvPr id="3" name="Espaço Reservado para Conteúdo 2"/>
-          <p:cNvSpPr>
-            <a:spLocks noGrp="1"/>
-          </p:cNvSpPr>
-          <p:nvPr>
-            <p:ph idx="1"/>
-          </p:nvPr>
-        </p:nvSpPr>
-        <p:spPr/>
-        <p:txBody>
-          <a:bodyPr/>
-          <a:lstStyle/>
-          <a:p>
-            <a:r>
-              <a:rPr lang="pt-BR" dirty="0" smtClean="0"/>
-              <a:t>São muito úteis para trocar dados entre o servidor e as aplicações clientes;</a:t>
-            </a:r>
-          </a:p>
-          <a:p>
-            <a:endParaRPr lang="pt-BR" dirty="0"/>
-          </a:p>
-        </p:txBody>
-      </p:sp>
-      <p:pic>
-        <p:nvPicPr>
-          <p:cNvPr id="4" name="Imagem 3"/>
-          <p:cNvPicPr>
-            <a:picLocks noChangeAspect="1"/>
-          </p:cNvPicPr>
-          <p:nvPr/>
-        </p:nvPicPr>
-        <p:blipFill>
-          <a:blip r:embed="rId2"/>
-          <a:stretch>
-            <a:fillRect/>
-          </a:stretch>
-        </p:blipFill>
-        <p:spPr>
-          <a:xfrm>
-            <a:off x="3897984" y="3346784"/>
-            <a:ext cx="7035128" cy="2564438"/>
-          </a:xfrm>
-          <a:prstGeom prst="rect">
-            <a:avLst/>
-          </a:prstGeom>
-        </p:spPr>
-      </p:pic>
-    </p:spTree>
-    <p:extLst>
-      <p:ext uri="{BB962C8B-B14F-4D97-AF65-F5344CB8AC3E}">
-        <p14:creationId xmlns:p14="http://schemas.microsoft.com/office/powerpoint/2010/main" val="2399060591"/>
-      </p:ext>
-    </p:extLst>
-  </p:cSld>
-  <p:clrMapOvr>
-    <a:masterClrMapping/>
-  </p:clrMapOvr>
-  <p:timing>
-    <p:tnLst>
-      <p:par>
-        <p:cTn id="1" dur="indefinite" restart="never" nodeType="tmRoot"/>
-      </p:par>
-    </p:tnLst>
-  </p:timing>
-</p:sld>
-</file>
-
-<file path=ppt/slides/slide19.xml><?xml version="1.0" encoding="utf-8"?>
-<p:sld xmlns:a="http://schemas.openxmlformats.org/drawingml/2006/main" xmlns:r="http://schemas.openxmlformats.org/officeDocument/2006/relationships" xmlns:p="http://schemas.openxmlformats.org/presentationml/2006/main">
-  <p:cSld>
-    <p:spTree>
-      <p:nvGrpSpPr>
-        <p:cNvPr id="1" name=""/>
-        <p:cNvGrpSpPr/>
-        <p:nvPr/>
-      </p:nvGrpSpPr>
-      <p:grpSpPr>
-        <a:xfrm>
-          <a:off x="0" y="0"/>
-          <a:ext cx="0" cy="0"/>
-          <a:chOff x="0" y="0"/>
-          <a:chExt cx="0" cy="0"/>
-        </a:xfrm>
-      </p:grpSpPr>
-      <p:sp>
-        <p:nvSpPr>
-          <p:cNvPr id="2" name="Título 1"/>
-          <p:cNvSpPr>
-            <a:spLocks noGrp="1"/>
-          </p:cNvSpPr>
-          <p:nvPr>
-            <p:ph type="title"/>
-          </p:nvPr>
-        </p:nvSpPr>
-        <p:spPr/>
-        <p:txBody>
-          <a:bodyPr/>
-          <a:lstStyle/>
-          <a:p>
-            <a:r>
-              <a:rPr lang="pt-BR" dirty="0" smtClean="0"/>
-              <a:t>Continuação</a:t>
-            </a:r>
-            <a:endParaRPr lang="pt-BR" dirty="0"/>
-          </a:p>
-        </p:txBody>
-      </p:sp>
-      <p:sp>
-        <p:nvSpPr>
-          <p:cNvPr id="3" name="Espaço Reservado para Conteúdo 2"/>
-          <p:cNvSpPr>
-            <a:spLocks noGrp="1"/>
-          </p:cNvSpPr>
-          <p:nvPr>
-            <p:ph idx="1"/>
-          </p:nvPr>
-        </p:nvSpPr>
-        <p:spPr/>
-        <p:txBody>
-          <a:bodyPr/>
-          <a:lstStyle/>
-          <a:p>
-            <a:r>
-              <a:rPr lang="pt-BR" dirty="0" smtClean="0"/>
-              <a:t>Lembrar de não fechar o cursor;</a:t>
-            </a:r>
-            <a:endParaRPr lang="pt-BR" dirty="0"/>
-          </a:p>
-        </p:txBody>
-      </p:sp>
-      <p:pic>
-        <p:nvPicPr>
-          <p:cNvPr id="4" name="Imagem 3"/>
-          <p:cNvPicPr>
-            <a:picLocks noChangeAspect="1"/>
-          </p:cNvPicPr>
-          <p:nvPr/>
-        </p:nvPicPr>
-        <p:blipFill>
-          <a:blip r:embed="rId2"/>
-          <a:stretch>
-            <a:fillRect/>
-          </a:stretch>
-        </p:blipFill>
-        <p:spPr>
-          <a:xfrm>
-            <a:off x="3352263" y="2941593"/>
-            <a:ext cx="8630724" cy="3546563"/>
-          </a:xfrm>
-          <a:prstGeom prst="rect">
-            <a:avLst/>
-          </a:prstGeom>
-        </p:spPr>
-      </p:pic>
-    </p:spTree>
-    <p:extLst>
-      <p:ext uri="{BB962C8B-B14F-4D97-AF65-F5344CB8AC3E}">
-        <p14:creationId xmlns:p14="http://schemas.microsoft.com/office/powerpoint/2010/main" val="1432045598"/>
-      </p:ext>
-    </p:extLst>
-  </p:cSld>
-  <p:clrMapOvr>
-    <a:masterClrMapping/>
-  </p:clrMapOvr>
-  <p:timing>
-    <p:tnLst>
-      <p:par>
-        <p:cTn id="1" dur="indefinite" restart="never" nodeType="tmRoot"/>
-      </p:par>
-    </p:tnLst>
-  </p:timing>
-</p:sld>
-</file>
-
-<file path=ppt/slides/slide2.xml><?xml version="1.0" encoding="utf-8"?>
-<p:sld xmlns:a="http://schemas.openxmlformats.org/drawingml/2006/main" xmlns:r="http://schemas.openxmlformats.org/officeDocument/2006/relationships" xmlns:p="http://schemas.openxmlformats.org/presentationml/2006/main">
-  <p:cSld>
-    <p:spTree>
-      <p:nvGrpSpPr>
-        <p:cNvPr id="1" name=""/>
-        <p:cNvGrpSpPr/>
-        <p:nvPr/>
-      </p:nvGrpSpPr>
-      <p:grpSpPr>
-        <a:xfrm>
-          <a:off x="0" y="0"/>
-          <a:ext cx="0" cy="0"/>
-          <a:chOff x="0" y="0"/>
-          <a:chExt cx="0" cy="0"/>
-        </a:xfrm>
-      </p:grpSpPr>
-      <p:sp>
-        <p:nvSpPr>
-          <p:cNvPr id="2" name="Título 1"/>
-          <p:cNvSpPr>
-            <a:spLocks noGrp="1"/>
-          </p:cNvSpPr>
-          <p:nvPr>
-            <p:ph type="title"/>
-          </p:nvPr>
-        </p:nvSpPr>
-        <p:spPr/>
-        <p:txBody>
-          <a:bodyPr/>
-          <a:lstStyle/>
-          <a:p>
-            <a:r>
-              <a:rPr lang="pt-BR" dirty="0" smtClean="0"/>
-              <a:t>Trabalhando com cursores</a:t>
-            </a:r>
-            <a:endParaRPr lang="pt-BR" dirty="0"/>
-          </a:p>
-        </p:txBody>
-      </p:sp>
-      <p:sp>
-        <p:nvSpPr>
-          <p:cNvPr id="3" name="Espaço Reservado para Conteúdo 2"/>
-          <p:cNvSpPr>
-            <a:spLocks noGrp="1"/>
-          </p:cNvSpPr>
-          <p:nvPr>
-            <p:ph idx="1"/>
-          </p:nvPr>
-        </p:nvSpPr>
-        <p:spPr/>
-        <p:txBody>
-          <a:bodyPr/>
-          <a:lstStyle/>
-          <a:p>
-            <a:r>
-              <a:rPr lang="pt-BR" dirty="0" smtClean="0"/>
-              <a:t>Sempre que possível procure utilizar cursores com parâmetros;</a:t>
-            </a:r>
-          </a:p>
-          <a:p>
-            <a:pPr lvl="1"/>
-            <a:r>
-              <a:rPr lang="pt-BR" dirty="0" smtClean="0"/>
-              <a:t>Ganha com flexibilidade;</a:t>
-            </a:r>
-          </a:p>
-          <a:p>
-            <a:pPr lvl="1"/>
-            <a:r>
-              <a:rPr lang="pt-BR" dirty="0" smtClean="0"/>
-              <a:t>Evita problema de escopo de variável;</a:t>
-            </a:r>
-          </a:p>
-          <a:p>
-            <a:r>
-              <a:rPr lang="pt-BR" dirty="0" smtClean="0"/>
-              <a:t>Referenciar os atributos dos cursores implícitos logo após o comando SQL;</a:t>
-            </a:r>
-          </a:p>
-          <a:p>
-            <a:pPr lvl="1"/>
-            <a:r>
-              <a:rPr lang="pt-BR" dirty="0" smtClean="0"/>
-              <a:t>SQL%ROWCOUNT</a:t>
-            </a:r>
-          </a:p>
-          <a:p>
-            <a:r>
-              <a:rPr lang="pt-BR" dirty="0" smtClean="0"/>
-              <a:t>Fechar o cursor tão logo não seja mais necessário</a:t>
-            </a:r>
-          </a:p>
-          <a:p>
-            <a:r>
-              <a:rPr lang="pt-BR" dirty="0" smtClean="0"/>
-              <a:t>Atribuir alias para as colunas de modo a utilizá-los nos registros</a:t>
-            </a:r>
-          </a:p>
-          <a:p>
-            <a:endParaRPr lang="pt-BR" dirty="0"/>
-          </a:p>
-        </p:txBody>
-      </p:sp>
-    </p:spTree>
-    <p:extLst>
-      <p:ext uri="{BB962C8B-B14F-4D97-AF65-F5344CB8AC3E}">
-        <p14:creationId xmlns:p14="http://schemas.microsoft.com/office/powerpoint/2010/main" val="618414577"/>
-      </p:ext>
-    </p:extLst>
-  </p:cSld>
-  <p:clrMapOvr>
-    <a:masterClrMapping/>
-  </p:clrMapOvr>
-  <p:timing>
-    <p:tnLst>
-      <p:par>
-        <p:cTn id="1" dur="indefinite" restart="never" nodeType="tmRoot"/>
-      </p:par>
-    </p:tnLst>
-  </p:timing>
-</p:sld>
-</file>
-
-<file path=ppt/slides/slide20.xml><?xml version="1.0" encoding="utf-8"?>
-<p:sld xmlns:a="http://schemas.openxmlformats.org/drawingml/2006/main" xmlns:r="http://schemas.openxmlformats.org/officeDocument/2006/relationships" xmlns:p="http://schemas.openxmlformats.org/presentationml/2006/main">
-  <p:cSld>
-    <p:spTree>
-      <p:nvGrpSpPr>
-        <p:cNvPr id="1" name=""/>
-        <p:cNvGrpSpPr/>
-        <p:nvPr/>
-      </p:nvGrpSpPr>
-      <p:grpSpPr>
-        <a:xfrm>
-          <a:off x="0" y="0"/>
-          <a:ext cx="0" cy="0"/>
-          <a:chOff x="0" y="0"/>
-          <a:chExt cx="0" cy="0"/>
-        </a:xfrm>
-      </p:grpSpPr>
-      <p:sp>
-        <p:nvSpPr>
-          <p:cNvPr id="2" name="Título 1"/>
-          <p:cNvSpPr>
-            <a:spLocks noGrp="1"/>
-          </p:cNvSpPr>
-          <p:nvPr>
-            <p:ph type="title"/>
-          </p:nvPr>
-        </p:nvSpPr>
-        <p:spPr/>
-        <p:txBody>
-          <a:bodyPr/>
-          <a:lstStyle/>
-          <a:p>
-            <a:r>
-              <a:rPr lang="pt-BR" dirty="0" smtClean="0"/>
-              <a:t>Utilizando SYS_REFCURSOR</a:t>
-            </a:r>
-            <a:endParaRPr lang="pt-BR" dirty="0"/>
-          </a:p>
-        </p:txBody>
-      </p:sp>
-      <p:sp>
-        <p:nvSpPr>
-          <p:cNvPr id="3" name="Espaço Reservado para Conteúdo 2"/>
-          <p:cNvSpPr>
-            <a:spLocks noGrp="1"/>
-          </p:cNvSpPr>
-          <p:nvPr>
-            <p:ph idx="1"/>
-          </p:nvPr>
-        </p:nvSpPr>
-        <p:spPr/>
-        <p:txBody>
-          <a:bodyPr/>
-          <a:lstStyle/>
-          <a:p>
-            <a:r>
-              <a:rPr lang="pt-BR" dirty="0" smtClean="0"/>
-              <a:t>Esse é o modo fraco de declarar </a:t>
-            </a:r>
-            <a:r>
-              <a:rPr lang="pt-BR" dirty="0" err="1" smtClean="0"/>
-              <a:t>ref</a:t>
-            </a:r>
-            <a:r>
-              <a:rPr lang="pt-BR" dirty="0" smtClean="0"/>
-              <a:t> cursor;</a:t>
-            </a:r>
-            <a:endParaRPr lang="pt-BR" dirty="0"/>
-          </a:p>
-        </p:txBody>
-      </p:sp>
-      <p:pic>
-        <p:nvPicPr>
-          <p:cNvPr id="4" name="Imagem 3"/>
-          <p:cNvPicPr>
-            <a:picLocks noChangeAspect="1"/>
-          </p:cNvPicPr>
-          <p:nvPr/>
-        </p:nvPicPr>
-        <p:blipFill>
-          <a:blip r:embed="rId2"/>
-          <a:stretch>
-            <a:fillRect/>
-          </a:stretch>
-        </p:blipFill>
-        <p:spPr>
-          <a:xfrm>
-            <a:off x="4900613" y="2503462"/>
-            <a:ext cx="7011511" cy="4143928"/>
-          </a:xfrm>
-          <a:prstGeom prst="rect">
-            <a:avLst/>
-          </a:prstGeom>
-        </p:spPr>
-      </p:pic>
-    </p:spTree>
-    <p:extLst>
-      <p:ext uri="{BB962C8B-B14F-4D97-AF65-F5344CB8AC3E}">
-        <p14:creationId xmlns:p14="http://schemas.microsoft.com/office/powerpoint/2010/main" val="139134547"/>
-      </p:ext>
-    </p:extLst>
-  </p:cSld>
-  <p:clrMapOvr>
-    <a:masterClrMapping/>
-  </p:clrMapOvr>
-  <p:timing>
-    <p:tnLst>
-      <p:par>
-        <p:cTn id="1" dur="indefinite" restart="never" nodeType="tmRoot"/>
-      </p:par>
-    </p:tnLst>
-  </p:timing>
-</p:sld>
-</file>
-
-<file path=ppt/slides/slide21.xml><?xml version="1.0" encoding="utf-8"?>
-<p:sld xmlns:a="http://schemas.openxmlformats.org/drawingml/2006/main" xmlns:r="http://schemas.openxmlformats.org/officeDocument/2006/relationships" xmlns:p="http://schemas.openxmlformats.org/presentationml/2006/main">
-  <p:cSld>
-    <p:spTree>
-      <p:nvGrpSpPr>
-        <p:cNvPr id="1" name=""/>
-        <p:cNvGrpSpPr/>
-        <p:nvPr/>
-      </p:nvGrpSpPr>
-      <p:grpSpPr>
-        <a:xfrm>
-          <a:off x="0" y="0"/>
-          <a:ext cx="0" cy="0"/>
-          <a:chOff x="0" y="0"/>
-          <a:chExt cx="0" cy="0"/>
-        </a:xfrm>
-      </p:grpSpPr>
-      <p:sp>
-        <p:nvSpPr>
-          <p:cNvPr id="2" name="Título 1"/>
-          <p:cNvSpPr>
-            <a:spLocks noGrp="1"/>
-          </p:cNvSpPr>
-          <p:nvPr>
-            <p:ph type="title"/>
-          </p:nvPr>
-        </p:nvSpPr>
-        <p:spPr/>
-        <p:txBody>
-          <a:bodyPr/>
-          <a:lstStyle/>
-          <a:p>
-            <a:r>
-              <a:rPr lang="pt-BR" dirty="0" smtClean="0"/>
-              <a:t>Regras para uso de </a:t>
-            </a:r>
-            <a:r>
-              <a:rPr lang="pt-BR" dirty="0" err="1" smtClean="0"/>
-              <a:t>ref</a:t>
-            </a:r>
-            <a:r>
-              <a:rPr lang="pt-BR" dirty="0" smtClean="0"/>
-              <a:t> cursor</a:t>
-            </a:r>
-            <a:endParaRPr lang="pt-BR" dirty="0"/>
-          </a:p>
-        </p:txBody>
-      </p:sp>
-      <p:sp>
-        <p:nvSpPr>
-          <p:cNvPr id="3" name="Espaço Reservado para Conteúdo 2"/>
-          <p:cNvSpPr>
-            <a:spLocks noGrp="1"/>
-          </p:cNvSpPr>
-          <p:nvPr>
-            <p:ph idx="1"/>
-          </p:nvPr>
-        </p:nvSpPr>
-        <p:spPr/>
-        <p:txBody>
-          <a:bodyPr/>
-          <a:lstStyle/>
-          <a:p>
-            <a:r>
-              <a:rPr lang="pt-BR" dirty="0" smtClean="0"/>
-              <a:t>Não utilizar como parâmetros em rotinas remotas;</a:t>
-            </a:r>
-          </a:p>
-          <a:p>
-            <a:r>
-              <a:rPr lang="pt-BR" dirty="0" smtClean="0"/>
-              <a:t>Não utilizar operador de comparação com cursor;</a:t>
-            </a:r>
-          </a:p>
-          <a:p>
-            <a:r>
-              <a:rPr lang="pt-BR" dirty="0" smtClean="0"/>
-              <a:t>Não pode atribuir NULL para um cursor;</a:t>
-            </a:r>
-          </a:p>
-          <a:p>
-            <a:r>
-              <a:rPr lang="pt-BR" dirty="0" smtClean="0"/>
-              <a:t>Não utilizar em CREATE TABLE ou  CREATE VIEW;</a:t>
-            </a:r>
-          </a:p>
-          <a:p>
-            <a:endParaRPr lang="pt-BR" dirty="0"/>
-          </a:p>
-        </p:txBody>
-      </p:sp>
-    </p:spTree>
-    <p:extLst>
-      <p:ext uri="{BB962C8B-B14F-4D97-AF65-F5344CB8AC3E}">
-        <p14:creationId xmlns:p14="http://schemas.microsoft.com/office/powerpoint/2010/main" val="537720903"/>
-      </p:ext>
-    </p:extLst>
-  </p:cSld>
-  <p:clrMapOvr>
-    <a:masterClrMapping/>
-  </p:clrMapOvr>
-  <p:timing>
-    <p:tnLst>
-      <p:par>
-        <p:cTn id="1" dur="indefinite" restart="never" nodeType="tmRoot"/>
-      </p:par>
-    </p:tnLst>
-  </p:timing>
-</p:sld>
-</file>
-
-<file path=ppt/slides/slide22.xml><?xml version="1.0" encoding="utf-8"?>
-<p:sld xmlns:a="http://schemas.openxmlformats.org/drawingml/2006/main" xmlns:r="http://schemas.openxmlformats.org/officeDocument/2006/relationships" xmlns:p="http://schemas.openxmlformats.org/presentationml/2006/main">
-  <p:cSld>
-    <p:spTree>
-      <p:nvGrpSpPr>
-        <p:cNvPr id="1" name=""/>
-        <p:cNvGrpSpPr/>
-        <p:nvPr/>
-      </p:nvGrpSpPr>
-      <p:grpSpPr>
-        <a:xfrm>
-          <a:off x="0" y="0"/>
-          <a:ext cx="0" cy="0"/>
-          <a:chOff x="0" y="0"/>
-          <a:chExt cx="0" cy="0"/>
-        </a:xfrm>
-      </p:grpSpPr>
-      <p:sp>
-        <p:nvSpPr>
-          <p:cNvPr id="2" name="Título 1"/>
-          <p:cNvSpPr>
-            <a:spLocks noGrp="1"/>
-          </p:cNvSpPr>
-          <p:nvPr>
-            <p:ph type="title"/>
-          </p:nvPr>
-        </p:nvSpPr>
-        <p:spPr/>
-        <p:txBody>
-          <a:bodyPr/>
-          <a:lstStyle/>
-          <a:p>
-            <a:r>
-              <a:rPr lang="pt-BR" dirty="0" smtClean="0"/>
-              <a:t>Comparação entre Cursores</a:t>
-            </a:r>
-            <a:endParaRPr lang="pt-BR" dirty="0"/>
-          </a:p>
-        </p:txBody>
-      </p:sp>
-      <p:sp>
-        <p:nvSpPr>
-          <p:cNvPr id="3" name="Espaço Reservado para Conteúdo 2"/>
-          <p:cNvSpPr>
-            <a:spLocks noGrp="1"/>
-          </p:cNvSpPr>
-          <p:nvPr>
-            <p:ph idx="1"/>
-          </p:nvPr>
-        </p:nvSpPr>
-        <p:spPr/>
-        <p:txBody>
-          <a:bodyPr/>
-          <a:lstStyle/>
-          <a:p>
-            <a:endParaRPr lang="pt-BR"/>
-          </a:p>
-        </p:txBody>
-      </p:sp>
-      <p:pic>
-        <p:nvPicPr>
-          <p:cNvPr id="4" name="Imagem 3"/>
-          <p:cNvPicPr>
-            <a:picLocks noChangeAspect="1"/>
-          </p:cNvPicPr>
-          <p:nvPr/>
-        </p:nvPicPr>
-        <p:blipFill>
-          <a:blip r:embed="rId2"/>
-          <a:stretch>
-            <a:fillRect/>
-          </a:stretch>
-        </p:blipFill>
-        <p:spPr>
-          <a:xfrm>
-            <a:off x="2589212" y="2133600"/>
-            <a:ext cx="8617955" cy="4141050"/>
-          </a:xfrm>
-          <a:prstGeom prst="rect">
-            <a:avLst/>
-          </a:prstGeom>
-        </p:spPr>
-      </p:pic>
-    </p:spTree>
-    <p:extLst>
-      <p:ext uri="{BB962C8B-B14F-4D97-AF65-F5344CB8AC3E}">
-        <p14:creationId xmlns:p14="http://schemas.microsoft.com/office/powerpoint/2010/main" val="3837847754"/>
-      </p:ext>
-    </p:extLst>
-  </p:cSld>
-  <p:clrMapOvr>
-    <a:masterClrMapping/>
-  </p:clrMapOvr>
-  <p:timing>
-    <p:tnLst>
-      <p:par>
-        <p:cTn id="1" dur="indefinite" restart="never" nodeType="tmRoot"/>
-      </p:par>
-    </p:tnLst>
-  </p:timing>
-</p:sld>
-</file>
-
-<file path=ppt/slides/slide23.xml><?xml version="1.0" encoding="utf-8"?>
-<p:sld xmlns:a="http://schemas.openxmlformats.org/drawingml/2006/main" xmlns:r="http://schemas.openxmlformats.org/officeDocument/2006/relationships" xmlns:p="http://schemas.openxmlformats.org/presentationml/2006/main">
-  <p:cSld>
-    <p:spTree>
-      <p:nvGrpSpPr>
-        <p:cNvPr id="1" name=""/>
-        <p:cNvGrpSpPr/>
-        <p:nvPr/>
-      </p:nvGrpSpPr>
-      <p:grpSpPr>
-        <a:xfrm>
-          <a:off x="0" y="0"/>
-          <a:ext cx="0" cy="0"/>
-          <a:chOff x="0" y="0"/>
-          <a:chExt cx="0" cy="0"/>
-        </a:xfrm>
-      </p:grpSpPr>
-      <p:sp>
-        <p:nvSpPr>
-          <p:cNvPr id="2" name="Título 1"/>
-          <p:cNvSpPr>
-            <a:spLocks noGrp="1"/>
-          </p:cNvSpPr>
-          <p:nvPr>
-            <p:ph type="title"/>
-          </p:nvPr>
-        </p:nvSpPr>
-        <p:spPr/>
-        <p:txBody>
-          <a:bodyPr/>
-          <a:lstStyle/>
-          <a:p>
-            <a:r>
-              <a:rPr lang="pt-BR" dirty="0" smtClean="0"/>
-              <a:t>Utilizando </a:t>
-            </a:r>
-            <a:r>
-              <a:rPr lang="pt-BR" dirty="0" err="1" smtClean="0"/>
-              <a:t>SubTypes</a:t>
-            </a:r>
-            <a:endParaRPr lang="pt-BR" dirty="0"/>
-          </a:p>
-        </p:txBody>
-      </p:sp>
-      <p:sp>
-        <p:nvSpPr>
-          <p:cNvPr id="3" name="Espaço Reservado para Conteúdo 2"/>
-          <p:cNvSpPr>
-            <a:spLocks noGrp="1"/>
-          </p:cNvSpPr>
-          <p:nvPr>
-            <p:ph idx="1"/>
-          </p:nvPr>
-        </p:nvSpPr>
-        <p:spPr/>
-        <p:txBody>
-          <a:bodyPr/>
-          <a:lstStyle/>
-          <a:p>
-            <a:r>
-              <a:rPr lang="pt-BR" dirty="0" smtClean="0"/>
-              <a:t>É uma maneira de restringir as características dos tipos nativos do Oracle;</a:t>
-            </a:r>
-          </a:p>
-          <a:p>
-            <a:r>
-              <a:rPr lang="pt-BR" dirty="0" smtClean="0"/>
-              <a:t>Todo </a:t>
-            </a:r>
-            <a:r>
-              <a:rPr lang="pt-BR" dirty="0" err="1" smtClean="0"/>
-              <a:t>subtype</a:t>
-            </a:r>
-            <a:r>
-              <a:rPr lang="pt-BR" dirty="0" smtClean="0"/>
-              <a:t> nasce a partir de um tipo existente;</a:t>
-            </a:r>
-          </a:p>
-          <a:p>
-            <a:r>
-              <a:rPr lang="pt-BR" dirty="0" smtClean="0"/>
-              <a:t>Permite criar validações;</a:t>
-            </a:r>
-          </a:p>
-          <a:p>
-            <a:r>
-              <a:rPr lang="pt-BR" dirty="0" smtClean="0"/>
-              <a:t>Os subtipos são intercambiáveis com os </a:t>
-            </a:r>
-            <a:r>
-              <a:rPr lang="pt-BR" dirty="0" smtClean="0"/>
-              <a:t>seus </a:t>
-            </a:r>
-            <a:r>
-              <a:rPr lang="pt-BR" dirty="0" smtClean="0"/>
-              <a:t>tipos nativos;</a:t>
-            </a:r>
-          </a:p>
-          <a:p>
-            <a:endParaRPr lang="pt-BR" dirty="0"/>
-          </a:p>
-        </p:txBody>
-      </p:sp>
-      <p:pic>
-        <p:nvPicPr>
-          <p:cNvPr id="4" name="Imagem 3"/>
-          <p:cNvPicPr>
-            <a:picLocks noChangeAspect="1"/>
-          </p:cNvPicPr>
-          <p:nvPr/>
-        </p:nvPicPr>
-        <p:blipFill>
-          <a:blip r:embed="rId2"/>
-          <a:stretch>
-            <a:fillRect/>
-          </a:stretch>
-        </p:blipFill>
-        <p:spPr>
-          <a:xfrm>
-            <a:off x="2900362" y="3837159"/>
-            <a:ext cx="8905299" cy="2847066"/>
-          </a:xfrm>
-          <a:prstGeom prst="rect">
-            <a:avLst/>
-          </a:prstGeom>
-        </p:spPr>
-      </p:pic>
-    </p:spTree>
-    <p:extLst>
-      <p:ext uri="{BB962C8B-B14F-4D97-AF65-F5344CB8AC3E}">
-        <p14:creationId xmlns:p14="http://schemas.microsoft.com/office/powerpoint/2010/main" val="1400525575"/>
-      </p:ext>
-    </p:extLst>
-  </p:cSld>
-  <p:clrMapOvr>
-    <a:masterClrMapping/>
-  </p:clrMapOvr>
-  <p:timing>
-    <p:tnLst>
-      <p:par>
-        <p:cTn id="1" dur="indefinite" restart="never" nodeType="tmRoot"/>
-      </p:par>
-    </p:tnLst>
-  </p:timing>
-</p:sld>
-</file>
-
-<file path=ppt/slides/slide24.xml><?xml version="1.0" encoding="utf-8"?>
-<p:sld xmlns:a="http://schemas.openxmlformats.org/drawingml/2006/main" xmlns:r="http://schemas.openxmlformats.org/officeDocument/2006/relationships" xmlns:p="http://schemas.openxmlformats.org/presentationml/2006/main">
-  <p:cSld>
-    <p:spTree>
-      <p:nvGrpSpPr>
-        <p:cNvPr id="1" name=""/>
-        <p:cNvGrpSpPr/>
-        <p:nvPr/>
-      </p:nvGrpSpPr>
-      <p:grpSpPr>
-        <a:xfrm>
-          <a:off x="0" y="0"/>
-          <a:ext cx="0" cy="0"/>
-          <a:chOff x="0" y="0"/>
-          <a:chExt cx="0" cy="0"/>
-        </a:xfrm>
-      </p:grpSpPr>
-      <p:sp>
-        <p:nvSpPr>
-          <p:cNvPr id="2" name="Título 1"/>
-          <p:cNvSpPr>
-            <a:spLocks noGrp="1"/>
-          </p:cNvSpPr>
-          <p:nvPr>
-            <p:ph type="title"/>
-          </p:nvPr>
-        </p:nvSpPr>
-        <p:spPr/>
-        <p:txBody>
-          <a:bodyPr/>
-          <a:lstStyle/>
-          <a:p>
-            <a:r>
-              <a:rPr lang="pt-BR" dirty="0" smtClean="0"/>
-              <a:t>Benefícios</a:t>
-            </a:r>
-            <a:endParaRPr lang="pt-BR" dirty="0"/>
-          </a:p>
-        </p:txBody>
-      </p:sp>
-      <p:sp>
-        <p:nvSpPr>
-          <p:cNvPr id="3" name="Espaço Reservado para Conteúdo 2"/>
-          <p:cNvSpPr>
-            <a:spLocks noGrp="1"/>
-          </p:cNvSpPr>
-          <p:nvPr>
-            <p:ph idx="1"/>
-          </p:nvPr>
-        </p:nvSpPr>
-        <p:spPr/>
-        <p:txBody>
-          <a:bodyPr/>
-          <a:lstStyle/>
-          <a:p>
-            <a:endParaRPr lang="pt-BR" dirty="0"/>
-          </a:p>
-        </p:txBody>
-      </p:sp>
-      <p:pic>
-        <p:nvPicPr>
-          <p:cNvPr id="4" name="Imagem 3"/>
-          <p:cNvPicPr>
-            <a:picLocks noChangeAspect="1"/>
-          </p:cNvPicPr>
-          <p:nvPr/>
-        </p:nvPicPr>
-        <p:blipFill>
-          <a:blip r:embed="rId2"/>
-          <a:stretch>
-            <a:fillRect/>
-          </a:stretch>
-        </p:blipFill>
-        <p:spPr>
-          <a:xfrm>
-            <a:off x="2589212" y="2133600"/>
-            <a:ext cx="7216446" cy="2555344"/>
-          </a:xfrm>
-          <a:prstGeom prst="rect">
-            <a:avLst/>
-          </a:prstGeom>
-        </p:spPr>
-      </p:pic>
-    </p:spTree>
-    <p:extLst>
-      <p:ext uri="{BB962C8B-B14F-4D97-AF65-F5344CB8AC3E}">
-        <p14:creationId xmlns:p14="http://schemas.microsoft.com/office/powerpoint/2010/main" val="2568568376"/>
-      </p:ext>
-    </p:extLst>
-  </p:cSld>
-  <p:clrMapOvr>
-    <a:masterClrMapping/>
-  </p:clrMapOvr>
-  <p:timing>
-    <p:tnLst>
-      <p:par>
-        <p:cTn id="1" dur="indefinite" restart="never" nodeType="tmRoot"/>
-      </p:par>
-    </p:tnLst>
-  </p:timing>
-</p:sld>
-</file>
-
-<file path=ppt/slides/slide25.xml><?xml version="1.0" encoding="utf-8"?>
-<p:sld xmlns:a="http://schemas.openxmlformats.org/drawingml/2006/main" xmlns:r="http://schemas.openxmlformats.org/officeDocument/2006/relationships" xmlns:p="http://schemas.openxmlformats.org/presentationml/2006/main">
-  <p:cSld>
-    <p:spTree>
-      <p:nvGrpSpPr>
-        <p:cNvPr id="1" name=""/>
-        <p:cNvGrpSpPr/>
-        <p:nvPr/>
-      </p:nvGrpSpPr>
-      <p:grpSpPr>
-        <a:xfrm>
-          <a:off x="0" y="0"/>
-          <a:ext cx="0" cy="0"/>
-          <a:chOff x="0" y="0"/>
-          <a:chExt cx="0" cy="0"/>
-        </a:xfrm>
-      </p:grpSpPr>
-      <p:sp>
-        <p:nvSpPr>
-          <p:cNvPr id="2" name="Título 1"/>
-          <p:cNvSpPr>
-            <a:spLocks noGrp="1"/>
-          </p:cNvSpPr>
-          <p:nvPr>
-            <p:ph type="title"/>
-          </p:nvPr>
-        </p:nvSpPr>
-        <p:spPr/>
-        <p:txBody>
-          <a:bodyPr/>
-          <a:lstStyle/>
-          <a:p>
-            <a:r>
-              <a:rPr lang="pt-BR" dirty="0" smtClean="0"/>
-              <a:t>Declaração de </a:t>
-            </a:r>
-            <a:r>
-              <a:rPr lang="pt-BR" dirty="0" err="1" smtClean="0"/>
-              <a:t>subtypes</a:t>
-            </a:r>
-            <a:endParaRPr lang="pt-BR" dirty="0"/>
-          </a:p>
-        </p:txBody>
-      </p:sp>
-      <p:sp>
-        <p:nvSpPr>
-          <p:cNvPr id="3" name="Espaço Reservado para Conteúdo 2"/>
-          <p:cNvSpPr>
-            <a:spLocks noGrp="1"/>
-          </p:cNvSpPr>
-          <p:nvPr>
-            <p:ph idx="1"/>
-          </p:nvPr>
-        </p:nvSpPr>
-        <p:spPr/>
-        <p:txBody>
-          <a:bodyPr/>
-          <a:lstStyle/>
-          <a:p>
-            <a:endParaRPr lang="pt-BR"/>
-          </a:p>
-        </p:txBody>
-      </p:sp>
-      <p:pic>
-        <p:nvPicPr>
-          <p:cNvPr id="4" name="Imagem 3"/>
-          <p:cNvPicPr>
-            <a:picLocks noChangeAspect="1"/>
-          </p:cNvPicPr>
-          <p:nvPr/>
-        </p:nvPicPr>
-        <p:blipFill>
-          <a:blip r:embed="rId2"/>
-          <a:stretch>
-            <a:fillRect/>
-          </a:stretch>
-        </p:blipFill>
-        <p:spPr>
-          <a:xfrm>
-            <a:off x="2589212" y="2133600"/>
-            <a:ext cx="8123034" cy="654750"/>
-          </a:xfrm>
-          <a:prstGeom prst="rect">
-            <a:avLst/>
-          </a:prstGeom>
-        </p:spPr>
-      </p:pic>
-      <p:pic>
-        <p:nvPicPr>
-          <p:cNvPr id="5" name="Imagem 4"/>
-          <p:cNvPicPr>
-            <a:picLocks noChangeAspect="1"/>
-          </p:cNvPicPr>
-          <p:nvPr/>
-        </p:nvPicPr>
-        <p:blipFill>
-          <a:blip r:embed="rId3"/>
-          <a:stretch>
-            <a:fillRect/>
-          </a:stretch>
-        </p:blipFill>
-        <p:spPr>
-          <a:xfrm>
-            <a:off x="3587976" y="3481322"/>
-            <a:ext cx="8159298" cy="3010031"/>
-          </a:xfrm>
-          <a:prstGeom prst="rect">
-            <a:avLst/>
-          </a:prstGeom>
-        </p:spPr>
-      </p:pic>
-    </p:spTree>
-    <p:extLst>
-      <p:ext uri="{BB962C8B-B14F-4D97-AF65-F5344CB8AC3E}">
-        <p14:creationId xmlns:p14="http://schemas.microsoft.com/office/powerpoint/2010/main" val="3903276108"/>
-      </p:ext>
-    </p:extLst>
-  </p:cSld>
-  <p:clrMapOvr>
-    <a:masterClrMapping/>
-  </p:clrMapOvr>
-  <p:timing>
-    <p:tnLst>
-      <p:par>
-        <p:cTn id="1" dur="indefinite" restart="never" nodeType="tmRoot"/>
-      </p:par>
-    </p:tnLst>
-  </p:timing>
-</p:sld>
-</file>
-
-<file path=ppt/slides/slide26.xml><?xml version="1.0" encoding="utf-8"?>
-<p:sld xmlns:a="http://schemas.openxmlformats.org/drawingml/2006/main" xmlns:r="http://schemas.openxmlformats.org/officeDocument/2006/relationships" xmlns:p="http://schemas.openxmlformats.org/presentationml/2006/main">
-  <p:cSld>
-    <p:spTree>
-      <p:nvGrpSpPr>
-        <p:cNvPr id="1" name=""/>
-        <p:cNvGrpSpPr/>
-        <p:nvPr/>
-      </p:nvGrpSpPr>
-      <p:grpSpPr>
-        <a:xfrm>
-          <a:off x="0" y="0"/>
-          <a:ext cx="0" cy="0"/>
-          <a:chOff x="0" y="0"/>
-          <a:chExt cx="0" cy="0"/>
-        </a:xfrm>
-      </p:grpSpPr>
-      <p:sp>
-        <p:nvSpPr>
-          <p:cNvPr id="2" name="Título 1"/>
-          <p:cNvSpPr>
-            <a:spLocks noGrp="1"/>
-          </p:cNvSpPr>
-          <p:nvPr>
-            <p:ph type="title"/>
-          </p:nvPr>
-        </p:nvSpPr>
-        <p:spPr/>
-        <p:txBody>
-          <a:bodyPr/>
-          <a:lstStyle/>
-          <a:p>
-            <a:r>
-              <a:rPr lang="pt-BR" dirty="0" smtClean="0"/>
-              <a:t>Utilizando </a:t>
-            </a:r>
-            <a:r>
-              <a:rPr lang="pt-BR" dirty="0" err="1" smtClean="0"/>
-              <a:t>subtypes</a:t>
-            </a:r>
-            <a:endParaRPr lang="pt-BR" dirty="0"/>
-          </a:p>
-        </p:txBody>
-      </p:sp>
-      <p:sp>
-        <p:nvSpPr>
-          <p:cNvPr id="3" name="Espaço Reservado para Conteúdo 2"/>
-          <p:cNvSpPr>
-            <a:spLocks noGrp="1"/>
-          </p:cNvSpPr>
-          <p:nvPr>
-            <p:ph idx="1"/>
-          </p:nvPr>
-        </p:nvSpPr>
-        <p:spPr/>
-        <p:txBody>
-          <a:bodyPr/>
-          <a:lstStyle/>
-          <a:p>
-            <a:endParaRPr lang="pt-BR"/>
-          </a:p>
-        </p:txBody>
-      </p:sp>
-      <p:pic>
-        <p:nvPicPr>
-          <p:cNvPr id="4" name="Imagem 3"/>
-          <p:cNvPicPr>
-            <a:picLocks noChangeAspect="1"/>
-          </p:cNvPicPr>
-          <p:nvPr/>
-        </p:nvPicPr>
-        <p:blipFill>
-          <a:blip r:embed="rId2"/>
-          <a:stretch>
-            <a:fillRect/>
-          </a:stretch>
-        </p:blipFill>
-        <p:spPr>
-          <a:xfrm>
-            <a:off x="2900363" y="1837225"/>
-            <a:ext cx="8480945" cy="4661375"/>
-          </a:xfrm>
-          <a:prstGeom prst="rect">
-            <a:avLst/>
-          </a:prstGeom>
-        </p:spPr>
-      </p:pic>
-    </p:spTree>
-    <p:extLst>
-      <p:ext uri="{BB962C8B-B14F-4D97-AF65-F5344CB8AC3E}">
-        <p14:creationId xmlns:p14="http://schemas.microsoft.com/office/powerpoint/2010/main" val="639038268"/>
-      </p:ext>
-    </p:extLst>
-  </p:cSld>
-  <p:clrMapOvr>
-    <a:masterClrMapping/>
-  </p:clrMapOvr>
-  <p:timing>
-    <p:tnLst>
-      <p:par>
-        <p:cTn id="1" dur="indefinite" restart="never" nodeType="tmRoot"/>
-      </p:par>
-    </p:tnLst>
-  </p:timing>
-</p:sld>
-</file>
-
-<file path=ppt/slides/slide27.xml><?xml version="1.0" encoding="utf-8"?>
-<p:sld xmlns:a="http://schemas.openxmlformats.org/drawingml/2006/main" xmlns:r="http://schemas.openxmlformats.org/officeDocument/2006/relationships" xmlns:p="http://schemas.openxmlformats.org/presentationml/2006/main">
-  <p:cSld>
-    <p:spTree>
-      <p:nvGrpSpPr>
-        <p:cNvPr id="1" name=""/>
-        <p:cNvGrpSpPr/>
-        <p:nvPr/>
-      </p:nvGrpSpPr>
-      <p:grpSpPr>
-        <a:xfrm>
-          <a:off x="0" y="0"/>
-          <a:ext cx="0" cy="0"/>
-          <a:chOff x="0" y="0"/>
-          <a:chExt cx="0" cy="0"/>
-        </a:xfrm>
-      </p:grpSpPr>
-      <p:sp>
-        <p:nvSpPr>
-          <p:cNvPr id="2" name="Título 1"/>
-          <p:cNvSpPr>
-            <a:spLocks noGrp="1"/>
-          </p:cNvSpPr>
-          <p:nvPr>
-            <p:ph type="title"/>
-          </p:nvPr>
-        </p:nvSpPr>
-        <p:spPr/>
-        <p:txBody>
-          <a:bodyPr/>
-          <a:lstStyle/>
-          <a:p>
-            <a:r>
-              <a:rPr lang="pt-BR" dirty="0" err="1" smtClean="0"/>
-              <a:t>Function</a:t>
-            </a:r>
-            <a:r>
-              <a:rPr lang="pt-BR" dirty="0" smtClean="0"/>
-              <a:t> </a:t>
-            </a:r>
-            <a:r>
-              <a:rPr lang="pt-BR" dirty="0" err="1" smtClean="0"/>
-              <a:t>Deterministic</a:t>
-            </a:r>
-            <a:endParaRPr lang="pt-BR" dirty="0"/>
-          </a:p>
-        </p:txBody>
-      </p:sp>
-      <p:sp>
-        <p:nvSpPr>
-          <p:cNvPr id="3" name="Espaço Reservado para Conteúdo 2"/>
-          <p:cNvSpPr>
-            <a:spLocks noGrp="1"/>
-          </p:cNvSpPr>
-          <p:nvPr>
-            <p:ph idx="1"/>
-          </p:nvPr>
-        </p:nvSpPr>
-        <p:spPr/>
-        <p:txBody>
-          <a:bodyPr/>
-          <a:lstStyle/>
-          <a:p>
-            <a:r>
-              <a:rPr lang="pt-BR" dirty="0" smtClean="0"/>
-              <a:t>DETERMINISTIC: os parâmetros e resultados da função são colocados em cache a cada primeira execução e retornados num tempo menor nas próximas execuções;</a:t>
-            </a:r>
-          </a:p>
-          <a:p>
-            <a:r>
-              <a:rPr lang="en-US" dirty="0"/>
-              <a:t>CREATE OR REPLACE FUNCTION </a:t>
-            </a:r>
-            <a:r>
-              <a:rPr lang="en-US" dirty="0" err="1" smtClean="0"/>
-              <a:t>nome_procedure</a:t>
-            </a:r>
-            <a:r>
-              <a:rPr lang="en-US" dirty="0" smtClean="0"/>
-              <a:t>(</a:t>
-            </a:r>
-            <a:r>
-              <a:rPr lang="en-US" dirty="0" err="1" smtClean="0"/>
-              <a:t>parametros</a:t>
-            </a:r>
-            <a:r>
-              <a:rPr lang="en-US" dirty="0" smtClean="0"/>
-              <a:t>)</a:t>
-            </a:r>
-            <a:endParaRPr lang="en-US" dirty="0"/>
-          </a:p>
-          <a:p>
-            <a:r>
-              <a:rPr lang="pt-BR" dirty="0" smtClean="0"/>
-              <a:t>RETURN  </a:t>
-            </a:r>
-            <a:r>
-              <a:rPr lang="pt-BR" dirty="0" err="1" smtClean="0"/>
-              <a:t>tipo_retorno</a:t>
-            </a:r>
-            <a:endParaRPr lang="pt-BR" dirty="0"/>
-          </a:p>
-          <a:p>
-            <a:r>
-              <a:rPr lang="pt-BR" dirty="0"/>
-              <a:t>DETERMINISTIC</a:t>
-            </a:r>
-          </a:p>
-        </p:txBody>
-      </p:sp>
-    </p:spTree>
-    <p:extLst>
-      <p:ext uri="{BB962C8B-B14F-4D97-AF65-F5344CB8AC3E}">
-        <p14:creationId xmlns:p14="http://schemas.microsoft.com/office/powerpoint/2010/main" val="395568202"/>
-      </p:ext>
-    </p:extLst>
-  </p:cSld>
-  <p:clrMapOvr>
-    <a:masterClrMapping/>
-  </p:clrMapOvr>
-  <p:timing>
-    <p:tnLst>
-      <p:par>
-        <p:cTn id="1" dur="indefinite" restart="never" nodeType="tmRoot"/>
-      </p:par>
-    </p:tnLst>
-  </p:timing>
-</p:sld>
-</file>
-
-<file path=ppt/slides/slide28.xml><?xml version="1.0" encoding="utf-8"?>
-<p:sld xmlns:a="http://schemas.openxmlformats.org/drawingml/2006/main" xmlns:r="http://schemas.openxmlformats.org/officeDocument/2006/relationships" xmlns:p="http://schemas.openxmlformats.org/presentationml/2006/main">
-  <p:cSld>
-    <p:spTree>
-      <p:nvGrpSpPr>
-        <p:cNvPr id="1" name=""/>
-        <p:cNvGrpSpPr/>
-        <p:nvPr/>
-      </p:nvGrpSpPr>
-      <p:grpSpPr>
-        <a:xfrm>
-          <a:off x="0" y="0"/>
-          <a:ext cx="0" cy="0"/>
-          <a:chOff x="0" y="0"/>
-          <a:chExt cx="0" cy="0"/>
-        </a:xfrm>
-      </p:grpSpPr>
-      <p:sp>
-        <p:nvSpPr>
-          <p:cNvPr id="2" name="Título 1"/>
-          <p:cNvSpPr>
-            <a:spLocks noGrp="1"/>
-          </p:cNvSpPr>
-          <p:nvPr>
-            <p:ph type="title"/>
-          </p:nvPr>
-        </p:nvSpPr>
-        <p:spPr/>
-        <p:txBody>
-          <a:bodyPr/>
-          <a:lstStyle/>
-          <a:p>
-            <a:r>
-              <a:rPr lang="pt-BR" dirty="0" smtClean="0"/>
-              <a:t>Rotina dentro de rotina</a:t>
-            </a:r>
-            <a:endParaRPr lang="pt-BR" dirty="0"/>
-          </a:p>
-        </p:txBody>
-      </p:sp>
-      <p:sp>
-        <p:nvSpPr>
-          <p:cNvPr id="3" name="Espaço Reservado para Conteúdo 2"/>
-          <p:cNvSpPr>
-            <a:spLocks noGrp="1"/>
-          </p:cNvSpPr>
-          <p:nvPr>
-            <p:ph idx="1"/>
-          </p:nvPr>
-        </p:nvSpPr>
-        <p:spPr/>
-        <p:txBody>
-          <a:bodyPr>
-            <a:normAutofit fontScale="92500"/>
-          </a:bodyPr>
-          <a:lstStyle/>
-          <a:p>
-            <a:r>
-              <a:rPr lang="pt-BR" dirty="0" smtClean="0"/>
-              <a:t>Em PL/SQL é possível criar rotinas dentro de outras na sessão de declaração;</a:t>
-            </a:r>
-          </a:p>
-          <a:p>
-            <a:r>
-              <a:rPr lang="pt-BR" dirty="0" smtClean="0"/>
-              <a:t>Essa uma forma de tornar as rotinas privadas e manter o código organizado;</a:t>
-            </a:r>
-          </a:p>
-          <a:p>
-            <a:r>
-              <a:rPr lang="pt-BR" dirty="0" smtClean="0"/>
-              <a:t>CREATE OR REPLACE PROCEDURE &lt;NOME&gt; as</a:t>
-            </a:r>
-          </a:p>
-          <a:p>
-            <a:r>
-              <a:rPr lang="pt-BR" dirty="0" smtClean="0"/>
-              <a:t>FUNCTION NOME</a:t>
-            </a:r>
-          </a:p>
-          <a:p>
-            <a:pPr lvl="1"/>
-            <a:r>
-              <a:rPr lang="pt-BR" dirty="0" smtClean="0"/>
-              <a:t>BEGIN</a:t>
-            </a:r>
-          </a:p>
-          <a:p>
-            <a:pPr lvl="2"/>
-            <a:r>
-              <a:rPr lang="pt-BR" dirty="0" smtClean="0"/>
-              <a:t>Comandos da rotina interna</a:t>
-            </a:r>
-          </a:p>
-          <a:p>
-            <a:pPr lvl="1"/>
-            <a:r>
-              <a:rPr lang="pt-BR" dirty="0" smtClean="0"/>
-              <a:t>END;</a:t>
-            </a:r>
-          </a:p>
-          <a:p>
-            <a:r>
-              <a:rPr lang="pt-BR" dirty="0" smtClean="0"/>
-              <a:t>BEGIN</a:t>
-            </a:r>
-          </a:p>
-          <a:p>
-            <a:pPr lvl="1"/>
-            <a:r>
-              <a:rPr lang="pt-BR" dirty="0" smtClean="0"/>
-              <a:t>Comandos da rotina externa</a:t>
-            </a:r>
-          </a:p>
-          <a:p>
-            <a:r>
-              <a:rPr lang="pt-BR" dirty="0" smtClean="0"/>
-              <a:t>END;</a:t>
-            </a:r>
-          </a:p>
-        </p:txBody>
-      </p:sp>
-    </p:spTree>
-    <p:extLst>
-      <p:ext uri="{BB962C8B-B14F-4D97-AF65-F5344CB8AC3E}">
-        <p14:creationId xmlns:p14="http://schemas.microsoft.com/office/powerpoint/2010/main" val="3895515390"/>
-      </p:ext>
-    </p:extLst>
-  </p:cSld>
-  <p:clrMapOvr>
-    <a:masterClrMapping/>
-  </p:clrMapOvr>
-  <p:timing>
-    <p:tnLst>
-      <p:par>
-        <p:cTn id="1" dur="indefinite" restart="never" nodeType="tmRoot"/>
-      </p:par>
-    </p:tnLst>
-  </p:timing>
-</p:sld>
-</file>
-
-<file path=ppt/slides/slide3.xml><?xml version="1.0" encoding="utf-8"?>
-<p:sld xmlns:a="http://schemas.openxmlformats.org/drawingml/2006/main" xmlns:r="http://schemas.openxmlformats.org/officeDocument/2006/relationships" xmlns:p="http://schemas.openxmlformats.org/presentationml/2006/main">
-  <p:cSld>
-    <p:spTree>
-      <p:nvGrpSpPr>
-        <p:cNvPr id="1" name=""/>
-        <p:cNvGrpSpPr/>
-        <p:nvPr/>
-      </p:nvGrpSpPr>
-      <p:grpSpPr>
-        <a:xfrm>
-          <a:off x="0" y="0"/>
-          <a:ext cx="0" cy="0"/>
-          <a:chOff x="0" y="0"/>
-          <a:chExt cx="0" cy="0"/>
-        </a:xfrm>
-      </p:grpSpPr>
-      <p:sp>
-        <p:nvSpPr>
-          <p:cNvPr id="2" name="Título 1"/>
-          <p:cNvSpPr>
-            <a:spLocks noGrp="1"/>
-          </p:cNvSpPr>
-          <p:nvPr>
-            <p:ph type="title"/>
-          </p:nvPr>
-        </p:nvSpPr>
-        <p:spPr/>
-        <p:txBody>
-          <a:bodyPr/>
-          <a:lstStyle/>
-          <a:p>
-            <a:r>
-              <a:rPr lang="pt-BR" dirty="0" smtClean="0"/>
-              <a:t>Cursor com </a:t>
-            </a:r>
-            <a:r>
-              <a:rPr lang="pt-BR" dirty="0" err="1" smtClean="0"/>
-              <a:t>records</a:t>
-            </a:r>
-            <a:endParaRPr lang="pt-BR" dirty="0"/>
-          </a:p>
-        </p:txBody>
-      </p:sp>
-      <p:sp>
-        <p:nvSpPr>
-          <p:cNvPr id="3" name="Espaço Reservado para Conteúdo 2"/>
-          <p:cNvSpPr>
-            <a:spLocks noGrp="1"/>
-          </p:cNvSpPr>
-          <p:nvPr>
-            <p:ph idx="1"/>
-          </p:nvPr>
-        </p:nvSpPr>
-        <p:spPr/>
-        <p:txBody>
-          <a:bodyPr/>
-          <a:lstStyle/>
-          <a:p>
-            <a:r>
-              <a:rPr lang="pt-BR" dirty="0" smtClean="0"/>
-              <a:t>Utilize registros para receber os dados do cursor;</a:t>
-            </a:r>
-          </a:p>
-          <a:p>
-            <a:r>
-              <a:rPr lang="pt-BR" dirty="0" smtClean="0"/>
-              <a:t>Mantém a compatibilidade do código com futuras modificações;</a:t>
-            </a:r>
-            <a:endParaRPr lang="pt-BR" dirty="0"/>
-          </a:p>
-        </p:txBody>
-      </p:sp>
-      <p:pic>
-        <p:nvPicPr>
-          <p:cNvPr id="4" name="Imagem 3"/>
-          <p:cNvPicPr>
-            <a:picLocks noChangeAspect="1"/>
-          </p:cNvPicPr>
-          <p:nvPr/>
-        </p:nvPicPr>
-        <p:blipFill>
-          <a:blip r:embed="rId2"/>
-          <a:stretch>
-            <a:fillRect/>
-          </a:stretch>
-        </p:blipFill>
-        <p:spPr>
-          <a:xfrm>
-            <a:off x="5086350" y="3007076"/>
-            <a:ext cx="6656565" cy="3434355"/>
-          </a:xfrm>
-          <a:prstGeom prst="rect">
-            <a:avLst/>
-          </a:prstGeom>
-        </p:spPr>
-      </p:pic>
-    </p:spTree>
-    <p:extLst>
-      <p:ext uri="{BB962C8B-B14F-4D97-AF65-F5344CB8AC3E}">
-        <p14:creationId xmlns:p14="http://schemas.microsoft.com/office/powerpoint/2010/main" val="3116062893"/>
-      </p:ext>
-    </p:extLst>
-  </p:cSld>
-  <p:clrMapOvr>
-    <a:masterClrMapping/>
-  </p:clrMapOvr>
-  <p:timing>
-    <p:tnLst>
-      <p:par>
-        <p:cTn id="1" dur="indefinite" restart="never" nodeType="tmRoot"/>
-      </p:par>
-    </p:tnLst>
-  </p:timing>
-</p:sld>
-</file>
-
-<file path=ppt/slides/slide4.xml><?xml version="1.0" encoding="utf-8"?>
-<p:sld xmlns:a="http://schemas.openxmlformats.org/drawingml/2006/main" xmlns:r="http://schemas.openxmlformats.org/officeDocument/2006/relationships" xmlns:p="http://schemas.openxmlformats.org/presentationml/2006/main">
-  <p:cSld>
-    <p:spTree>
-      <p:nvGrpSpPr>
-        <p:cNvPr id="1" name=""/>
-        <p:cNvGrpSpPr/>
-        <p:nvPr/>
-      </p:nvGrpSpPr>
-      <p:grpSpPr>
-        <a:xfrm>
-          <a:off x="0" y="0"/>
-          <a:ext cx="0" cy="0"/>
-          <a:chOff x="0" y="0"/>
-          <a:chExt cx="0" cy="0"/>
-        </a:xfrm>
-      </p:grpSpPr>
-      <p:sp>
-        <p:nvSpPr>
-          <p:cNvPr id="2" name="Título 1"/>
-          <p:cNvSpPr>
-            <a:spLocks noGrp="1"/>
-          </p:cNvSpPr>
-          <p:nvPr>
-            <p:ph type="title"/>
-          </p:nvPr>
-        </p:nvSpPr>
-        <p:spPr/>
-        <p:txBody>
-          <a:bodyPr/>
-          <a:lstStyle/>
-          <a:p>
-            <a:r>
-              <a:rPr lang="pt-BR" dirty="0" smtClean="0"/>
-              <a:t>Cursores com parâmetros</a:t>
-            </a:r>
-            <a:endParaRPr lang="pt-BR" dirty="0"/>
-          </a:p>
-        </p:txBody>
-      </p:sp>
-      <p:sp>
-        <p:nvSpPr>
-          <p:cNvPr id="3" name="Espaço Reservado para Conteúdo 2"/>
-          <p:cNvSpPr>
-            <a:spLocks noGrp="1"/>
-          </p:cNvSpPr>
-          <p:nvPr>
-            <p:ph idx="1"/>
-          </p:nvPr>
-        </p:nvSpPr>
-        <p:spPr/>
-        <p:txBody>
-          <a:bodyPr/>
-          <a:lstStyle/>
-          <a:p>
-            <a:r>
-              <a:rPr lang="pt-BR" dirty="0" smtClean="0"/>
-              <a:t>Permite o reuso dos cursores alterando-se a cláusula </a:t>
-            </a:r>
-            <a:r>
-              <a:rPr lang="pt-BR" dirty="0" err="1" smtClean="0"/>
-              <a:t>where</a:t>
-            </a:r>
-            <a:r>
-              <a:rPr lang="pt-BR" dirty="0" smtClean="0"/>
-              <a:t> por meio de parâmetros;</a:t>
-            </a:r>
-          </a:p>
-          <a:p>
-            <a:r>
-              <a:rPr lang="pt-BR" dirty="0" smtClean="0"/>
-              <a:t>Aumentam a flexibilidade do código;</a:t>
-            </a:r>
-            <a:endParaRPr lang="pt-BR" dirty="0"/>
-          </a:p>
-        </p:txBody>
-      </p:sp>
-      <p:pic>
-        <p:nvPicPr>
-          <p:cNvPr id="4" name="Imagem 3"/>
-          <p:cNvPicPr>
-            <a:picLocks noChangeAspect="1"/>
-          </p:cNvPicPr>
-          <p:nvPr/>
-        </p:nvPicPr>
-        <p:blipFill>
-          <a:blip r:embed="rId2"/>
-          <a:stretch>
-            <a:fillRect/>
-          </a:stretch>
-        </p:blipFill>
-        <p:spPr>
-          <a:xfrm>
-            <a:off x="5429249" y="3144944"/>
-            <a:ext cx="6457629" cy="3550447"/>
-          </a:xfrm>
-          <a:prstGeom prst="rect">
-            <a:avLst/>
-          </a:prstGeom>
-        </p:spPr>
-      </p:pic>
-    </p:spTree>
-    <p:extLst>
-      <p:ext uri="{BB962C8B-B14F-4D97-AF65-F5344CB8AC3E}">
-        <p14:creationId xmlns:p14="http://schemas.microsoft.com/office/powerpoint/2010/main" val="1598510857"/>
-      </p:ext>
-    </p:extLst>
-  </p:cSld>
-  <p:clrMapOvr>
-    <a:masterClrMapping/>
-  </p:clrMapOvr>
-  <p:timing>
-    <p:tnLst>
-      <p:par>
-        <p:cTn id="1" dur="indefinite" restart="never" nodeType="tmRoot"/>
-      </p:par>
-    </p:tnLst>
-  </p:timing>
-</p:sld>
-</file>
-
-<file path=ppt/slides/slide5.xml><?xml version="1.0" encoding="utf-8"?>
-<p:sld xmlns:a="http://schemas.openxmlformats.org/drawingml/2006/main" xmlns:r="http://schemas.openxmlformats.org/officeDocument/2006/relationships" xmlns:p="http://schemas.openxmlformats.org/presentationml/2006/main">
-  <p:cSld>
-    <p:spTree>
-      <p:nvGrpSpPr>
-        <p:cNvPr id="1" name=""/>
-        <p:cNvGrpSpPr/>
-        <p:nvPr/>
-      </p:nvGrpSpPr>
-      <p:grpSpPr>
-        <a:xfrm>
-          <a:off x="0" y="0"/>
-          <a:ext cx="0" cy="0"/>
-          <a:chOff x="0" y="0"/>
-          <a:chExt cx="0" cy="0"/>
-        </a:xfrm>
-      </p:grpSpPr>
-      <p:sp>
-        <p:nvSpPr>
-          <p:cNvPr id="2" name="Título 1"/>
-          <p:cNvSpPr>
-            <a:spLocks noGrp="1"/>
-          </p:cNvSpPr>
-          <p:nvPr>
-            <p:ph type="title"/>
-          </p:nvPr>
-        </p:nvSpPr>
-        <p:spPr/>
-        <p:txBody>
-          <a:bodyPr/>
-          <a:lstStyle/>
-          <a:p>
-            <a:r>
-              <a:rPr lang="pt-BR" dirty="0" smtClean="0"/>
-              <a:t>Cursores implícitos para DML</a:t>
-            </a:r>
-            <a:endParaRPr lang="pt-BR" dirty="0"/>
-          </a:p>
-        </p:txBody>
-      </p:sp>
-      <p:sp>
-        <p:nvSpPr>
-          <p:cNvPr id="3" name="Espaço Reservado para Conteúdo 2"/>
-          <p:cNvSpPr>
-            <a:spLocks noGrp="1"/>
-          </p:cNvSpPr>
-          <p:nvPr>
-            <p:ph idx="1"/>
-          </p:nvPr>
-        </p:nvSpPr>
-        <p:spPr/>
-        <p:txBody>
-          <a:bodyPr/>
-          <a:lstStyle/>
-          <a:p>
-            <a:r>
-              <a:rPr lang="pt-BR" dirty="0" smtClean="0"/>
-              <a:t>Cada comando SQL produz um cursor implícito;</a:t>
-            </a:r>
-          </a:p>
-          <a:p>
-            <a:r>
-              <a:rPr lang="pt-BR" dirty="0" smtClean="0"/>
-              <a:t>Utilize os atributos implícitos dos cursores em seguida a execução do SQL;</a:t>
-            </a:r>
-          </a:p>
-          <a:p>
-            <a:r>
-              <a:rPr lang="pt-BR" dirty="0" smtClean="0"/>
-              <a:t>Reduz o número de variáveis declaradas;</a:t>
-            </a:r>
-          </a:p>
-          <a:p>
-            <a:r>
-              <a:rPr lang="pt-BR" dirty="0" smtClean="0"/>
-              <a:t>A execução de um outro SQL altera o valor do atributo;</a:t>
-            </a:r>
-          </a:p>
-          <a:p>
-            <a:endParaRPr lang="pt-BR" dirty="0"/>
-          </a:p>
-        </p:txBody>
-      </p:sp>
-      <p:pic>
-        <p:nvPicPr>
-          <p:cNvPr id="5" name="Imagem 4"/>
-          <p:cNvPicPr>
-            <a:picLocks noChangeAspect="1"/>
-          </p:cNvPicPr>
-          <p:nvPr/>
-        </p:nvPicPr>
-        <p:blipFill>
-          <a:blip r:embed="rId2"/>
-          <a:stretch>
-            <a:fillRect/>
-          </a:stretch>
-        </p:blipFill>
-        <p:spPr>
-          <a:xfrm>
-            <a:off x="4955095" y="4022411"/>
-            <a:ext cx="6853810" cy="2546250"/>
-          </a:xfrm>
-          <a:prstGeom prst="rect">
-            <a:avLst/>
-          </a:prstGeom>
-        </p:spPr>
-      </p:pic>
-    </p:spTree>
-    <p:extLst>
-      <p:ext uri="{BB962C8B-B14F-4D97-AF65-F5344CB8AC3E}">
-        <p14:creationId xmlns:p14="http://schemas.microsoft.com/office/powerpoint/2010/main" val="3026448479"/>
-      </p:ext>
-    </p:extLst>
-  </p:cSld>
-  <p:clrMapOvr>
-    <a:masterClrMapping/>
-  </p:clrMapOvr>
-  <p:timing>
-    <p:tnLst>
-      <p:par>
-        <p:cTn id="1" dur="indefinite" restart="never" nodeType="tmRoot"/>
-      </p:par>
-    </p:tnLst>
-  </p:timing>
-</p:sld>
-</file>
-
-<file path=ppt/slides/slide6.xml><?xml version="1.0" encoding="utf-8"?>
-<p:sld xmlns:a="http://schemas.openxmlformats.org/drawingml/2006/main" xmlns:r="http://schemas.openxmlformats.org/officeDocument/2006/relationships" xmlns:p="http://schemas.openxmlformats.org/presentationml/2006/main">
-  <p:cSld>
-    <p:spTree>
-      <p:nvGrpSpPr>
-        <p:cNvPr id="1" name=""/>
-        <p:cNvGrpSpPr/>
-        <p:nvPr/>
-      </p:nvGrpSpPr>
-      <p:grpSpPr>
-        <a:xfrm>
-          <a:off x="0" y="0"/>
-          <a:ext cx="0" cy="0"/>
-          <a:chOff x="0" y="0"/>
-          <a:chExt cx="0" cy="0"/>
-        </a:xfrm>
-      </p:grpSpPr>
-      <p:sp>
-        <p:nvSpPr>
-          <p:cNvPr id="2" name="Título 1"/>
-          <p:cNvSpPr>
-            <a:spLocks noGrp="1"/>
-          </p:cNvSpPr>
-          <p:nvPr>
-            <p:ph type="title"/>
-          </p:nvPr>
-        </p:nvSpPr>
-        <p:spPr/>
-        <p:txBody>
-          <a:bodyPr/>
-          <a:lstStyle/>
-          <a:p>
-            <a:r>
-              <a:rPr lang="pt-BR" dirty="0" smtClean="0"/>
-              <a:t>Utilizando </a:t>
-            </a:r>
-            <a:r>
-              <a:rPr lang="pt-BR" dirty="0" err="1" smtClean="0"/>
-              <a:t>For..Loops</a:t>
-            </a:r>
-            <a:endParaRPr lang="pt-BR" dirty="0"/>
-          </a:p>
-        </p:txBody>
-      </p:sp>
-      <p:sp>
-        <p:nvSpPr>
-          <p:cNvPr id="3" name="Espaço Reservado para Conteúdo 2"/>
-          <p:cNvSpPr>
-            <a:spLocks noGrp="1"/>
-          </p:cNvSpPr>
-          <p:nvPr>
-            <p:ph idx="1"/>
-          </p:nvPr>
-        </p:nvSpPr>
-        <p:spPr/>
-        <p:txBody>
-          <a:bodyPr/>
-          <a:lstStyle/>
-          <a:p>
-            <a:r>
-              <a:rPr lang="pt-BR" dirty="0" smtClean="0"/>
-              <a:t>Cursor For Loops reduz significativamente o tamanho do código e a necessidade de controle sobre o cursor;</a:t>
-            </a:r>
-          </a:p>
-          <a:p>
-            <a:r>
-              <a:rPr lang="pt-BR" dirty="0" smtClean="0"/>
-              <a:t>As operações de open, </a:t>
-            </a:r>
-            <a:r>
-              <a:rPr lang="pt-BR" dirty="0" err="1" smtClean="0"/>
-              <a:t>fetch</a:t>
-            </a:r>
-            <a:r>
-              <a:rPr lang="pt-BR" dirty="0" smtClean="0"/>
-              <a:t> e close são realizadas automaticamente;</a:t>
-            </a:r>
-          </a:p>
-          <a:p>
-            <a:r>
-              <a:rPr lang="pt-BR" dirty="0" smtClean="0"/>
-              <a:t>Um registro é </a:t>
-            </a:r>
-            <a:br>
-              <a:rPr lang="pt-BR" dirty="0" smtClean="0"/>
-            </a:br>
-            <a:r>
-              <a:rPr lang="pt-BR" dirty="0" smtClean="0"/>
-              <a:t>declarado </a:t>
-            </a:r>
-            <a:br>
-              <a:rPr lang="pt-BR" dirty="0" smtClean="0"/>
-            </a:br>
-            <a:r>
-              <a:rPr lang="pt-BR" dirty="0" smtClean="0"/>
-              <a:t>automaticamente </a:t>
-            </a:r>
-            <a:br>
-              <a:rPr lang="pt-BR" dirty="0" smtClean="0"/>
-            </a:br>
-            <a:r>
-              <a:rPr lang="pt-BR" dirty="0" smtClean="0"/>
-              <a:t>para atender aos </a:t>
-            </a:r>
-            <a:br>
-              <a:rPr lang="pt-BR" dirty="0" smtClean="0"/>
-            </a:br>
-            <a:r>
-              <a:rPr lang="pt-BR" dirty="0" smtClean="0"/>
-              <a:t>campos do cursor;</a:t>
-            </a:r>
-          </a:p>
-          <a:p>
-            <a:r>
-              <a:rPr lang="pt-BR" dirty="0" smtClean="0"/>
-              <a:t>O não fechamento</a:t>
-            </a:r>
-            <a:br>
-              <a:rPr lang="pt-BR" dirty="0" smtClean="0"/>
-            </a:br>
-            <a:r>
-              <a:rPr lang="pt-BR" dirty="0" smtClean="0"/>
-              <a:t>do cursor aumenta</a:t>
-            </a:r>
-            <a:br>
-              <a:rPr lang="pt-BR" dirty="0" smtClean="0"/>
-            </a:br>
-            <a:r>
-              <a:rPr lang="pt-BR" dirty="0" smtClean="0"/>
-              <a:t>o consumo de </a:t>
-            </a:r>
-            <a:br>
-              <a:rPr lang="pt-BR" dirty="0" smtClean="0"/>
-            </a:br>
-            <a:r>
-              <a:rPr lang="pt-BR" dirty="0" smtClean="0"/>
-              <a:t>memória;</a:t>
-            </a:r>
-            <a:endParaRPr lang="pt-BR" dirty="0"/>
-          </a:p>
-        </p:txBody>
-      </p:sp>
-      <p:pic>
-        <p:nvPicPr>
-          <p:cNvPr id="4" name="Imagem 3"/>
-          <p:cNvPicPr>
-            <a:picLocks noChangeAspect="1"/>
-          </p:cNvPicPr>
-          <p:nvPr/>
-        </p:nvPicPr>
-        <p:blipFill>
-          <a:blip r:embed="rId2"/>
-          <a:stretch>
-            <a:fillRect/>
-          </a:stretch>
-        </p:blipFill>
-        <p:spPr>
-          <a:xfrm>
-            <a:off x="5214938" y="3414124"/>
-            <a:ext cx="6814242" cy="3326050"/>
-          </a:xfrm>
-          <a:prstGeom prst="rect">
-            <a:avLst/>
-          </a:prstGeom>
-        </p:spPr>
-      </p:pic>
-    </p:spTree>
-    <p:extLst>
-      <p:ext uri="{BB962C8B-B14F-4D97-AF65-F5344CB8AC3E}">
-        <p14:creationId xmlns:p14="http://schemas.microsoft.com/office/powerpoint/2010/main" val="4217817792"/>
-      </p:ext>
-    </p:extLst>
-  </p:cSld>
-  <p:clrMapOvr>
-    <a:masterClrMapping/>
-  </p:clrMapOvr>
-  <p:timing>
-    <p:tnLst>
-      <p:par>
-        <p:cTn id="1" dur="indefinite" restart="never" nodeType="tmRoot"/>
-      </p:par>
-    </p:tnLst>
-  </p:timing>
-</p:sld>
-</file>
-
-<file path=ppt/slides/slide7.xml><?xml version="1.0" encoding="utf-8"?>
-<p:sld xmlns:a="http://schemas.openxmlformats.org/drawingml/2006/main" xmlns:r="http://schemas.openxmlformats.org/officeDocument/2006/relationships" xmlns:p="http://schemas.openxmlformats.org/presentationml/2006/main">
-  <p:cSld>
-    <p:spTree>
-      <p:nvGrpSpPr>
-        <p:cNvPr id="1" name=""/>
-        <p:cNvGrpSpPr/>
-        <p:nvPr/>
-      </p:nvGrpSpPr>
-      <p:grpSpPr>
-        <a:xfrm>
-          <a:off x="0" y="0"/>
-          <a:ext cx="0" cy="0"/>
-          <a:chOff x="0" y="0"/>
-          <a:chExt cx="0" cy="0"/>
-        </a:xfrm>
-      </p:grpSpPr>
-      <p:sp>
-        <p:nvSpPr>
-          <p:cNvPr id="2" name="Título 1"/>
-          <p:cNvSpPr>
-            <a:spLocks noGrp="1"/>
-          </p:cNvSpPr>
-          <p:nvPr>
-            <p:ph type="title"/>
-          </p:nvPr>
-        </p:nvSpPr>
-        <p:spPr/>
-        <p:txBody>
-          <a:bodyPr/>
-          <a:lstStyle/>
-          <a:p>
-            <a:r>
-              <a:rPr lang="pt-BR" dirty="0" smtClean="0"/>
-              <a:t>Dicas adicionais com cursores</a:t>
-            </a:r>
-            <a:endParaRPr lang="pt-BR" dirty="0"/>
-          </a:p>
-        </p:txBody>
-      </p:sp>
-      <p:sp>
-        <p:nvSpPr>
-          <p:cNvPr id="3" name="Espaço Reservado para Conteúdo 2"/>
-          <p:cNvSpPr>
-            <a:spLocks noGrp="1"/>
-          </p:cNvSpPr>
-          <p:nvPr>
-            <p:ph idx="1"/>
-          </p:nvPr>
-        </p:nvSpPr>
-        <p:spPr/>
-        <p:txBody>
-          <a:bodyPr/>
-          <a:lstStyle/>
-          <a:p>
-            <a:r>
-              <a:rPr lang="pt-BR" dirty="0" smtClean="0"/>
-              <a:t>Se um cursor não é mais necessário, feche-o explicitamente;</a:t>
-            </a:r>
-          </a:p>
-          <a:p>
-            <a:r>
-              <a:rPr lang="pt-BR" dirty="0" smtClean="0"/>
-              <a:t>Muitos cursores abertos também gera </a:t>
-            </a:r>
-            <a:r>
-              <a:rPr lang="pt-BR" dirty="0" err="1" smtClean="0"/>
-              <a:t>exception</a:t>
-            </a:r>
-            <a:r>
-              <a:rPr lang="pt-BR" dirty="0" smtClean="0"/>
-              <a:t>;</a:t>
-            </a:r>
-          </a:p>
-          <a:p>
-            <a:r>
-              <a:rPr lang="pt-BR" dirty="0" smtClean="0"/>
-              <a:t>Em caso de cursores em </a:t>
-            </a:r>
-            <a:r>
-              <a:rPr lang="pt-BR" dirty="0" err="1" smtClean="0"/>
-              <a:t>packages</a:t>
-            </a:r>
-            <a:r>
-              <a:rPr lang="pt-BR" dirty="0" smtClean="0"/>
-              <a:t>, o seu escopo permanece enquanto permanecer a </a:t>
-            </a:r>
-            <a:r>
-              <a:rPr lang="pt-BR" dirty="0" err="1" smtClean="0"/>
-              <a:t>package</a:t>
-            </a:r>
-            <a:r>
-              <a:rPr lang="pt-BR" dirty="0" smtClean="0"/>
-              <a:t>;</a:t>
-            </a:r>
-          </a:p>
-          <a:p>
-            <a:r>
-              <a:rPr lang="pt-BR" dirty="0" smtClean="0"/>
-              <a:t>Caso um cursor seja criado com FOR UPDATE os </a:t>
-            </a:r>
-            <a:r>
-              <a:rPr lang="pt-BR" dirty="0" err="1" smtClean="0"/>
-              <a:t>locks</a:t>
-            </a:r>
-            <a:r>
-              <a:rPr lang="pt-BR" dirty="0" smtClean="0"/>
-              <a:t> permanecerão até que o cursor seja fechado;</a:t>
-            </a:r>
-          </a:p>
-          <a:p>
-            <a:r>
-              <a:rPr lang="pt-BR" dirty="0" smtClean="0"/>
-              <a:t>É possível combinar DML com cursor utilizando a cláusula FOR UPDATE no cursor e WHERE CURRENT OF no DML;</a:t>
-            </a:r>
-          </a:p>
-          <a:p>
-            <a:r>
-              <a:rPr lang="pt-BR" dirty="0" smtClean="0"/>
-              <a:t>Essa abordagem gera melhor desempenho;</a:t>
-            </a:r>
-          </a:p>
-          <a:p>
-            <a:r>
-              <a:rPr lang="pt-BR" dirty="0" smtClean="0"/>
-              <a:t>Garanta o uso de alias em colunas calculadas</a:t>
-            </a:r>
-            <a:endParaRPr lang="pt-BR" dirty="0"/>
-          </a:p>
-        </p:txBody>
-      </p:sp>
-    </p:spTree>
-    <p:extLst>
-      <p:ext uri="{BB962C8B-B14F-4D97-AF65-F5344CB8AC3E}">
-        <p14:creationId xmlns:p14="http://schemas.microsoft.com/office/powerpoint/2010/main" val="238985854"/>
-      </p:ext>
-    </p:extLst>
-  </p:cSld>
-  <p:clrMapOvr>
-    <a:masterClrMapping/>
-  </p:clrMapOvr>
-  <p:timing>
-    <p:tnLst>
-      <p:par>
-        <p:cTn id="1" dur="indefinite" restart="never" nodeType="tmRoot"/>
-      </p:par>
-    </p:tnLst>
-  </p:timing>
-</p:sld>
-</file>
-
-<file path=ppt/slides/slide8.xml><?xml version="1.0" encoding="utf-8"?>
-<p:sld xmlns:a="http://schemas.openxmlformats.org/drawingml/2006/main" xmlns:r="http://schemas.openxmlformats.org/officeDocument/2006/relationships" xmlns:p="http://schemas.openxmlformats.org/presentationml/2006/main">
-  <p:cSld>
-    <p:spTree>
-      <p:nvGrpSpPr>
-        <p:cNvPr id="1" name=""/>
-        <p:cNvGrpSpPr/>
-        <p:nvPr/>
-      </p:nvGrpSpPr>
-      <p:grpSpPr>
-        <a:xfrm>
-          <a:off x="0" y="0"/>
-          <a:ext cx="0" cy="0"/>
-          <a:chOff x="0" y="0"/>
-          <a:chExt cx="0" cy="0"/>
-        </a:xfrm>
-      </p:grpSpPr>
-      <p:sp>
-        <p:nvSpPr>
-          <p:cNvPr id="2" name="Título 1"/>
-          <p:cNvSpPr>
-            <a:spLocks noGrp="1"/>
-          </p:cNvSpPr>
-          <p:nvPr>
-            <p:ph type="title"/>
-          </p:nvPr>
-        </p:nvSpPr>
-        <p:spPr/>
-        <p:txBody>
-          <a:bodyPr/>
-          <a:lstStyle/>
-          <a:p>
-            <a:r>
-              <a:rPr lang="pt-BR" dirty="0" smtClean="0"/>
-              <a:t>Cursor </a:t>
-            </a:r>
-            <a:r>
-              <a:rPr lang="pt-BR" dirty="0" err="1" smtClean="0"/>
-              <a:t>Variable</a:t>
-            </a:r>
-            <a:endParaRPr lang="pt-BR" dirty="0"/>
-          </a:p>
-        </p:txBody>
-      </p:sp>
-      <p:sp>
-        <p:nvSpPr>
-          <p:cNvPr id="3" name="Espaço Reservado para Conteúdo 2"/>
-          <p:cNvSpPr>
-            <a:spLocks noGrp="1"/>
-          </p:cNvSpPr>
-          <p:nvPr>
-            <p:ph idx="1"/>
-          </p:nvPr>
-        </p:nvSpPr>
-        <p:spPr/>
-        <p:txBody>
-          <a:bodyPr/>
-          <a:lstStyle/>
-          <a:p>
-            <a:r>
-              <a:rPr lang="pt-BR" dirty="0" smtClean="0"/>
-              <a:t>Aponta para a linha corrente de um </a:t>
-            </a:r>
-            <a:r>
-              <a:rPr lang="pt-BR" dirty="0" err="1" smtClean="0"/>
-              <a:t>result</a:t>
-            </a:r>
-            <a:r>
-              <a:rPr lang="pt-BR" dirty="0" smtClean="0"/>
-              <a:t> set;</a:t>
-            </a:r>
-          </a:p>
-          <a:p>
-            <a:r>
-              <a:rPr lang="pt-BR" dirty="0" smtClean="0"/>
-              <a:t>Funciona como ponteiro em C;</a:t>
-            </a:r>
-          </a:p>
-          <a:p>
-            <a:r>
-              <a:rPr lang="pt-BR" dirty="0" smtClean="0"/>
-              <a:t>Declarado por meio da cláusula REF CURSOR</a:t>
-            </a:r>
-          </a:p>
-          <a:p>
-            <a:r>
-              <a:rPr lang="pt-BR" dirty="0" smtClean="0"/>
-              <a:t>Utilizado para tornar dinâmico o conteúdo e a finalidade do cursor</a:t>
-            </a:r>
-          </a:p>
-          <a:p>
-            <a:r>
-              <a:rPr lang="pt-BR" dirty="0" smtClean="0"/>
-              <a:t>Permite compartilhar os dados do cursor com o ponto de chamada</a:t>
-            </a:r>
-          </a:p>
-          <a:p>
-            <a:r>
-              <a:rPr lang="pt-BR" dirty="0" err="1" smtClean="0"/>
-              <a:t>Tipagem</a:t>
-            </a:r>
-            <a:r>
-              <a:rPr lang="pt-BR" dirty="0" smtClean="0"/>
-              <a:t> forte: TYPE NOME IS REF CURSOR RETURN </a:t>
-            </a:r>
-            <a:r>
-              <a:rPr lang="pt-BR" dirty="0" err="1" smtClean="0"/>
-              <a:t>tabela%ROWTYPE</a:t>
-            </a:r>
-            <a:r>
-              <a:rPr lang="pt-BR" dirty="0" smtClean="0"/>
-              <a:t>;</a:t>
-            </a:r>
-          </a:p>
-          <a:p>
-            <a:r>
-              <a:rPr lang="pt-BR" dirty="0" err="1" smtClean="0"/>
-              <a:t>Tiapgem</a:t>
-            </a:r>
-            <a:r>
-              <a:rPr lang="pt-BR" dirty="0" smtClean="0"/>
-              <a:t> fraca: TYPE NOME IS REF CURSOR;</a:t>
-            </a:r>
-            <a:endParaRPr lang="pt-BR" dirty="0"/>
-          </a:p>
-        </p:txBody>
-      </p:sp>
-    </p:spTree>
-    <p:extLst>
-      <p:ext uri="{BB962C8B-B14F-4D97-AF65-F5344CB8AC3E}">
-        <p14:creationId xmlns:p14="http://schemas.microsoft.com/office/powerpoint/2010/main" val="2581587719"/>
-      </p:ext>
-    </p:extLst>
-  </p:cSld>
-  <p:clrMapOvr>
-    <a:masterClrMapping/>
-  </p:clrMapOvr>
-  <p:timing>
-    <p:tnLst>
-      <p:par>
-        <p:cTn id="1" dur="indefinite" restart="never" nodeType="tmRoot"/>
-      </p:par>
-    </p:tnLst>
-  </p:timing>
-</p:sld>
-</file>
-
-<file path=ppt/slides/slide9.xml><?xml version="1.0" encoding="utf-8"?>
-<p:sld xmlns:a="http://schemas.openxmlformats.org/drawingml/2006/main" xmlns:r="http://schemas.openxmlformats.org/officeDocument/2006/relationships" xmlns:p="http://schemas.openxmlformats.org/presentationml/2006/main">
-  <p:cSld>
-    <p:spTree>
-      <p:nvGrpSpPr>
-        <p:cNvPr id="1" name=""/>
-        <p:cNvGrpSpPr/>
-        <p:nvPr/>
-      </p:nvGrpSpPr>
-      <p:grpSpPr>
-        <a:xfrm>
-          <a:off x="0" y="0"/>
-          <a:ext cx="0" cy="0"/>
-          <a:chOff x="0" y="0"/>
-          <a:chExt cx="0" cy="0"/>
-        </a:xfrm>
-      </p:grpSpPr>
-      <p:sp>
-        <p:nvSpPr>
-          <p:cNvPr id="2" name="Título 1"/>
-          <p:cNvSpPr>
-            <a:spLocks noGrp="1"/>
-          </p:cNvSpPr>
-          <p:nvPr>
-            <p:ph type="title"/>
-          </p:nvPr>
-        </p:nvSpPr>
-        <p:spPr/>
-        <p:txBody>
-          <a:bodyPr/>
-          <a:lstStyle/>
-          <a:p>
-            <a:r>
-              <a:rPr lang="pt-BR" dirty="0" smtClean="0"/>
-              <a:t>Utilizando </a:t>
-            </a:r>
-            <a:r>
-              <a:rPr lang="pt-BR" dirty="0" err="1" smtClean="0"/>
-              <a:t>Ref</a:t>
-            </a:r>
-            <a:r>
-              <a:rPr lang="pt-BR" dirty="0" smtClean="0"/>
-              <a:t> Cursor</a:t>
-            </a:r>
-            <a:endParaRPr lang="pt-BR" dirty="0"/>
-          </a:p>
-        </p:txBody>
-      </p:sp>
-      <p:sp>
-        <p:nvSpPr>
-          <p:cNvPr id="3" name="Espaço Reservado para Conteúdo 2"/>
-          <p:cNvSpPr>
-            <a:spLocks noGrp="1"/>
-          </p:cNvSpPr>
-          <p:nvPr>
-            <p:ph idx="1"/>
-          </p:nvPr>
-        </p:nvSpPr>
-        <p:spPr/>
-        <p:txBody>
-          <a:bodyPr/>
-          <a:lstStyle/>
-          <a:p>
-            <a:r>
-              <a:rPr lang="pt-BR" dirty="0" smtClean="0"/>
-              <a:t>Como em qualquer cursor, o Oracle </a:t>
-            </a:r>
-            <a:r>
-              <a:rPr lang="pt-BR" dirty="0" smtClean="0"/>
-              <a:t>reserva uma área </a:t>
-            </a:r>
-            <a:r>
-              <a:rPr lang="pt-BR" dirty="0" smtClean="0"/>
-              <a:t>de memória para os dados a serem retornados;</a:t>
-            </a:r>
-          </a:p>
-          <a:p>
-            <a:r>
-              <a:rPr lang="pt-BR" dirty="0" smtClean="0"/>
-              <a:t>Essa área de memória recebe um nome, que é o nome do cursor;</a:t>
-            </a:r>
-          </a:p>
-          <a:p>
-            <a:r>
-              <a:rPr lang="pt-BR" dirty="0" smtClean="0"/>
-              <a:t>No entanto, um cursor comum irá sempre apontar para uma mesma área de dados;</a:t>
-            </a:r>
-          </a:p>
-          <a:p>
-            <a:r>
-              <a:rPr lang="pt-BR" dirty="0" smtClean="0"/>
-              <a:t>Já o REF CURSOR permite que essa área seja dinâmica e variável, pois o mesmo identificador pode ser associado a diferentes comandos em tempo de execução;</a:t>
-            </a:r>
-          </a:p>
-          <a:p>
-            <a:endParaRPr lang="pt-BR" dirty="0"/>
-          </a:p>
-        </p:txBody>
-      </p:sp>
-    </p:spTree>
-    <p:extLst>
-      <p:ext uri="{BB962C8B-B14F-4D97-AF65-F5344CB8AC3E}">
-        <p14:creationId xmlns:p14="http://schemas.microsoft.com/office/powerpoint/2010/main" val="3152998470"/>
-      </p:ext>
-    </p:extLst>
-  </p:cSld>
-  <p:clrMapOvr>
-    <a:masterClrMapping/>
-  </p:clrMapOvr>
-  <p:timing>
-    <p:tnLst>
-      <p:par>
-        <p:cTn id="1" dur="indefinite" restart="never" nodeType="tmRoot"/>
-      </p:par>
-    </p:tnLst>
-  </p:timing>
 </p:sld>
 </file>
 
